--- a/Presentation/Pitch.pptx
+++ b/Presentation/Pitch.pptx
@@ -5,7 +5,7 @@
     <p:sldMasterId id="2147483665" r:id="rId1"/>
   </p:sldMasterIdLst>
   <p:notesMasterIdLst>
-    <p:notesMasterId r:id="rId25"/>
+    <p:notesMasterId r:id="rId26"/>
   </p:notesMasterIdLst>
   <p:sldIdLst>
     <p:sldId id="256" r:id="rId2"/>
@@ -30,31 +30,32 @@
     <p:sldId id="303" r:id="rId21"/>
     <p:sldId id="305" r:id="rId22"/>
     <p:sldId id="298" r:id="rId23"/>
-    <p:sldId id="295" r:id="rId24"/>
+    <p:sldId id="306" r:id="rId24"/>
+    <p:sldId id="295" r:id="rId25"/>
   </p:sldIdLst>
   <p:sldSz cx="9144000" cy="5143500" type="screen16x9"/>
   <p:notesSz cx="6858000" cy="9144000"/>
   <p:embeddedFontLst>
     <p:embeddedFont>
       <p:font typeface="Calibri" panose="020F0502020204030204" pitchFamily="34" charset="0"/>
-      <p:regular r:id="rId26"/>
-      <p:bold r:id="rId27"/>
-      <p:italic r:id="rId28"/>
-      <p:boldItalic r:id="rId29"/>
+      <p:regular r:id="rId27"/>
+      <p:bold r:id="rId28"/>
+      <p:italic r:id="rId29"/>
+      <p:boldItalic r:id="rId30"/>
     </p:embeddedFont>
     <p:embeddedFont>
       <p:font typeface="Montserrat" panose="020B0604020202020204" charset="0"/>
-      <p:regular r:id="rId30"/>
-      <p:bold r:id="rId31"/>
-      <p:italic r:id="rId32"/>
-      <p:boldItalic r:id="rId33"/>
+      <p:regular r:id="rId31"/>
+      <p:bold r:id="rId32"/>
+      <p:italic r:id="rId33"/>
+      <p:boldItalic r:id="rId34"/>
     </p:embeddedFont>
     <p:embeddedFont>
       <p:font typeface="Open Sans" panose="020B0604020202020204" charset="0"/>
-      <p:regular r:id="rId34"/>
-      <p:bold r:id="rId35"/>
-      <p:italic r:id="rId36"/>
-      <p:boldItalic r:id="rId37"/>
+      <p:regular r:id="rId35"/>
+      <p:bold r:id="rId36"/>
+      <p:italic r:id="rId37"/>
+      <p:boldItalic r:id="rId38"/>
     </p:embeddedFont>
   </p:embeddedFontLst>
   <p:defaultTextStyle>
@@ -2206,6 +2207,115 @@
 </file>
 
 <file path=ppt/notesSlides/notesSlide22.xml><?xml version="1.0" encoding="utf-8"?>
+<p:notes xmlns:a="http://schemas.openxmlformats.org/drawingml/2006/main" xmlns:r="http://schemas.openxmlformats.org/officeDocument/2006/relationships" xmlns:p="http://schemas.openxmlformats.org/presentationml/2006/main" showMasterSp="0" showMasterPhAnim="0">
+  <p:cSld>
+    <p:spTree>
+      <p:nvGrpSpPr>
+        <p:cNvPr id="1" name="Shape 126"/>
+        <p:cNvGrpSpPr/>
+        <p:nvPr/>
+      </p:nvGrpSpPr>
+      <p:grpSpPr>
+        <a:xfrm>
+          <a:off x="0" y="0"/>
+          <a:ext cx="0" cy="0"/>
+          <a:chOff x="0" y="0"/>
+          <a:chExt cx="0" cy="0"/>
+        </a:xfrm>
+      </p:grpSpPr>
+      <p:sp>
+        <p:nvSpPr>
+          <p:cNvPr id="127" name="Google Shape;127;p:notes"/>
+          <p:cNvSpPr>
+            <a:spLocks noGrp="1" noRot="1" noChangeAspect="1"/>
+          </p:cNvSpPr>
+          <p:nvPr>
+            <p:ph type="sldImg" idx="2"/>
+          </p:nvPr>
+        </p:nvSpPr>
+        <p:spPr>
+          <a:xfrm>
+            <a:off x="381000" y="685800"/>
+            <a:ext cx="6096000" cy="3429000"/>
+          </a:xfrm>
+          <a:custGeom>
+            <a:avLst/>
+            <a:gdLst/>
+            <a:ahLst/>
+            <a:cxnLst/>
+            <a:rect l="l" t="t" r="r" b="b"/>
+            <a:pathLst>
+              <a:path w="120000" h="120000" extrusionOk="0">
+                <a:moveTo>
+                  <a:pt x="0" y="0"/>
+                </a:moveTo>
+                <a:lnTo>
+                  <a:pt x="120000" y="0"/>
+                </a:lnTo>
+                <a:lnTo>
+                  <a:pt x="120000" y="120000"/>
+                </a:lnTo>
+                <a:lnTo>
+                  <a:pt x="0" y="120000"/>
+                </a:lnTo>
+                <a:close/>
+              </a:path>
+            </a:pathLst>
+          </a:custGeom>
+        </p:spPr>
+      </p:sp>
+      <p:sp>
+        <p:nvSpPr>
+          <p:cNvPr id="128" name="Google Shape;128;p:notes"/>
+          <p:cNvSpPr txBox="1">
+            <a:spLocks noGrp="1"/>
+          </p:cNvSpPr>
+          <p:nvPr>
+            <p:ph type="body" idx="1"/>
+          </p:nvPr>
+        </p:nvSpPr>
+        <p:spPr>
+          <a:xfrm>
+            <a:off x="685800" y="4343400"/>
+            <a:ext cx="5486400" cy="4114800"/>
+          </a:xfrm>
+          <a:prstGeom prst="rect">
+            <a:avLst/>
+          </a:prstGeom>
+        </p:spPr>
+        <p:txBody>
+          <a:bodyPr spcFirstLastPara="1" wrap="square" lIns="91425" tIns="91425" rIns="91425" bIns="91425" anchor="t" anchorCtr="0">
+            <a:noAutofit/>
+          </a:bodyPr>
+          <a:lstStyle/>
+          <a:p>
+            <a:pPr marL="0" lvl="0" indent="0" algn="l" rtl="0">
+              <a:spcBef>
+                <a:spcPts val="0"/>
+              </a:spcBef>
+              <a:spcAft>
+                <a:spcPts val="0"/>
+              </a:spcAft>
+              <a:buNone/>
+            </a:pPr>
+            <a:endParaRPr/>
+          </a:p>
+        </p:txBody>
+      </p:sp>
+    </p:spTree>
+    <p:extLst>
+      <p:ext uri="{BB962C8B-B14F-4D97-AF65-F5344CB8AC3E}">
+        <p14:creationId xmlns:p14="http://schemas.microsoft.com/office/powerpoint/2010/main" val="3355795136"/>
+      </p:ext>
+    </p:extLst>
+  </p:cSld>
+  <p:clrMapOvr>
+    <a:masterClrMapping/>
+  </p:clrMapOvr>
+</p:notes>
+</file>
+
+<file path=ppt/notesSlides/notesSlide23.xml><?xml version="1.0" encoding="utf-8"?>
 <p:notes xmlns:a="http://schemas.openxmlformats.org/drawingml/2006/main" xmlns:r="http://schemas.openxmlformats.org/officeDocument/2006/relationships" xmlns:p="http://schemas.openxmlformats.org/presentationml/2006/main" showMasterSp="0" showMasterPhAnim="0">
   <p:cSld>
     <p:spTree>
@@ -8763,8 +8873,8 @@
         </p:nvSpPr>
         <p:spPr>
           <a:xfrm>
-            <a:off x="575397" y="1739595"/>
-            <a:ext cx="5038750" cy="2630694"/>
+            <a:off x="575397" y="1739594"/>
+            <a:ext cx="5038750" cy="2792381"/>
           </a:xfrm>
           <a:prstGeom prst="rect">
             <a:avLst/>
@@ -8783,7 +8893,7 @@
             </a:pPr>
             <a:r>
               <a:rPr lang="de-DE" sz="2400" dirty="0"/>
-              <a:t>Infrastruktur für Developer gegeben</a:t>
+              <a:t>Infrastruktur für Developer</a:t>
             </a:r>
           </a:p>
           <a:p>
@@ -12333,41 +12443,21 @@
               <a:buNone/>
             </a:pPr>
             <a:r>
+              <a:rPr lang="en-US" dirty="0">
+                <a:solidFill>
+                  <a:schemeClr val="accent4"/>
+                </a:solidFill>
+              </a:rPr>
+              <a:t>Break-even</a:t>
+            </a:r>
+            <a:r>
               <a:rPr lang="en-US" dirty="0"/>
-              <a:t>Break even in Phase 5: Marketing</a:t>
+              <a:t> in Phase 5: Marketing</a:t>
             </a:r>
             <a:endParaRPr dirty="0"/>
           </a:p>
         </p:txBody>
       </p:sp>
-      <p:pic>
-        <p:nvPicPr>
-          <p:cNvPr id="173" name="Google Shape;173;p28"/>
-          <p:cNvPicPr preferRelativeResize="0"/>
-          <p:nvPr/>
-        </p:nvPicPr>
-        <p:blipFill>
-          <a:blip r:embed="rId3">
-            <a:alphaModFix/>
-          </a:blip>
-          <a:stretch>
-            <a:fillRect/>
-          </a:stretch>
-        </p:blipFill>
-        <p:spPr>
-          <a:xfrm>
-            <a:off x="5971500" y="1160312"/>
-            <a:ext cx="3172500" cy="3172500"/>
-          </a:xfrm>
-          <a:prstGeom prst="rect">
-            <a:avLst/>
-          </a:prstGeom>
-          <a:noFill/>
-          <a:ln>
-            <a:noFill/>
-          </a:ln>
-        </p:spPr>
-      </p:pic>
       <p:sp>
         <p:nvSpPr>
           <p:cNvPr id="174" name="Google Shape;174;p28"/>
@@ -12407,6 +12497,246 @@
               <a:t>19</a:t>
             </a:fld>
             <a:endParaRPr/>
+          </a:p>
+        </p:txBody>
+      </p:sp>
+      <p:pic>
+        <p:nvPicPr>
+          <p:cNvPr id="3" name="Picture 2" descr="A picture containing game&#10;&#10;Description automatically generated">
+            <a:extLst>
+              <a:ext uri="{FF2B5EF4-FFF2-40B4-BE49-F238E27FC236}">
+                <a16:creationId xmlns:a16="http://schemas.microsoft.com/office/drawing/2014/main" id="{C3D85886-1B19-4F82-BBD2-13FB208878F9}"/>
+              </a:ext>
+            </a:extLst>
+          </p:cNvPr>
+          <p:cNvPicPr>
+            <a:picLocks noChangeAspect="1"/>
+          </p:cNvPicPr>
+          <p:nvPr/>
+        </p:nvPicPr>
+        <p:blipFill rotWithShape="1">
+          <a:blip r:embed="rId3"/>
+          <a:srcRect l="11207"/>
+          <a:stretch/>
+        </p:blipFill>
+        <p:spPr>
+          <a:xfrm>
+            <a:off x="6044995" y="1849646"/>
+            <a:ext cx="2880605" cy="2311846"/>
+          </a:xfrm>
+          <a:prstGeom prst="roundRect">
+            <a:avLst>
+              <a:gd name="adj" fmla="val 8594"/>
+            </a:avLst>
+          </a:prstGeom>
+          <a:solidFill>
+            <a:srgbClr val="FFFFFF">
+              <a:shade val="85000"/>
+            </a:srgbClr>
+          </a:solidFill>
+          <a:ln>
+            <a:noFill/>
+          </a:ln>
+          <a:effectLst>
+            <a:reflection blurRad="12700" stA="38000" endPos="28000" dist="5000" dir="5400000" sy="-100000" algn="bl" rotWithShape="0"/>
+          </a:effectLst>
+        </p:spPr>
+      </p:pic>
+      <p:sp>
+        <p:nvSpPr>
+          <p:cNvPr id="9" name="TextBox 8">
+            <a:extLst>
+              <a:ext uri="{FF2B5EF4-FFF2-40B4-BE49-F238E27FC236}">
+                <a16:creationId xmlns:a16="http://schemas.microsoft.com/office/drawing/2014/main" id="{09210E25-9A83-458C-85D4-1BABC5C788AF}"/>
+              </a:ext>
+            </a:extLst>
+          </p:cNvPr>
+          <p:cNvSpPr txBox="1"/>
+          <p:nvPr/>
+        </p:nvSpPr>
+        <p:spPr>
+          <a:xfrm>
+            <a:off x="5015752" y="3442729"/>
+            <a:ext cx="1029243" cy="584775"/>
+          </a:xfrm>
+          <a:prstGeom prst="rect">
+            <a:avLst/>
+          </a:prstGeom>
+          <a:noFill/>
+        </p:spPr>
+        <p:txBody>
+          <a:bodyPr wrap="square" rtlCol="0">
+            <a:spAutoFit/>
+          </a:bodyPr>
+          <a:lstStyle/>
+          <a:p>
+            <a:pPr algn="r"/>
+            <a:r>
+              <a:rPr lang="de-DE" sz="1600" dirty="0">
+                <a:solidFill>
+                  <a:srgbClr val="903930"/>
+                </a:solidFill>
+                <a:latin typeface="Montserrat" panose="020B0604020202020204" charset="0"/>
+              </a:rPr>
+              <a:t>Cost</a:t>
+            </a:r>
+          </a:p>
+          <a:p>
+            <a:pPr algn="r"/>
+            <a:r>
+              <a:rPr lang="de-DE" sz="1600" dirty="0">
+                <a:solidFill>
+                  <a:srgbClr val="92D050"/>
+                </a:solidFill>
+                <a:latin typeface="Montserrat" panose="020B0604020202020204" charset="0"/>
+              </a:rPr>
+              <a:t>Income</a:t>
+            </a:r>
+            <a:endParaRPr lang="en-US" sz="1600" dirty="0">
+              <a:solidFill>
+                <a:srgbClr val="92D050"/>
+              </a:solidFill>
+              <a:latin typeface="Montserrat" panose="020B0604020202020204" charset="0"/>
+            </a:endParaRPr>
+          </a:p>
+        </p:txBody>
+      </p:sp>
+      <p:sp>
+        <p:nvSpPr>
+          <p:cNvPr id="5" name="TextBox 4">
+            <a:extLst>
+              <a:ext uri="{FF2B5EF4-FFF2-40B4-BE49-F238E27FC236}">
+                <a16:creationId xmlns:a16="http://schemas.microsoft.com/office/drawing/2014/main" id="{15D9B188-520A-4CF1-908D-C70C0F1A5446}"/>
+              </a:ext>
+            </a:extLst>
+          </p:cNvPr>
+          <p:cNvSpPr txBox="1"/>
+          <p:nvPr/>
+        </p:nvSpPr>
+        <p:spPr>
+          <a:xfrm>
+            <a:off x="6377381" y="4161492"/>
+            <a:ext cx="2548219" cy="400110"/>
+          </a:xfrm>
+          <a:prstGeom prst="rect">
+            <a:avLst/>
+          </a:prstGeom>
+          <a:noFill/>
+        </p:spPr>
+        <p:txBody>
+          <a:bodyPr wrap="square" rtlCol="0">
+            <a:spAutoFit/>
+          </a:bodyPr>
+          <a:lstStyle/>
+          <a:p>
+            <a:r>
+              <a:rPr lang="de-DE" sz="2000" dirty="0">
+                <a:solidFill>
+                  <a:schemeClr val="bg1"/>
+                </a:solidFill>
+                <a:latin typeface="Montserrat" panose="020B0604020202020204" charset="0"/>
+              </a:rPr>
+              <a:t>Projectphase 1 - 5</a:t>
+            </a:r>
+            <a:endParaRPr lang="en-US" sz="2000" dirty="0">
+              <a:solidFill>
+                <a:schemeClr val="bg1"/>
+              </a:solidFill>
+              <a:latin typeface="Montserrat" panose="020B0604020202020204" charset="0"/>
+            </a:endParaRPr>
+          </a:p>
+        </p:txBody>
+      </p:sp>
+      <p:sp>
+        <p:nvSpPr>
+          <p:cNvPr id="6" name="TextBox 5">
+            <a:extLst>
+              <a:ext uri="{FF2B5EF4-FFF2-40B4-BE49-F238E27FC236}">
+                <a16:creationId xmlns:a16="http://schemas.microsoft.com/office/drawing/2014/main" id="{54441A78-F9D6-4F44-8CBE-C7987EC34829}"/>
+              </a:ext>
+            </a:extLst>
+          </p:cNvPr>
+          <p:cNvSpPr txBox="1"/>
+          <p:nvPr/>
+        </p:nvSpPr>
+        <p:spPr>
+          <a:xfrm>
+            <a:off x="6508919" y="1394378"/>
+            <a:ext cx="2880605" cy="400110"/>
+          </a:xfrm>
+          <a:prstGeom prst="rect">
+            <a:avLst/>
+          </a:prstGeom>
+          <a:noFill/>
+        </p:spPr>
+        <p:txBody>
+          <a:bodyPr wrap="square" rtlCol="0">
+            <a:spAutoFit/>
+          </a:bodyPr>
+          <a:lstStyle/>
+          <a:p>
+            <a:r>
+              <a:rPr lang="de-DE" sz="2000" dirty="0">
+                <a:solidFill>
+                  <a:schemeClr val="bg1"/>
+                </a:solidFill>
+                <a:latin typeface="Montserrat" panose="020B0604020202020204" charset="0"/>
+              </a:rPr>
+              <a:t>Relative Costs</a:t>
+            </a:r>
+            <a:endParaRPr lang="en-US" sz="2000" dirty="0">
+              <a:solidFill>
+                <a:schemeClr val="bg1"/>
+              </a:solidFill>
+              <a:latin typeface="Montserrat" panose="020B0604020202020204" charset="0"/>
+            </a:endParaRPr>
+          </a:p>
+        </p:txBody>
+      </p:sp>
+      <p:sp>
+        <p:nvSpPr>
+          <p:cNvPr id="7" name="Oval 6">
+            <a:extLst>
+              <a:ext uri="{FF2B5EF4-FFF2-40B4-BE49-F238E27FC236}">
+                <a16:creationId xmlns:a16="http://schemas.microsoft.com/office/drawing/2014/main" id="{48A8ACDD-5991-46A7-9D40-7DF451025CFC}"/>
+              </a:ext>
+            </a:extLst>
+          </p:cNvPr>
+          <p:cNvSpPr/>
+          <p:nvPr/>
+        </p:nvSpPr>
+        <p:spPr>
+          <a:xfrm>
+            <a:off x="8486565" y="2509277"/>
+            <a:ext cx="193759" cy="185906"/>
+          </a:xfrm>
+          <a:prstGeom prst="ellipse">
+            <a:avLst/>
+          </a:prstGeom>
+          <a:noFill/>
+        </p:spPr>
+        <p:style>
+          <a:lnRef idx="2">
+            <a:schemeClr val="accent1">
+              <a:shade val="50000"/>
+            </a:schemeClr>
+          </a:lnRef>
+          <a:fillRef idx="1">
+            <a:schemeClr val="accent1"/>
+          </a:fillRef>
+          <a:effectRef idx="0">
+            <a:schemeClr val="accent1"/>
+          </a:effectRef>
+          <a:fontRef idx="minor">
+            <a:schemeClr val="lt1"/>
+          </a:fontRef>
+        </p:style>
+        <p:txBody>
+          <a:bodyPr rtlCol="0" anchor="ctr"/>
+          <a:lstStyle/>
+          <a:p>
+            <a:pPr algn="ctr"/>
+            <a:endParaRPr lang="en-US"/>
           </a:p>
         </p:txBody>
       </p:sp>
@@ -13537,6 +13867,304 @@
   <p:cSld>
     <p:spTree>
       <p:nvGrpSpPr>
+        <p:cNvPr id="1" name="Shape 129"/>
+        <p:cNvGrpSpPr/>
+        <p:nvPr/>
+      </p:nvGrpSpPr>
+      <p:grpSpPr>
+        <a:xfrm>
+          <a:off x="0" y="0"/>
+          <a:ext cx="0" cy="0"/>
+          <a:chOff x="0" y="0"/>
+          <a:chExt cx="0" cy="0"/>
+        </a:xfrm>
+      </p:grpSpPr>
+      <p:sp>
+        <p:nvSpPr>
+          <p:cNvPr id="130" name="Google Shape;130;p24"/>
+          <p:cNvSpPr txBox="1">
+            <a:spLocks noGrp="1"/>
+          </p:cNvSpPr>
+          <p:nvPr>
+            <p:ph type="title"/>
+          </p:nvPr>
+        </p:nvSpPr>
+        <p:spPr>
+          <a:xfrm>
+            <a:off x="457200" y="447620"/>
+            <a:ext cx="4188759" cy="1071900"/>
+          </a:xfrm>
+          <a:prstGeom prst="rect">
+            <a:avLst/>
+          </a:prstGeom>
+        </p:spPr>
+        <p:txBody>
+          <a:bodyPr spcFirstLastPara="1" wrap="square" lIns="91425" tIns="91425" rIns="91425" bIns="91425" anchor="b" anchorCtr="0">
+            <a:noAutofit/>
+          </a:bodyPr>
+          <a:lstStyle/>
+          <a:p>
+            <a:pPr marL="0" lvl="0" indent="0" algn="l" rtl="0">
+              <a:spcBef>
+                <a:spcPts val="0"/>
+              </a:spcBef>
+              <a:spcAft>
+                <a:spcPts val="0"/>
+              </a:spcAft>
+              <a:buNone/>
+            </a:pPr>
+            <a:r>
+              <a:rPr lang="en-US" dirty="0"/>
+              <a:t>Conclusion</a:t>
+            </a:r>
+            <a:endParaRPr dirty="0"/>
+          </a:p>
+        </p:txBody>
+      </p:sp>
+      <p:sp>
+        <p:nvSpPr>
+          <p:cNvPr id="131" name="Google Shape;131;p24"/>
+          <p:cNvSpPr txBox="1">
+            <a:spLocks noGrp="1"/>
+          </p:cNvSpPr>
+          <p:nvPr>
+            <p:ph type="body" idx="1"/>
+          </p:nvPr>
+        </p:nvSpPr>
+        <p:spPr>
+          <a:xfrm>
+            <a:off x="457200" y="1715203"/>
+            <a:ext cx="5038750" cy="2792381"/>
+          </a:xfrm>
+          <a:prstGeom prst="rect">
+            <a:avLst/>
+          </a:prstGeom>
+        </p:spPr>
+        <p:txBody>
+          <a:bodyPr spcFirstLastPara="1" wrap="square" lIns="91425" tIns="91425" rIns="91425" bIns="91425" anchor="t" anchorCtr="0">
+            <a:noAutofit/>
+          </a:bodyPr>
+          <a:lstStyle/>
+          <a:p>
+            <a:pPr>
+              <a:spcBef>
+                <a:spcPts val="0"/>
+              </a:spcBef>
+            </a:pPr>
+            <a:r>
+              <a:rPr lang="de-DE" sz="2400" dirty="0"/>
+              <a:t>Mobile Endless Runner Game</a:t>
+            </a:r>
+          </a:p>
+          <a:p>
+            <a:pPr>
+              <a:spcBef>
+                <a:spcPts val="0"/>
+              </a:spcBef>
+            </a:pPr>
+            <a:endParaRPr lang="de-DE" sz="2400" dirty="0"/>
+          </a:p>
+          <a:p>
+            <a:pPr>
+              <a:spcBef>
+                <a:spcPts val="0"/>
+              </a:spcBef>
+            </a:pPr>
+            <a:r>
+              <a:rPr lang="de-DE" sz="2400" dirty="0"/>
+              <a:t>„</a:t>
+            </a:r>
+            <a:r>
+              <a:rPr lang="de-DE" sz="2400" dirty="0">
+                <a:solidFill>
+                  <a:schemeClr val="accent4"/>
+                </a:solidFill>
+              </a:rPr>
+              <a:t>Challenging </a:t>
+            </a:r>
+            <a:r>
+              <a:rPr lang="de-DE" sz="2400" dirty="0">
+                <a:solidFill>
+                  <a:schemeClr val="bg1"/>
+                </a:solidFill>
+              </a:rPr>
+              <a:t>&amp;</a:t>
+            </a:r>
+            <a:r>
+              <a:rPr lang="de-DE" sz="2400" dirty="0">
+                <a:solidFill>
+                  <a:schemeClr val="accent4"/>
+                </a:solidFill>
+              </a:rPr>
+              <a:t> funny</a:t>
+            </a:r>
+            <a:r>
+              <a:rPr lang="de-DE" sz="2400" dirty="0"/>
+              <a:t>“</a:t>
+            </a:r>
+          </a:p>
+          <a:p>
+            <a:pPr>
+              <a:spcBef>
+                <a:spcPts val="0"/>
+              </a:spcBef>
+            </a:pPr>
+            <a:endParaRPr lang="de-DE" sz="2400" dirty="0"/>
+          </a:p>
+          <a:p>
+            <a:pPr>
+              <a:spcBef>
+                <a:spcPts val="0"/>
+              </a:spcBef>
+            </a:pPr>
+            <a:r>
+              <a:rPr lang="de-DE" sz="2400" dirty="0"/>
+              <a:t>Project will be done!</a:t>
+            </a:r>
+          </a:p>
+          <a:p>
+            <a:pPr marL="101600" indent="0">
+              <a:spcBef>
+                <a:spcPts val="0"/>
+              </a:spcBef>
+              <a:buNone/>
+            </a:pPr>
+            <a:r>
+              <a:rPr lang="de-DE" sz="2400" dirty="0"/>
+              <a:t>    -&gt; </a:t>
+            </a:r>
+            <a:r>
+              <a:rPr lang="de-DE" sz="2400" dirty="0">
+                <a:solidFill>
+                  <a:schemeClr val="accent4"/>
+                </a:solidFill>
+              </a:rPr>
+              <a:t>Safe</a:t>
+            </a:r>
+            <a:r>
+              <a:rPr lang="de-DE" sz="2400" dirty="0"/>
+              <a:t> to work with us</a:t>
+            </a:r>
+          </a:p>
+        </p:txBody>
+      </p:sp>
+      <p:sp>
+        <p:nvSpPr>
+          <p:cNvPr id="132" name="Google Shape;132;p24"/>
+          <p:cNvSpPr txBox="1">
+            <a:spLocks noGrp="1"/>
+          </p:cNvSpPr>
+          <p:nvPr>
+            <p:ph type="sldNum" idx="12"/>
+          </p:nvPr>
+        </p:nvSpPr>
+        <p:spPr>
+          <a:xfrm>
+            <a:off x="8556775" y="4777350"/>
+            <a:ext cx="548700" cy="290100"/>
+          </a:xfrm>
+          <a:prstGeom prst="rect">
+            <a:avLst/>
+          </a:prstGeom>
+        </p:spPr>
+        <p:txBody>
+          <a:bodyPr spcFirstLastPara="1" wrap="square" lIns="91425" tIns="91425" rIns="91425" bIns="91425" anchor="t" anchorCtr="0">
+            <a:noAutofit/>
+          </a:bodyPr>
+          <a:lstStyle/>
+          <a:p>
+            <a:pPr marL="0" lvl="0" indent="0" algn="r" rtl="0">
+              <a:spcBef>
+                <a:spcPts val="0"/>
+              </a:spcBef>
+              <a:spcAft>
+                <a:spcPts val="0"/>
+              </a:spcAft>
+              <a:buNone/>
+            </a:pPr>
+            <a:fld id="{00000000-1234-1234-1234-123412341234}" type="slidenum">
+              <a:rPr lang="en"/>
+              <a:t>23</a:t>
+            </a:fld>
+            <a:endParaRPr/>
+          </a:p>
+        </p:txBody>
+      </p:sp>
+      <p:pic>
+        <p:nvPicPr>
+          <p:cNvPr id="7" name="Picture 6" descr="A close up of a logo&#10;&#10;Description automatically generated">
+            <a:extLst>
+              <a:ext uri="{FF2B5EF4-FFF2-40B4-BE49-F238E27FC236}">
+                <a16:creationId xmlns:a16="http://schemas.microsoft.com/office/drawing/2014/main" id="{BEE7991B-1C2E-4C43-9EE6-FAB4CEC9C724}"/>
+              </a:ext>
+            </a:extLst>
+          </p:cNvPr>
+          <p:cNvPicPr>
+            <a:picLocks noChangeAspect="1"/>
+          </p:cNvPicPr>
+          <p:nvPr/>
+        </p:nvPicPr>
+        <p:blipFill>
+          <a:blip r:embed="rId3"/>
+          <a:stretch>
+            <a:fillRect/>
+          </a:stretch>
+        </p:blipFill>
+        <p:spPr>
+          <a:xfrm>
+            <a:off x="6153643" y="2192675"/>
+            <a:ext cx="1322926" cy="1322926"/>
+          </a:xfrm>
+          <a:prstGeom prst="roundRect">
+            <a:avLst>
+              <a:gd name="adj" fmla="val 16667"/>
+            </a:avLst>
+          </a:prstGeom>
+          <a:ln>
+            <a:noFill/>
+          </a:ln>
+          <a:effectLst>
+            <a:outerShdw blurRad="76200" dist="38100" dir="7800000" algn="tl" rotWithShape="0">
+              <a:srgbClr val="000000">
+                <a:alpha val="40000"/>
+              </a:srgbClr>
+            </a:outerShdw>
+          </a:effectLst>
+          <a:scene3d>
+            <a:camera prst="orthographicFront"/>
+            <a:lightRig rig="contrasting" dir="t">
+              <a:rot lat="0" lon="0" rev="4200000"/>
+            </a:lightRig>
+          </a:scene3d>
+          <a:sp3d prstMaterial="plastic">
+            <a:bevelT w="381000" h="114300" prst="relaxedInset"/>
+            <a:contourClr>
+              <a:srgbClr val="969696"/>
+            </a:contourClr>
+          </a:sp3d>
+        </p:spPr>
+      </p:pic>
+    </p:spTree>
+    <p:extLst>
+      <p:ext uri="{BB962C8B-B14F-4D97-AF65-F5344CB8AC3E}">
+        <p14:creationId xmlns:p14="http://schemas.microsoft.com/office/powerpoint/2010/main" val="3147361235"/>
+      </p:ext>
+    </p:extLst>
+  </p:cSld>
+  <p:clrMapOvr>
+    <a:masterClrMapping/>
+  </p:clrMapOvr>
+  <p:transition>
+    <p:fade thruBlk="1"/>
+  </p:transition>
+</p:sld>
+</file>
+
+<file path=ppt/slides/slide24.xml><?xml version="1.0" encoding="utf-8"?>
+<p:sld xmlns:a="http://schemas.openxmlformats.org/drawingml/2006/main" xmlns:r="http://schemas.openxmlformats.org/officeDocument/2006/relationships" xmlns:p="http://schemas.openxmlformats.org/presentationml/2006/main">
+  <p:cSld>
+    <p:spTree>
+      <p:nvGrpSpPr>
         <p:cNvPr id="1" name="Shape 376"/>
         <p:cNvGrpSpPr/>
         <p:nvPr/>
@@ -13767,7 +14395,7 @@
             </a:pPr>
             <a:fld id="{00000000-1234-1234-1234-123412341234}" type="slidenum">
               <a:rPr lang="en"/>
-              <a:t>23</a:t>
+              <a:t>24</a:t>
             </a:fld>
             <a:endParaRPr/>
           </a:p>

--- a/Presentation/Pitch.pptx
+++ b/Presentation/Pitch.pptx
@@ -5,7 +5,7 @@
     <p:sldMasterId id="2147483665" r:id="rId1"/>
   </p:sldMasterIdLst>
   <p:notesMasterIdLst>
-    <p:notesMasterId r:id="rId26"/>
+    <p:notesMasterId r:id="rId27"/>
   </p:notesMasterIdLst>
   <p:sldIdLst>
     <p:sldId id="256" r:id="rId2"/>
@@ -30,32 +30,33 @@
     <p:sldId id="303" r:id="rId21"/>
     <p:sldId id="305" r:id="rId22"/>
     <p:sldId id="298" r:id="rId23"/>
-    <p:sldId id="306" r:id="rId24"/>
-    <p:sldId id="295" r:id="rId25"/>
+    <p:sldId id="307" r:id="rId24"/>
+    <p:sldId id="306" r:id="rId25"/>
+    <p:sldId id="295" r:id="rId26"/>
   </p:sldIdLst>
   <p:sldSz cx="9144000" cy="5143500" type="screen16x9"/>
   <p:notesSz cx="6858000" cy="9144000"/>
   <p:embeddedFontLst>
     <p:embeddedFont>
       <p:font typeface="Calibri" panose="020F0502020204030204" pitchFamily="34" charset="0"/>
-      <p:regular r:id="rId27"/>
-      <p:bold r:id="rId28"/>
-      <p:italic r:id="rId29"/>
-      <p:boldItalic r:id="rId30"/>
+      <p:regular r:id="rId28"/>
+      <p:bold r:id="rId29"/>
+      <p:italic r:id="rId30"/>
+      <p:boldItalic r:id="rId31"/>
     </p:embeddedFont>
     <p:embeddedFont>
       <p:font typeface="Montserrat" panose="020B0604020202020204" charset="0"/>
-      <p:regular r:id="rId31"/>
-      <p:bold r:id="rId32"/>
-      <p:italic r:id="rId33"/>
-      <p:boldItalic r:id="rId34"/>
+      <p:regular r:id="rId32"/>
+      <p:bold r:id="rId33"/>
+      <p:italic r:id="rId34"/>
+      <p:boldItalic r:id="rId35"/>
     </p:embeddedFont>
     <p:embeddedFont>
       <p:font typeface="Open Sans" panose="020B0604020202020204" charset="0"/>
-      <p:regular r:id="rId35"/>
-      <p:bold r:id="rId36"/>
-      <p:italic r:id="rId37"/>
-      <p:boldItalic r:id="rId38"/>
+      <p:regular r:id="rId36"/>
+      <p:bold r:id="rId37"/>
+      <p:italic r:id="rId38"/>
+      <p:boldItalic r:id="rId39"/>
     </p:embeddedFont>
   </p:embeddedFontLst>
   <p:defaultTextStyle>
@@ -13867,6 +13868,121 @@
   <p:cSld>
     <p:spTree>
       <p:nvGrpSpPr>
+        <p:cNvPr id="1" name=""/>
+        <p:cNvGrpSpPr/>
+        <p:nvPr/>
+      </p:nvGrpSpPr>
+      <p:grpSpPr>
+        <a:xfrm>
+          <a:off x="0" y="0"/>
+          <a:ext cx="0" cy="0"/>
+          <a:chOff x="0" y="0"/>
+          <a:chExt cx="0" cy="0"/>
+        </a:xfrm>
+      </p:grpSpPr>
+      <p:sp>
+        <p:nvSpPr>
+          <p:cNvPr id="2" name="Slide Number Placeholder 1">
+            <a:extLst>
+              <a:ext uri="{FF2B5EF4-FFF2-40B4-BE49-F238E27FC236}">
+                <a16:creationId xmlns:a16="http://schemas.microsoft.com/office/drawing/2014/main" id="{4F803A7D-3AE1-40AC-B691-1F33764F2BA1}"/>
+              </a:ext>
+            </a:extLst>
+          </p:cNvPr>
+          <p:cNvSpPr>
+            <a:spLocks noGrp="1"/>
+          </p:cNvSpPr>
+          <p:nvPr>
+            <p:ph type="sldNum" idx="12"/>
+          </p:nvPr>
+        </p:nvSpPr>
+        <p:spPr/>
+        <p:txBody>
+          <a:bodyPr/>
+          <a:lstStyle/>
+          <a:p>
+            <a:pPr marL="0" lvl="0" indent="0" algn="r" rtl="0">
+              <a:spcBef>
+                <a:spcPts val="0"/>
+              </a:spcBef>
+              <a:spcAft>
+                <a:spcPts val="0"/>
+              </a:spcAft>
+              <a:buNone/>
+            </a:pPr>
+            <a:fld id="{00000000-1234-1234-1234-123412341234}" type="slidenum">
+              <a:rPr lang="en" smtClean="0"/>
+              <a:t>23</a:t>
+            </a:fld>
+            <a:endParaRPr lang="en"/>
+          </a:p>
+        </p:txBody>
+      </p:sp>
+      <p:sp>
+        <p:nvSpPr>
+          <p:cNvPr id="3" name="TextBox 2">
+            <a:extLst>
+              <a:ext uri="{FF2B5EF4-FFF2-40B4-BE49-F238E27FC236}">
+                <a16:creationId xmlns:a16="http://schemas.microsoft.com/office/drawing/2014/main" id="{4097DA93-F442-4927-BC54-D07DB7E63405}"/>
+              </a:ext>
+            </a:extLst>
+          </p:cNvPr>
+          <p:cNvSpPr txBox="1"/>
+          <p:nvPr/>
+        </p:nvSpPr>
+        <p:spPr>
+          <a:xfrm>
+            <a:off x="974912" y="2187029"/>
+            <a:ext cx="7194176" cy="769441"/>
+          </a:xfrm>
+          <a:prstGeom prst="rect">
+            <a:avLst/>
+          </a:prstGeom>
+          <a:noFill/>
+        </p:spPr>
+        <p:txBody>
+          <a:bodyPr wrap="square" rtlCol="0">
+            <a:spAutoFit/>
+          </a:bodyPr>
+          <a:lstStyle/>
+          <a:p>
+            <a:pPr algn="ctr"/>
+            <a:r>
+              <a:rPr lang="de-DE" sz="4400" dirty="0">
+                <a:solidFill>
+                  <a:schemeClr val="bg1"/>
+                </a:solidFill>
+                <a:latin typeface="Montserrat" panose="020B0604020202020204" charset="0"/>
+              </a:rPr>
+              <a:t>Demo Time!</a:t>
+            </a:r>
+            <a:endParaRPr lang="en-US" sz="4400" dirty="0">
+              <a:solidFill>
+                <a:schemeClr val="bg1"/>
+              </a:solidFill>
+              <a:latin typeface="Montserrat" panose="020B0604020202020204" charset="0"/>
+            </a:endParaRPr>
+          </a:p>
+        </p:txBody>
+      </p:sp>
+    </p:spTree>
+    <p:extLst>
+      <p:ext uri="{BB962C8B-B14F-4D97-AF65-F5344CB8AC3E}">
+        <p14:creationId xmlns:p14="http://schemas.microsoft.com/office/powerpoint/2010/main" val="3538180319"/>
+      </p:ext>
+    </p:extLst>
+  </p:cSld>
+  <p:clrMapOvr>
+    <a:masterClrMapping/>
+  </p:clrMapOvr>
+</p:sld>
+</file>
+
+<file path=ppt/slides/slide24.xml><?xml version="1.0" encoding="utf-8"?>
+<p:sld xmlns:a="http://schemas.openxmlformats.org/drawingml/2006/main" xmlns:r="http://schemas.openxmlformats.org/officeDocument/2006/relationships" xmlns:p="http://schemas.openxmlformats.org/presentationml/2006/main">
+  <p:cSld>
+    <p:spTree>
+      <p:nvGrpSpPr>
         <p:cNvPr id="1" name="Shape 129"/>
         <p:cNvGrpSpPr/>
         <p:nvPr/>
@@ -14084,7 +14200,7 @@
             </a:pPr>
             <a:fld id="{00000000-1234-1234-1234-123412341234}" type="slidenum">
               <a:rPr lang="en"/>
-              <a:t>23</a:t>
+              <a:t>24</a:t>
             </a:fld>
             <a:endParaRPr/>
           </a:p>
@@ -14160,7 +14276,7 @@
 </p:sld>
 </file>
 
-<file path=ppt/slides/slide24.xml><?xml version="1.0" encoding="utf-8"?>
+<file path=ppt/slides/slide25.xml><?xml version="1.0" encoding="utf-8"?>
 <p:sld xmlns:a="http://schemas.openxmlformats.org/drawingml/2006/main" xmlns:r="http://schemas.openxmlformats.org/officeDocument/2006/relationships" xmlns:p="http://schemas.openxmlformats.org/presentationml/2006/main">
   <p:cSld>
     <p:spTree>
@@ -14395,7 +14511,7 @@
             </a:pPr>
             <a:fld id="{00000000-1234-1234-1234-123412341234}" type="slidenum">
               <a:rPr lang="en"/>
-              <a:t>24</a:t>
+              <a:t>25</a:t>
             </a:fld>
             <a:endParaRPr/>
           </a:p>

--- a/Presentation/Pitch.pptx
+++ b/Presentation/Pitch.pptx
@@ -1759,7 +1759,7 @@
               </a:spcAft>
               <a:buNone/>
             </a:pPr>
-            <a:endParaRPr/>
+            <a:endParaRPr dirty="0"/>
           </a:p>
         </p:txBody>
       </p:sp>
@@ -1977,7 +1977,17 @@
               </a:spcAft>
               <a:buNone/>
             </a:pPr>
-            <a:endParaRPr/>
+            <a:r>
+              <a:rPr lang="de-DE" dirty="0"/>
+              <a:t>Hook mit Maskottchen Giranimo! Sagt Hallo </a:t>
+            </a:r>
+            <a:r>
+              <a:rPr lang="de-DE" dirty="0">
+                <a:sym typeface="Wingdings" panose="05000000000000000000" pitchFamily="2" charset="2"/>
+              </a:rPr>
+              <a:t>! </a:t>
+            </a:r>
+            <a:endParaRPr dirty="0"/>
           </a:p>
         </p:txBody>
       </p:sp>
@@ -2081,7 +2091,40 @@
               </a:spcAft>
               <a:buNone/>
             </a:pPr>
-            <a:endParaRPr/>
+            <a:r>
+              <a:rPr lang="de-DE" dirty="0"/>
+              <a:t>Einmalige Kosten: Apple Development Lizensen, Trailer, Art</a:t>
+            </a:r>
+          </a:p>
+          <a:p>
+            <a:pPr marL="0" lvl="0" indent="0" algn="l" rtl="0">
+              <a:spcBef>
+                <a:spcPts val="0"/>
+              </a:spcBef>
+              <a:spcAft>
+                <a:spcPts val="0"/>
+              </a:spcAft>
+              <a:buNone/>
+            </a:pPr>
+            <a:r>
+              <a:rPr lang="de-DE" dirty="0"/>
+              <a:t>Monatliche Kosten: Persönliche Ausgaben, Werbungen + Puffer</a:t>
+            </a:r>
+          </a:p>
+          <a:p>
+            <a:pPr marL="0" lvl="0" indent="0" algn="l" rtl="0">
+              <a:spcBef>
+                <a:spcPts val="0"/>
+              </a:spcBef>
+              <a:spcAft>
+                <a:spcPts val="0"/>
+              </a:spcAft>
+              <a:buNone/>
+            </a:pPr>
+            <a:r>
+              <a:rPr lang="de-DE" dirty="0"/>
+              <a:t>Monatliche Einnahmen: Durch das Spiel</a:t>
+            </a:r>
           </a:p>
         </p:txBody>
       </p:sp>
@@ -2517,7 +2560,11 @@
               </a:spcAft>
               <a:buNone/>
             </a:pPr>
-            <a:endParaRPr/>
+            <a:r>
+              <a:rPr lang="de-DE" dirty="0"/>
+              <a:t>Kommt nicht in der Präsentation dran. Nur für uns!</a:t>
+            </a:r>
+            <a:endParaRPr dirty="0"/>
           </a:p>
         </p:txBody>
       </p:sp>
@@ -2735,7 +2782,7 @@
               </a:spcAft>
               <a:buNone/>
             </a:pPr>
-            <a:endParaRPr/>
+            <a:endParaRPr dirty="0"/>
           </a:p>
         </p:txBody>
       </p:sp>
@@ -2835,19 +2882,52 @@
           </a:bodyPr>
           <a:lstStyle/>
           <a:p>
-            <a:pPr marL="0" lvl="0" indent="0" algn="l" rtl="0">
-              <a:spcBef>
-                <a:spcPts val="0"/>
-              </a:spcBef>
-              <a:spcAft>
-                <a:spcPts val="0"/>
-              </a:spcAft>
-              <a:buNone/>
+            <a:pPr marL="0" marR="0" lvl="0" indent="0" algn="l" defTabSz="914400" rtl="0" eaLnBrk="1" fontAlgn="auto" latinLnBrk="0" hangingPunct="1">
+              <a:lnSpc>
+                <a:spcPct val="100000"/>
+              </a:lnSpc>
+              <a:spcBef>
+                <a:spcPts val="0"/>
+              </a:spcBef>
+              <a:spcAft>
+                <a:spcPts val="0"/>
+              </a:spcAft>
+              <a:buClr>
+                <a:srgbClr val="000000"/>
+              </a:buClr>
+              <a:buSzPts val="1400"/>
+              <a:buFont typeface="Arial"/>
+              <a:buNone/>
+              <a:tabLst/>
+              <a:defRPr/>
             </a:pPr>
             <a:r>
               <a:rPr lang="de-DE" dirty="0"/>
-              <a:t>Story Outline</a:t>
+              <a:t>Story Outline: „</a:t>
             </a:r>
+            <a:r>
+              <a:rPr lang="de-DE" sz="1100" b="0" i="0" u="none" strike="noStrike" cap="none" dirty="0">
+                <a:solidFill>
+                  <a:srgbClr val="000000"/>
+                </a:solidFill>
+                <a:effectLst/>
+                <a:latin typeface="Arial"/>
+                <a:ea typeface="Arial"/>
+                <a:cs typeface="Arial"/>
+                <a:sym typeface="Arial"/>
+              </a:rPr>
+              <a:t>Eine kleine Giraffe namens Giranimo erfreut sich am kühlem Wasser in einer lauen Sommernacht. Als sie in den klaren Himmel aufblickt und die funkelnden Sterne sieht, fragt sie sich, wie wohl die Sterne und der Mond schmecken würden. Aus Neugier streckt sie ihren Hals und verzehrt dabei einen Apfel der an einem Baum hängt. Überraschenderweise wächst ihr Hals mit einem Schub in die Höhe. Ob es denn möglich ist, dass Giranimo bis zu den Sternen wächst? „</a:t>
+            </a:r>
+            <a:endParaRPr lang="en-US" sz="1100" b="0" i="0" u="none" strike="noStrike" cap="none" dirty="0">
+              <a:solidFill>
+                <a:srgbClr val="000000"/>
+              </a:solidFill>
+              <a:effectLst/>
+              <a:latin typeface="Arial"/>
+              <a:ea typeface="Arial"/>
+              <a:cs typeface="Arial"/>
+              <a:sym typeface="Arial"/>
+            </a:endParaRPr>
           </a:p>
         </p:txBody>
       </p:sp>
@@ -2956,7 +3036,7 @@
               </a:spcAft>
               <a:buNone/>
             </a:pPr>
-            <a:endParaRPr/>
+            <a:endParaRPr dirty="0"/>
           </a:p>
         </p:txBody>
       </p:sp>
@@ -8453,8 +8533,8 @@
         </p:nvSpPr>
         <p:spPr>
           <a:xfrm>
-            <a:off x="3361764" y="4504765"/>
-            <a:ext cx="4182036" cy="307777"/>
+            <a:off x="2373406" y="4502150"/>
+            <a:ext cx="4463314" cy="307777"/>
           </a:xfrm>
           <a:prstGeom prst="rect">
             <a:avLst/>
@@ -8474,7 +8554,7 @@
                 </a:solidFill>
                 <a:latin typeface="Montserrat" panose="020B0604020202020204" charset="0"/>
               </a:rPr>
-              <a:t>James Li, Markus Gumbart, Martina</a:t>
+              <a:t>James Li, Markus Gumbart, Martina Hermsdorf</a:t>
             </a:r>
             <a:endParaRPr lang="en-US" dirty="0">
               <a:solidFill>
@@ -8535,7 +8615,7 @@
         </p:blipFill>
         <p:spPr>
           <a:xfrm>
-            <a:off x="5452782" y="2574365"/>
+            <a:off x="5089711" y="2672603"/>
             <a:ext cx="1930400" cy="1930400"/>
           </a:xfrm>
           <a:prstGeom prst="rect">
@@ -8604,8 +8684,8 @@
               <a:buNone/>
             </a:pPr>
             <a:r>
-              <a:rPr lang="en" dirty="0"/>
-              <a:t>Zielgruppe</a:t>
+              <a:rPr lang="en-US" dirty="0"/>
+              <a:t>Target Audience</a:t>
             </a:r>
             <a:endParaRPr dirty="0"/>
           </a:p>
@@ -8647,7 +8727,7 @@
             </a:pPr>
             <a:r>
               <a:rPr lang="de-DE" sz="2400" dirty="0"/>
-              <a:t>Jede Altersgruppe</a:t>
+              <a:t>For all ages</a:t>
             </a:r>
           </a:p>
           <a:p>
@@ -8663,12 +8743,18 @@
             <a:endParaRPr lang="de-DE" sz="2400" dirty="0"/>
           </a:p>
           <a:p>
-            <a:pPr marL="0" lvl="0" indent="0">
+            <a:pPr marL="0" lvl="0" indent="0" algn="l" rtl="0">
+              <a:spcBef>
+                <a:spcPts val="600"/>
+              </a:spcBef>
+              <a:spcAft>
+                <a:spcPts val="0"/>
+              </a:spcAft>
               <a:buNone/>
             </a:pPr>
             <a:r>
               <a:rPr lang="de-DE" sz="2400" dirty="0"/>
-              <a:t>Spiel für Zwischendurch</a:t>
+              <a:t>Game for in between</a:t>
             </a:r>
           </a:p>
           <a:p>
@@ -8695,7 +8781,7 @@
             </a:pPr>
             <a:r>
               <a:rPr lang="de-DE" sz="2400" dirty="0"/>
-              <a:t>Herausforderung suchend !</a:t>
+              <a:t>Challenging !</a:t>
             </a:r>
             <a:endParaRPr sz="2400" dirty="0"/>
           </a:p>
@@ -8829,7 +8915,7 @@
         <p:spPr>
           <a:xfrm>
             <a:off x="457200" y="447620"/>
-            <a:ext cx="4188759" cy="1071900"/>
+            <a:ext cx="4625340" cy="1071900"/>
           </a:xfrm>
           <a:prstGeom prst="rect">
             <a:avLst/>
@@ -8851,12 +8937,8 @@
               <a:buNone/>
             </a:pPr>
             <a:r>
-              <a:rPr lang="en-US" dirty="0" err="1"/>
-              <a:t>Zielplattform</a:t>
-            </a:r>
-            <a:r>
               <a:rPr lang="en-US" dirty="0"/>
-              <a:t>: IOS</a:t>
+              <a:t>Target platform: IOS</a:t>
             </a:r>
             <a:endParaRPr dirty="0"/>
           </a:p>
@@ -8894,7 +8976,7 @@
             </a:pPr>
             <a:r>
               <a:rPr lang="de-DE" sz="2400" dirty="0"/>
-              <a:t>Infrastruktur für Developer</a:t>
+              <a:t>Infrastructure for Developer</a:t>
             </a:r>
           </a:p>
           <a:p>
@@ -8913,7 +8995,7 @@
             </a:pPr>
             <a:r>
               <a:rPr lang="de-DE" sz="2400" dirty="0"/>
-              <a:t>Weniger Komplikationen mit unterschiedlichen Versionen</a:t>
+              <a:t>Less complications with System versions</a:t>
             </a:r>
           </a:p>
           <a:p>
@@ -9635,7 +9717,23 @@
                   <a:srgbClr val="FFC800"/>
                 </a:solidFill>
               </a:rPr>
-              <a:t>Humor</a:t>
+              <a:t>Humo</a:t>
+            </a:r>
+            <a:r>
+              <a:rPr lang="en-US" sz="6000" dirty="0">
+                <a:solidFill>
+                  <a:srgbClr val="FFC800"/>
+                </a:solidFill>
+              </a:rPr>
+              <a:t>u</a:t>
+            </a:r>
+            <a:r>
+              <a:rPr lang="en" sz="6000" dirty="0">
+                <a:solidFill>
+                  <a:srgbClr val="FFC800"/>
+                </a:solidFill>
+              </a:rPr>
+              <a:t>r</a:t>
             </a:r>
             <a:endParaRPr sz="6000" dirty="0">
               <a:solidFill>
@@ -9670,18 +9768,12 @@
           </a:bodyPr>
           <a:lstStyle/>
           <a:p>
-            <a:pPr marL="0" lvl="0" indent="0" algn="ctr" rtl="0">
-              <a:spcBef>
-                <a:spcPts val="600"/>
-              </a:spcBef>
-              <a:spcAft>
-                <a:spcPts val="0"/>
-              </a:spcAft>
+            <a:pPr marL="0" lvl="0" indent="0" algn="ctr">
               <a:buNone/>
             </a:pPr>
             <a:r>
               <a:rPr lang="en" dirty="0"/>
-              <a:t>“You literally can eat everything you see”</a:t>
+              <a:t>“You can literally eat everything you see”</a:t>
             </a:r>
             <a:endParaRPr dirty="0"/>
           </a:p>
@@ -10631,7 +10723,7 @@
 </file>
 
 <file path=ppt/slides/slide16.xml><?xml version="1.0" encoding="utf-8"?>
-<p:sld xmlns:a="http://schemas.openxmlformats.org/drawingml/2006/main" xmlns:r="http://schemas.openxmlformats.org/officeDocument/2006/relationships" xmlns:p="http://schemas.openxmlformats.org/presentationml/2006/main">
+<p:sld xmlns:a="http://schemas.openxmlformats.org/drawingml/2006/main" xmlns:r="http://schemas.openxmlformats.org/officeDocument/2006/relationships" xmlns:p="http://schemas.openxmlformats.org/presentationml/2006/main" show="0">
   <p:cSld>
     <p:spTree>
       <p:nvGrpSpPr>
@@ -10707,7 +10799,7 @@
             </a:pPr>
             <a:r>
               <a:rPr lang="en-US" dirty="0" err="1"/>
-              <a:t>Planung</a:t>
+              <a:t>Planing</a:t>
             </a:r>
             <a:endParaRPr dirty="0"/>
           </a:p>
@@ -10854,7 +10946,7 @@
             </a:pPr>
             <a:r>
               <a:rPr lang="de-DE" dirty="0"/>
-              <a:t>Projektplan</a:t>
+              <a:t>Project Plan</a:t>
             </a:r>
             <a:endParaRPr dirty="0"/>
           </a:p>
@@ -11664,7 +11756,7 @@
             </a:pPr>
             <a:r>
               <a:rPr lang="de-DE" sz="3000" dirty="0"/>
-              <a:t>Risikoanalyse</a:t>
+              <a:t>Risk Analysis</a:t>
             </a:r>
             <a:endParaRPr sz="3000" dirty="0"/>
           </a:p>
@@ -11762,7 +11854,7 @@
                 <a:cs typeface="Montserrat"/>
                 <a:sym typeface="Montserrat"/>
               </a:rPr>
-              <a:t>Starke Konkurrenz</a:t>
+              <a:t>Strong Competition</a:t>
             </a:r>
             <a:endParaRPr dirty="0">
               <a:solidFill>
@@ -11814,20 +11906,19 @@
                 <a:cs typeface="Open Sans"/>
                 <a:sym typeface="Open Sans"/>
               </a:rPr>
-              <a:t>Mobile Game </a:t>
+              <a:t>Mobile Game market is big!</a:t>
             </a:r>
-            <a:r>
-              <a:rPr lang="en-US" sz="1200" dirty="0" err="1">
-                <a:solidFill>
-                  <a:srgbClr val="FFFFFF"/>
-                </a:solidFill>
-                <a:latin typeface="Open Sans"/>
-                <a:ea typeface="Open Sans"/>
-                <a:cs typeface="Open Sans"/>
-                <a:sym typeface="Open Sans"/>
-              </a:rPr>
-              <a:t>Markt</a:t>
-            </a:r>
+          </a:p>
+          <a:p>
+            <a:pPr marL="0" marR="0" lvl="0" indent="0" algn="l" rtl="0">
+              <a:spcBef>
+                <a:spcPts val="0"/>
+              </a:spcBef>
+              <a:spcAft>
+                <a:spcPts val="0"/>
+              </a:spcAft>
+              <a:buNone/>
+            </a:pPr>
             <a:r>
               <a:rPr lang="en-US" sz="1200" dirty="0">
                 <a:solidFill>
@@ -11838,111 +11929,7 @@
                 <a:cs typeface="Open Sans"/>
                 <a:sym typeface="Open Sans"/>
               </a:rPr>
-              <a:t> </a:t>
-            </a:r>
-            <a:r>
-              <a:rPr lang="en-US" sz="1200" dirty="0" err="1">
-                <a:solidFill>
-                  <a:srgbClr val="FFFFFF"/>
-                </a:solidFill>
-                <a:latin typeface="Open Sans"/>
-                <a:ea typeface="Open Sans"/>
-                <a:cs typeface="Open Sans"/>
-                <a:sym typeface="Open Sans"/>
-              </a:rPr>
-              <a:t>ist</a:t>
-            </a:r>
-            <a:r>
-              <a:rPr lang="en-US" sz="1200" dirty="0">
-                <a:solidFill>
-                  <a:srgbClr val="FFFFFF"/>
-                </a:solidFill>
-                <a:latin typeface="Open Sans"/>
-                <a:ea typeface="Open Sans"/>
-                <a:cs typeface="Open Sans"/>
-                <a:sym typeface="Open Sans"/>
-              </a:rPr>
-              <a:t> </a:t>
-            </a:r>
-            <a:r>
-              <a:rPr lang="en-US" sz="1200" dirty="0" err="1">
-                <a:solidFill>
-                  <a:srgbClr val="FFFFFF"/>
-                </a:solidFill>
-                <a:latin typeface="Open Sans"/>
-                <a:ea typeface="Open Sans"/>
-                <a:cs typeface="Open Sans"/>
-                <a:sym typeface="Open Sans"/>
-              </a:rPr>
-              <a:t>zu</a:t>
-            </a:r>
-            <a:r>
-              <a:rPr lang="en-US" sz="1200" dirty="0">
-                <a:solidFill>
-                  <a:srgbClr val="FFFFFF"/>
-                </a:solidFill>
-                <a:latin typeface="Open Sans"/>
-                <a:ea typeface="Open Sans"/>
-                <a:cs typeface="Open Sans"/>
-                <a:sym typeface="Open Sans"/>
-              </a:rPr>
-              <a:t> </a:t>
-            </a:r>
-            <a:r>
-              <a:rPr lang="en-US" sz="1200" dirty="0" err="1">
-                <a:solidFill>
-                  <a:srgbClr val="FFFFFF"/>
-                </a:solidFill>
-                <a:latin typeface="Open Sans"/>
-                <a:ea typeface="Open Sans"/>
-                <a:cs typeface="Open Sans"/>
-                <a:sym typeface="Open Sans"/>
-              </a:rPr>
-              <a:t>groß</a:t>
-            </a:r>
-            <a:endParaRPr lang="en-US" sz="1200" dirty="0">
-              <a:solidFill>
-                <a:srgbClr val="FFFFFF"/>
-              </a:solidFill>
-              <a:latin typeface="Open Sans"/>
-              <a:ea typeface="Open Sans"/>
-              <a:cs typeface="Open Sans"/>
-              <a:sym typeface="Open Sans"/>
-            </a:endParaRPr>
-          </a:p>
-          <a:p>
-            <a:pPr marL="0" marR="0" lvl="0" indent="0" algn="l" rtl="0">
-              <a:spcBef>
-                <a:spcPts val="0"/>
-              </a:spcBef>
-              <a:spcAft>
-                <a:spcPts val="0"/>
-              </a:spcAft>
-              <a:buNone/>
-            </a:pPr>
-            <a:r>
-              <a:rPr lang="en-US" sz="1200" dirty="0" err="1">
-                <a:solidFill>
-                  <a:srgbClr val="FFFFFF"/>
-                </a:solidFill>
-                <a:latin typeface="Open Sans"/>
-                <a:ea typeface="Open Sans"/>
-                <a:cs typeface="Open Sans"/>
-                <a:sym typeface="Open Sans"/>
-              </a:rPr>
-              <a:t>Gefahr</a:t>
-            </a:r>
-            <a:r>
-              <a:rPr lang="en-US" sz="1200" dirty="0">
-                <a:solidFill>
-                  <a:srgbClr val="FFFFFF"/>
-                </a:solidFill>
-                <a:latin typeface="Open Sans"/>
-                <a:ea typeface="Open Sans"/>
-                <a:cs typeface="Open Sans"/>
-                <a:sym typeface="Open Sans"/>
-              </a:rPr>
-              <a:t>:  Zombieland Game</a:t>
+              <a:t>Risk:  Zombieland Game</a:t>
             </a:r>
             <a:endParaRPr sz="1200" dirty="0">
               <a:latin typeface="Open Sans"/>
@@ -12040,7 +12027,7 @@
               <a:buNone/>
             </a:pPr>
             <a:r>
-              <a:rPr lang="en-US" sz="1200" dirty="0" err="1">
+              <a:rPr lang="en-US" sz="1200" dirty="0">
                 <a:solidFill>
                   <a:srgbClr val="FFFFFF"/>
                 </a:solidFill>
@@ -12049,17 +12036,8 @@
                 <a:cs typeface="Open Sans"/>
                 <a:sym typeface="Open Sans"/>
               </a:rPr>
-              <a:t>Resourcenknappheit</a:t>
+              <a:t>Limited Resources</a:t>
             </a:r>
-            <a:endParaRPr lang="en-US" sz="1200" dirty="0">
-              <a:solidFill>
-                <a:srgbClr val="FFFFFF"/>
-              </a:solidFill>
-              <a:latin typeface="Open Sans"/>
-              <a:ea typeface="Open Sans"/>
-              <a:cs typeface="Open Sans"/>
-              <a:sym typeface="Open Sans"/>
-            </a:endParaRPr>
           </a:p>
           <a:p>
             <a:pPr marL="0" marR="0" lvl="0" indent="0" algn="l" rtl="0">
@@ -12171,7 +12149,7 @@
                 <a:cs typeface="Montserrat"/>
                 <a:sym typeface="Montserrat"/>
               </a:rPr>
-              <a:t>Kritiker</a:t>
+              <a:t>Critics</a:t>
             </a:r>
           </a:p>
           <a:p>
@@ -12187,18 +12165,6 @@
           </a:p>
           <a:p>
             <a:pPr lvl="0"/>
-            <a:r>
-              <a:rPr lang="en-US" dirty="0" err="1">
-                <a:solidFill>
-                  <a:schemeClr val="bg1"/>
-                </a:solidFill>
-                <a:latin typeface="Montserrat" panose="020B0604020202020204" charset="0"/>
-                <a:ea typeface="Open Sans"/>
-                <a:cs typeface="Open Sans"/>
-                <a:sym typeface="Open Sans"/>
-              </a:rPr>
-              <a:t>Fallbeispiel</a:t>
-            </a:r>
             <a:r>
               <a:rPr lang="en-US" dirty="0">
                 <a:solidFill>
@@ -12209,7 +12175,7 @@
                 <a:cs typeface="Open Sans"/>
                 <a:sym typeface="Open Sans"/>
               </a:rPr>
-              <a:t>: Flappy Bird</a:t>
+              <a:t>Example: Flappy Bird</a:t>
             </a:r>
           </a:p>
         </p:txBody>
@@ -12391,7 +12357,7 @@
             </a:pPr>
             <a:r>
               <a:rPr lang="de-DE" dirty="0"/>
-              <a:t>Fokus auf Gameplay nicht Features</a:t>
+              <a:t>Focus on Gameplay not Features</a:t>
             </a:r>
           </a:p>
           <a:p>
@@ -12418,7 +12384,7 @@
             </a:pPr>
             <a:r>
               <a:rPr lang="de-DE" dirty="0"/>
-              <a:t>Spezialisierung auf ein Gameplay</a:t>
+              <a:t>Recourceful Development &amp; small team</a:t>
             </a:r>
           </a:p>
           <a:p>
@@ -13265,28 +13231,8 @@
               <a:buNone/>
             </a:pPr>
             <a:r>
-              <a:rPr lang="en-US" dirty="0" err="1"/>
-              <a:t>Monatliche</a:t>
-            </a:r>
-            <a:r>
               <a:rPr lang="en-US" dirty="0"/>
-              <a:t> </a:t>
-            </a:r>
-            <a:r>
-              <a:rPr lang="en-US" dirty="0" err="1"/>
-              <a:t>Kosten</a:t>
-            </a:r>
-            <a:r>
-              <a:rPr lang="en-US" dirty="0"/>
-              <a:t> + (</a:t>
-            </a:r>
-            <a:r>
-              <a:rPr lang="en-US" dirty="0" err="1"/>
-              <a:t>Einmalige</a:t>
-            </a:r>
-            <a:r>
-              <a:rPr lang="en-US" dirty="0"/>
-              <a:t>)</a:t>
+              <a:t>Monthly costs (+ static costs)</a:t>
             </a:r>
             <a:endParaRPr dirty="0"/>
           </a:p>
@@ -13373,16 +13319,8 @@
               <a:buNone/>
             </a:pPr>
             <a:r>
-              <a:rPr lang="en-US" dirty="0" err="1"/>
-              <a:t>Monatlicher</a:t>
-            </a:r>
-            <a:r>
               <a:rPr lang="en-US" dirty="0"/>
-              <a:t> </a:t>
-            </a:r>
-            <a:r>
-              <a:rPr lang="en-US" dirty="0" err="1"/>
-              <a:t>Gewinn</a:t>
+              <a:t>Monthly profit</a:t>
             </a:r>
             <a:endParaRPr dirty="0"/>
           </a:p>
@@ -13481,16 +13419,8 @@
               <a:buNone/>
             </a:pPr>
             <a:r>
-              <a:rPr lang="en-US" dirty="0" err="1"/>
-              <a:t>Monatliche</a:t>
-            </a:r>
-            <a:r>
               <a:rPr lang="en-US" dirty="0"/>
-              <a:t> </a:t>
-            </a:r>
-            <a:r>
-              <a:rPr lang="en-US" dirty="0" err="1"/>
-              <a:t>Einnahmen</a:t>
+              <a:t>Monthly income</a:t>
             </a:r>
             <a:endParaRPr dirty="0"/>
           </a:p>
@@ -13693,7 +13623,7 @@
 </file>
 
 <file path=ppt/slides/slide22.xml><?xml version="1.0" encoding="utf-8"?>
-<p:sld xmlns:a="http://schemas.openxmlformats.org/drawingml/2006/main" xmlns:r="http://schemas.openxmlformats.org/officeDocument/2006/relationships" xmlns:p="http://schemas.openxmlformats.org/presentationml/2006/main">
+<p:sld xmlns:a="http://schemas.openxmlformats.org/drawingml/2006/main" xmlns:r="http://schemas.openxmlformats.org/officeDocument/2006/relationships" xmlns:p="http://schemas.openxmlformats.org/presentationml/2006/main" show="0">
   <p:cSld>
     <p:spTree>
       <p:nvGrpSpPr>
@@ -14517,6 +14447,36 @@
           </a:p>
         </p:txBody>
       </p:sp>
+      <p:pic>
+        <p:nvPicPr>
+          <p:cNvPr id="7" name="Picture 6" descr="A picture containing room, drawing&#10;&#10;Description automatically generated">
+            <a:extLst>
+              <a:ext uri="{FF2B5EF4-FFF2-40B4-BE49-F238E27FC236}">
+                <a16:creationId xmlns:a16="http://schemas.microsoft.com/office/drawing/2014/main" id="{C2AC2293-B9A2-4F66-89C8-D1411AF99B4B}"/>
+              </a:ext>
+            </a:extLst>
+          </p:cNvPr>
+          <p:cNvPicPr>
+            <a:picLocks noChangeAspect="1"/>
+          </p:cNvPicPr>
+          <p:nvPr/>
+        </p:nvPicPr>
+        <p:blipFill>
+          <a:blip r:embed="rId3"/>
+          <a:stretch>
+            <a:fillRect/>
+          </a:stretch>
+        </p:blipFill>
+        <p:spPr>
+          <a:xfrm>
+            <a:off x="6949975" y="1171444"/>
+            <a:ext cx="1219200" cy="1219200"/>
+          </a:xfrm>
+          <a:prstGeom prst="rect">
+            <a:avLst/>
+          </a:prstGeom>
+        </p:spPr>
+      </p:pic>
     </p:spTree>
     <p:extLst>
       <p:ext uri="{BB962C8B-B14F-4D97-AF65-F5344CB8AC3E}">
@@ -14534,7 +14494,7 @@
 </file>
 
 <file path=ppt/slides/slide3.xml><?xml version="1.0" encoding="utf-8"?>
-<p:sld xmlns:a="http://schemas.openxmlformats.org/drawingml/2006/main" xmlns:r="http://schemas.openxmlformats.org/officeDocument/2006/relationships" xmlns:p="http://schemas.openxmlformats.org/presentationml/2006/main">
+<p:sld xmlns:a="http://schemas.openxmlformats.org/drawingml/2006/main" xmlns:r="http://schemas.openxmlformats.org/officeDocument/2006/relationships" xmlns:p="http://schemas.openxmlformats.org/presentationml/2006/main" show="0">
   <p:cSld>
     <p:spTree>
       <p:nvGrpSpPr>
@@ -14679,7 +14639,7 @@
               <a:rPr lang="de-DE" sz="2400" dirty="0">
                 <a:latin typeface="Montserrat" panose="020B0604020202020204" charset="0"/>
               </a:rPr>
-              <a:t>Planung</a:t>
+              <a:t>Planning</a:t>
             </a:r>
           </a:p>
           <a:p>
@@ -14778,7 +14738,7 @@
 </file>
 
 <file path=ppt/slides/slide4.xml><?xml version="1.0" encoding="utf-8"?>
-<p:sld xmlns:a="http://schemas.openxmlformats.org/drawingml/2006/main" xmlns:r="http://schemas.openxmlformats.org/officeDocument/2006/relationships" xmlns:p="http://schemas.openxmlformats.org/presentationml/2006/main">
+<p:sld xmlns:a="http://schemas.openxmlformats.org/drawingml/2006/main" xmlns:r="http://schemas.openxmlformats.org/officeDocument/2006/relationships" xmlns:p="http://schemas.openxmlformats.org/presentationml/2006/main" show="0">
   <p:cSld>
     <p:spTree>
       <p:nvGrpSpPr>
@@ -15001,7 +14961,7 @@
             </a:pPr>
             <a:r>
               <a:rPr lang="de-DE" dirty="0"/>
-              <a:t>Was ist Giranimo?</a:t>
+              <a:t>What is Giranimo?</a:t>
             </a:r>
             <a:endParaRPr dirty="0"/>
           </a:p>
@@ -15104,7 +15064,7 @@
             </a:pPr>
             <a:r>
               <a:rPr lang="de-DE" sz="2400" dirty="0"/>
-              <a:t>Für IOS - Systeme</a:t>
+              <a:t>For IOS - Systeme</a:t>
             </a:r>
           </a:p>
           <a:p>
@@ -15399,7 +15359,7 @@
         <p:spPr>
           <a:xfrm>
             <a:off x="457199" y="785788"/>
-            <a:ext cx="4935071" cy="3971100"/>
+            <a:ext cx="4935071" cy="3858368"/>
           </a:xfrm>
           <a:prstGeom prst="rect">
             <a:avLst/>
@@ -15464,7 +15424,7 @@
                 <a:cs typeface="Montserrat"/>
                 <a:sym typeface="Montserrat"/>
               </a:rPr>
-              <a:t>Steuerung links &amp; rechts</a:t>
+              <a:t>Controlling left &amp; right</a:t>
             </a:r>
           </a:p>
           <a:p>
@@ -15501,7 +15461,7 @@
                 <a:cs typeface="Montserrat"/>
                 <a:sym typeface="Montserrat"/>
               </a:rPr>
-              <a:t>Nahrungsaufnahme damit der Hals wächst</a:t>
+              <a:t>Eat to grow</a:t>
             </a:r>
           </a:p>
           <a:p>
@@ -15538,7 +15498,7 @@
                 <a:cs typeface="Montserrat"/>
                 <a:sym typeface="Montserrat"/>
               </a:rPr>
-              <a:t>Ziel: So hoch wachsen wie möglich</a:t>
+              <a:t>Goal: To get as high as possible</a:t>
             </a:r>
           </a:p>
         </p:txBody>
@@ -16458,7 +16418,7 @@
             </a:pPr>
             <a:r>
               <a:rPr lang="de-DE" b="1" dirty="0"/>
-              <a:t>Nahrung</a:t>
+              <a:t>Food</a:t>
             </a:r>
             <a:endParaRPr b="1" dirty="0"/>
           </a:p>
@@ -16473,48 +16433,8 @@
               <a:buNone/>
             </a:pPr>
             <a:r>
-              <a:rPr lang="en-US" dirty="0" err="1"/>
-              <a:t>Objekte</a:t>
-            </a:r>
-            <a:r>
               <a:rPr lang="en-US" dirty="0"/>
-              <a:t>, die </a:t>
-            </a:r>
-            <a:r>
-              <a:rPr lang="en-US" dirty="0" err="1"/>
-              <a:t>beim</a:t>
-            </a:r>
-            <a:r>
-              <a:rPr lang="en-US" dirty="0"/>
-              <a:t> </a:t>
-            </a:r>
-            <a:r>
-              <a:rPr lang="en-US" dirty="0" err="1"/>
-              <a:t>Einsammeln</a:t>
-            </a:r>
-            <a:r>
-              <a:rPr lang="en-US" dirty="0"/>
-              <a:t> </a:t>
-            </a:r>
-            <a:r>
-              <a:rPr lang="en-US" dirty="0" err="1"/>
-              <a:t>ein</a:t>
-            </a:r>
-            <a:r>
-              <a:rPr lang="en-US" dirty="0"/>
-              <a:t> </a:t>
-            </a:r>
-            <a:r>
-              <a:rPr lang="en-US" dirty="0" err="1"/>
-              <a:t>Wachstumsschub</a:t>
-            </a:r>
-            <a:r>
-              <a:rPr lang="en-US" dirty="0"/>
-              <a:t> </a:t>
-            </a:r>
-            <a:r>
-              <a:rPr lang="en-US" dirty="0" err="1"/>
-              <a:t>auslösen</a:t>
+              <a:t>Objects, you eat to grow higher</a:t>
             </a:r>
             <a:endParaRPr dirty="0"/>
           </a:p>
@@ -16556,7 +16476,7 @@
             </a:pPr>
             <a:r>
               <a:rPr lang="de-DE" dirty="0"/>
-              <a:t>Spielemente</a:t>
+              <a:t>Game Elements</a:t>
             </a:r>
             <a:endParaRPr dirty="0"/>
           </a:p>
@@ -16598,7 +16518,7 @@
             </a:pPr>
             <a:r>
               <a:rPr lang="de-DE" b="1" dirty="0"/>
-              <a:t>Hindernis</a:t>
+              <a:t>Obstacle</a:t>
             </a:r>
           </a:p>
           <a:p>
@@ -16613,7 +16533,7 @@
             </a:pPr>
             <a:r>
               <a:rPr lang="de-DE" dirty="0"/>
-              <a:t>Objekte, die beim Berühren zum Game Over führen</a:t>
+              <a:t>If you touch them you lose the game</a:t>
             </a:r>
             <a:endParaRPr dirty="0"/>
           </a:p>
@@ -16904,7 +16824,7 @@
 </file>
 
 <file path=ppt/slides/slide9.xml><?xml version="1.0" encoding="utf-8"?>
-<p:sld xmlns:a="http://schemas.openxmlformats.org/drawingml/2006/main" xmlns:r="http://schemas.openxmlformats.org/officeDocument/2006/relationships" xmlns:p="http://schemas.openxmlformats.org/presentationml/2006/main">
+<p:sld xmlns:a="http://schemas.openxmlformats.org/drawingml/2006/main" xmlns:r="http://schemas.openxmlformats.org/officeDocument/2006/relationships" xmlns:p="http://schemas.openxmlformats.org/presentationml/2006/main" show="0">
   <p:cSld>
     <p:spTree>
       <p:nvGrpSpPr>

--- a/Presentation/Pitch.pptx
+++ b/Presentation/Pitch.pptx
@@ -1650,7 +1650,122 @@
               <a:rPr lang="de-DE" dirty="0"/>
               <a:t>ZEITPLAN</a:t>
             </a:r>
-            <a:endParaRPr dirty="0"/>
+          </a:p>
+          <a:p>
+            <a:pPr marL="0" lvl="0" indent="0" algn="l" rtl="0">
+              <a:spcBef>
+                <a:spcPts val="0"/>
+              </a:spcBef>
+              <a:spcAft>
+                <a:spcPts val="0"/>
+              </a:spcAft>
+              <a:buNone/>
+            </a:pPr>
+            <a:r>
+              <a:rPr lang="de-DE" dirty="0"/>
+              <a:t>Befinden uns in </a:t>
+            </a:r>
+            <a:r>
+              <a:rPr lang="de-DE" dirty="0" err="1"/>
+              <a:t>Preproduction</a:t>
+            </a:r>
+            <a:r>
+              <a:rPr lang="de-DE" dirty="0"/>
+              <a:t> (Planung des Projekts)</a:t>
+            </a:r>
+          </a:p>
+          <a:p>
+            <a:pPr marL="0" lvl="0" indent="0" algn="l" rtl="0">
+              <a:spcBef>
+                <a:spcPts val="0"/>
+              </a:spcBef>
+              <a:spcAft>
+                <a:spcPts val="0"/>
+              </a:spcAft>
+              <a:buNone/>
+            </a:pPr>
+            <a:r>
+              <a:rPr lang="de-DE" dirty="0"/>
+              <a:t>Geplant in den nächsten 3 Monaten das Spiel zu erstellen und testen</a:t>
+            </a:r>
+          </a:p>
+          <a:p>
+            <a:pPr marL="0" marR="0" lvl="0" indent="0" algn="l" defTabSz="914400" rtl="0" eaLnBrk="1" fontAlgn="auto" latinLnBrk="0" hangingPunct="1">
+              <a:lnSpc>
+                <a:spcPct val="100000"/>
+              </a:lnSpc>
+              <a:spcBef>
+                <a:spcPts val="0"/>
+              </a:spcBef>
+              <a:spcAft>
+                <a:spcPts val="0"/>
+              </a:spcAft>
+              <a:buClr>
+                <a:srgbClr val="000000"/>
+              </a:buClr>
+              <a:buSzPts val="1400"/>
+              <a:buFont typeface="Arial"/>
+              <a:buNone/>
+              <a:tabLst/>
+              <a:defRPr/>
+            </a:pPr>
+            <a:r>
+              <a:rPr lang="de-DE" dirty="0"/>
+              <a:t>während </a:t>
+            </a:r>
+            <a:r>
+              <a:rPr lang="de-DE" dirty="0" err="1"/>
+              <a:t>Production</a:t>
+            </a:r>
+            <a:r>
+              <a:rPr lang="de-DE" dirty="0"/>
+              <a:t> Tester anwerben</a:t>
+            </a:r>
+          </a:p>
+          <a:p>
+            <a:pPr marL="0" lvl="0" indent="0" algn="l" rtl="0">
+              <a:spcBef>
+                <a:spcPts val="0"/>
+              </a:spcBef>
+              <a:spcAft>
+                <a:spcPts val="0"/>
+              </a:spcAft>
+              <a:buNone/>
+            </a:pPr>
+            <a:r>
+              <a:rPr lang="de-DE" dirty="0"/>
+              <a:t>Extra Testphase nach dem Erstellen, aber auch währenddessen immer wieder selber testen</a:t>
+            </a:r>
+          </a:p>
+          <a:p>
+            <a:pPr marL="0" lvl="0" indent="0" algn="l" rtl="0">
+              <a:spcBef>
+                <a:spcPts val="0"/>
+              </a:spcBef>
+              <a:spcAft>
+                <a:spcPts val="0"/>
+              </a:spcAft>
+              <a:buNone/>
+            </a:pPr>
+            <a:r>
+              <a:rPr lang="de-DE" dirty="0"/>
+              <a:t>Geplanter Release nach 3 Monaten intensiver Arbeit</a:t>
+            </a:r>
+          </a:p>
+          <a:p>
+            <a:pPr marL="0" lvl="0" indent="0" algn="l" rtl="0">
+              <a:spcBef>
+                <a:spcPts val="0"/>
+              </a:spcBef>
+              <a:spcAft>
+                <a:spcPts val="0"/>
+              </a:spcAft>
+              <a:buNone/>
+            </a:pPr>
+            <a:r>
+              <a:rPr lang="de-DE" dirty="0"/>
+              <a:t>Danach große Marketingphase: Zeitintensiv, Schneeballprinzip</a:t>
+            </a:r>
           </a:p>
         </p:txBody>
       </p:sp>
@@ -1759,6 +1874,178 @@
               </a:spcAft>
               <a:buNone/>
             </a:pPr>
+            <a:r>
+              <a:rPr lang="de-DE" dirty="0"/>
+              <a:t>Starke Konkurrenz:</a:t>
+            </a:r>
+          </a:p>
+          <a:p>
+            <a:pPr marL="0" lvl="0" indent="0" algn="l" rtl="0">
+              <a:spcBef>
+                <a:spcPts val="0"/>
+              </a:spcBef>
+              <a:spcAft>
+                <a:spcPts val="0"/>
+              </a:spcAft>
+              <a:buNone/>
+            </a:pPr>
+            <a:r>
+              <a:rPr lang="de-DE" dirty="0"/>
+              <a:t>Der Spielemarkt ist gigantisch! Sehr viele ähnliche Spiele. Dennoch viele erfolgreiche nicht ein ganz großes</a:t>
+            </a:r>
+          </a:p>
+          <a:p>
+            <a:pPr marL="0" lvl="0" indent="0" algn="l" rtl="0">
+              <a:spcBef>
+                <a:spcPts val="0"/>
+              </a:spcBef>
+              <a:spcAft>
+                <a:spcPts val="0"/>
+              </a:spcAft>
+              <a:buNone/>
+            </a:pPr>
+            <a:r>
+              <a:rPr lang="de-DE" dirty="0"/>
+              <a:t>Abwägung: in der Masse untergehen oder Herausstechen durch Charme und einzigartigem Humor</a:t>
+            </a:r>
+          </a:p>
+          <a:p>
+            <a:pPr marL="0" lvl="0" indent="0" algn="l" rtl="0">
+              <a:spcBef>
+                <a:spcPts val="0"/>
+              </a:spcBef>
+              <a:spcAft>
+                <a:spcPts val="0"/>
+              </a:spcAft>
+              <a:buNone/>
+            </a:pPr>
+            <a:endParaRPr lang="de-DE" dirty="0"/>
+          </a:p>
+          <a:p>
+            <a:pPr marL="0" lvl="0" indent="0" algn="l" rtl="0">
+              <a:spcBef>
+                <a:spcPts val="0"/>
+              </a:spcBef>
+              <a:spcAft>
+                <a:spcPts val="0"/>
+              </a:spcAft>
+              <a:buNone/>
+            </a:pPr>
+            <a:r>
+              <a:rPr lang="de-DE" dirty="0"/>
+              <a:t>Kritik:</a:t>
+            </a:r>
+          </a:p>
+          <a:p>
+            <a:pPr marL="0" lvl="0" indent="0" algn="l" rtl="0">
+              <a:spcBef>
+                <a:spcPts val="0"/>
+              </a:spcBef>
+              <a:spcAft>
+                <a:spcPts val="0"/>
+              </a:spcAft>
+              <a:buNone/>
+            </a:pPr>
+            <a:r>
+              <a:rPr lang="de-DE" dirty="0"/>
+              <a:t>Frage: ähnlicher Sucht- und Depressionsfaktor wie Flappy Bird? </a:t>
+            </a:r>
+          </a:p>
+          <a:p>
+            <a:pPr marL="0" lvl="0" indent="0" algn="l" rtl="0">
+              <a:spcBef>
+                <a:spcPts val="0"/>
+              </a:spcBef>
+              <a:spcAft>
+                <a:spcPts val="0"/>
+              </a:spcAft>
+              <a:buNone/>
+            </a:pPr>
+            <a:r>
+              <a:rPr lang="de-DE" dirty="0"/>
+              <a:t>Besonders beim Testen aufpassen, dass es gut </a:t>
+            </a:r>
+            <a:r>
+              <a:rPr lang="de-DE" dirty="0" err="1"/>
+              <a:t>gebalanced</a:t>
+            </a:r>
+            <a:r>
+              <a:rPr lang="de-DE" dirty="0"/>
+              <a:t> wird zwischen Spielspaß und Schwierigkeit</a:t>
+            </a:r>
+          </a:p>
+          <a:p>
+            <a:pPr marL="0" lvl="0" indent="0" algn="l" rtl="0">
+              <a:spcBef>
+                <a:spcPts val="0"/>
+              </a:spcBef>
+              <a:spcAft>
+                <a:spcPts val="0"/>
+              </a:spcAft>
+              <a:buNone/>
+            </a:pPr>
+            <a:endParaRPr lang="de-DE" dirty="0"/>
+          </a:p>
+          <a:p>
+            <a:pPr marL="0" lvl="0" indent="0" algn="l" rtl="0">
+              <a:spcBef>
+                <a:spcPts val="0"/>
+              </a:spcBef>
+              <a:spcAft>
+                <a:spcPts val="0"/>
+              </a:spcAft>
+              <a:buNone/>
+            </a:pPr>
+            <a:r>
+              <a:rPr lang="de-DE" dirty="0"/>
+              <a:t>Low Budget:</a:t>
+            </a:r>
+          </a:p>
+          <a:p>
+            <a:pPr marL="0" lvl="0" indent="0" algn="l" rtl="0">
+              <a:spcBef>
+                <a:spcPts val="0"/>
+              </a:spcBef>
+              <a:spcAft>
+                <a:spcPts val="0"/>
+              </a:spcAft>
+              <a:buNone/>
+            </a:pPr>
+            <a:r>
+              <a:rPr lang="de-DE" dirty="0"/>
+              <a:t>Wenig Geld und wenige Personen</a:t>
+            </a:r>
+          </a:p>
+          <a:p>
+            <a:pPr marL="0" lvl="0" indent="0" algn="l" rtl="0">
+              <a:spcBef>
+                <a:spcPts val="0"/>
+              </a:spcBef>
+              <a:spcAft>
+                <a:spcPts val="0"/>
+              </a:spcAft>
+              <a:buNone/>
+            </a:pPr>
+            <a:r>
+              <a:rPr lang="de-DE" dirty="0"/>
+              <a:t>Deswegen wird das Hauptmerk auf das Spielgefühl gesetzt nicht auf unzählige Features (welche Zeit- und </a:t>
+            </a:r>
+            <a:r>
+              <a:rPr lang="de-DE" dirty="0" err="1"/>
+              <a:t>Resourcenintensiv</a:t>
+            </a:r>
+            <a:r>
+              <a:rPr lang="de-DE" dirty="0"/>
+              <a:t> sind, </a:t>
+            </a:r>
+            <a:r>
+              <a:rPr lang="de-DE" dirty="0" err="1"/>
+              <a:t>zB</a:t>
+            </a:r>
+            <a:r>
+              <a:rPr lang="de-DE" dirty="0"/>
+              <a:t> Art)</a:t>
+            </a:r>
             <a:endParaRPr dirty="0"/>
           </a:p>
         </p:txBody>
@@ -1868,7 +2155,91 @@
               </a:spcAft>
               <a:buNone/>
             </a:pPr>
-            <a:endParaRPr/>
+            <a:r>
+              <a:rPr lang="de-DE" dirty="0"/>
+              <a:t>Wie gerade erwähnt: Geld nicht in Features investieren, sondern in Spielgefühl</a:t>
+            </a:r>
+          </a:p>
+          <a:p>
+            <a:pPr marL="0" lvl="0" indent="0" algn="l" rtl="0">
+              <a:spcBef>
+                <a:spcPts val="0"/>
+              </a:spcBef>
+              <a:spcAft>
+                <a:spcPts val="0"/>
+              </a:spcAft>
+              <a:buNone/>
+            </a:pPr>
+            <a:r>
+              <a:rPr lang="de-DE" dirty="0"/>
+              <a:t>-&gt; niedrige </a:t>
+            </a:r>
+            <a:r>
+              <a:rPr lang="de-DE" dirty="0" err="1"/>
+              <a:t>Resourcenkosten</a:t>
+            </a:r>
+            <a:endParaRPr lang="de-DE" dirty="0"/>
+          </a:p>
+          <a:p>
+            <a:pPr marL="0" lvl="0" indent="0" algn="l" rtl="0">
+              <a:spcBef>
+                <a:spcPts val="0"/>
+              </a:spcBef>
+              <a:spcAft>
+                <a:spcPts val="0"/>
+              </a:spcAft>
+              <a:buNone/>
+            </a:pPr>
+            <a:r>
+              <a:rPr lang="de-DE" dirty="0"/>
+              <a:t>Kleines Team kostet natürlich weniger als ein großes</a:t>
+            </a:r>
+          </a:p>
+          <a:p>
+            <a:pPr marL="0" lvl="0" indent="0" algn="l" rtl="0">
+              <a:spcBef>
+                <a:spcPts val="0"/>
+              </a:spcBef>
+              <a:spcAft>
+                <a:spcPts val="0"/>
+              </a:spcAft>
+              <a:buNone/>
+            </a:pPr>
+            <a:r>
+              <a:rPr lang="de-DE" dirty="0"/>
+              <a:t>Kosten steigen langsam an während der Phasen 1-4 und am Ende wird das meiste Geld in Marketing gesteckt (rasanter Anstieg)</a:t>
+            </a:r>
+          </a:p>
+          <a:p>
+            <a:pPr marL="0" lvl="0" indent="0" algn="l" rtl="0">
+              <a:spcBef>
+                <a:spcPts val="0"/>
+              </a:spcBef>
+              <a:spcAft>
+                <a:spcPts val="0"/>
+              </a:spcAft>
+              <a:buNone/>
+            </a:pPr>
+            <a:r>
+              <a:rPr lang="de-DE" dirty="0"/>
+              <a:t>Einkommen natürlich erst nach Release</a:t>
+            </a:r>
+          </a:p>
+          <a:p>
+            <a:pPr marL="0" lvl="0" indent="0" algn="l" rtl="0">
+              <a:spcBef>
+                <a:spcPts val="0"/>
+              </a:spcBef>
+              <a:spcAft>
+                <a:spcPts val="0"/>
+              </a:spcAft>
+              <a:buNone/>
+            </a:pPr>
+            <a:r>
+              <a:rPr lang="de-DE" dirty="0"/>
+              <a:t>Wenn Marketing erfolgreich: exponentieller Anstieg und baldiger Break-Even, (Ausgaben gedeckt)</a:t>
+            </a:r>
+            <a:endParaRPr dirty="0"/>
           </a:p>
         </p:txBody>
       </p:sp>
@@ -2000,6 +2371,146 @@
 </file>
 
 <file path=ppt/notesSlides/notesSlide20.xml><?xml version="1.0" encoding="utf-8"?>
+<p:notes xmlns:a="http://schemas.openxmlformats.org/drawingml/2006/main" xmlns:r="http://schemas.openxmlformats.org/officeDocument/2006/relationships" xmlns:p="http://schemas.openxmlformats.org/presentationml/2006/main">
+  <p:cSld>
+    <p:spTree>
+      <p:nvGrpSpPr>
+        <p:cNvPr id="1" name=""/>
+        <p:cNvGrpSpPr/>
+        <p:nvPr/>
+      </p:nvGrpSpPr>
+      <p:grpSpPr>
+        <a:xfrm>
+          <a:off x="0" y="0"/>
+          <a:ext cx="0" cy="0"/>
+          <a:chOff x="0" y="0"/>
+          <a:chExt cx="0" cy="0"/>
+        </a:xfrm>
+      </p:grpSpPr>
+      <p:sp>
+        <p:nvSpPr>
+          <p:cNvPr id="2" name="Folienbildplatzhalter 1"/>
+          <p:cNvSpPr>
+            <a:spLocks noGrp="1" noRot="1" noChangeAspect="1"/>
+          </p:cNvSpPr>
+          <p:nvPr>
+            <p:ph type="sldImg"/>
+          </p:nvPr>
+        </p:nvSpPr>
+        <p:spPr>
+          <a:xfrm>
+            <a:off x="381000" y="685800"/>
+            <a:ext cx="6096000" cy="3429000"/>
+          </a:xfrm>
+        </p:spPr>
+      </p:sp>
+      <p:sp>
+        <p:nvSpPr>
+          <p:cNvPr id="3" name="Notizenplatzhalter 2"/>
+          <p:cNvSpPr>
+            <a:spLocks noGrp="1"/>
+          </p:cNvSpPr>
+          <p:nvPr>
+            <p:ph type="body" idx="1"/>
+          </p:nvPr>
+        </p:nvSpPr>
+        <p:spPr/>
+        <p:txBody>
+          <a:bodyPr/>
+          <a:lstStyle/>
+          <a:p>
+            <a:pPr marL="139700" indent="0">
+              <a:buNone/>
+            </a:pPr>
+            <a:r>
+              <a:rPr lang="de-DE" dirty="0"/>
+              <a:t>Monetarisierung</a:t>
+            </a:r>
+          </a:p>
+          <a:p>
+            <a:pPr marL="139700" indent="0">
+              <a:buNone/>
+            </a:pPr>
+            <a:r>
+              <a:rPr lang="de-DE" dirty="0"/>
+              <a:t>Vorneweg nehmen: kein </a:t>
+            </a:r>
+            <a:r>
+              <a:rPr lang="de-DE" dirty="0" err="1"/>
+              <a:t>pay-to-win</a:t>
+            </a:r>
+            <a:r>
+              <a:rPr lang="de-DE" dirty="0"/>
+              <a:t>!!! Schreckt viele ab</a:t>
+            </a:r>
+          </a:p>
+          <a:p>
+            <a:pPr marL="139700" indent="0">
+              <a:buNone/>
+            </a:pPr>
+            <a:r>
+              <a:rPr lang="de-DE" dirty="0"/>
+              <a:t>Deswegen: </a:t>
+            </a:r>
+            <a:r>
+              <a:rPr lang="de-DE" dirty="0" err="1"/>
+              <a:t>ca</a:t>
+            </a:r>
+            <a:r>
+              <a:rPr lang="de-DE" dirty="0"/>
+              <a:t> 1/3 der geplanten Einnahmen nur optionale optische Upgrades, </a:t>
+            </a:r>
+            <a:r>
+              <a:rPr lang="de-DE" dirty="0" err="1"/>
+              <a:t>zB</a:t>
+            </a:r>
+            <a:r>
+              <a:rPr lang="de-DE" dirty="0"/>
+              <a:t> Skins, Hintergründe</a:t>
+            </a:r>
+          </a:p>
+          <a:p>
+            <a:pPr marL="139700" indent="0">
+              <a:buNone/>
+            </a:pPr>
+            <a:r>
+              <a:rPr lang="de-DE" dirty="0"/>
+              <a:t>Die meisten Mobile Games setzen auf </a:t>
+            </a:r>
+            <a:r>
+              <a:rPr lang="de-DE" dirty="0" err="1"/>
+              <a:t>inapp</a:t>
+            </a:r>
+            <a:r>
+              <a:rPr lang="de-DE" dirty="0"/>
+              <a:t> Werbung</a:t>
+            </a:r>
+          </a:p>
+          <a:p>
+            <a:pPr marL="139700" indent="0">
+              <a:buNone/>
+            </a:pPr>
+            <a:r>
+              <a:rPr lang="de-DE" dirty="0"/>
+              <a:t>2/3 der Einnahmen bei uns: zusätzlich zum langsamen selbständigen Aufladen von Spielversuchen kann man Werbungen anschauen um seine Versuche wieder aufzuladen</a:t>
+            </a:r>
+          </a:p>
+        </p:txBody>
+      </p:sp>
+    </p:spTree>
+    <p:extLst>
+      <p:ext uri="{BB962C8B-B14F-4D97-AF65-F5344CB8AC3E}">
+        <p14:creationId xmlns:p14="http://schemas.microsoft.com/office/powerpoint/2010/main" val="2928533218"/>
+      </p:ext>
+    </p:extLst>
+  </p:cSld>
+  <p:clrMapOvr>
+    <a:masterClrMapping/>
+  </p:clrMapOvr>
+</p:notes>
+</file>
+
+<file path=ppt/notesSlides/notesSlide21.xml><?xml version="1.0" encoding="utf-8"?>
 <p:notes xmlns:a="http://schemas.openxmlformats.org/drawingml/2006/main" xmlns:r="http://schemas.openxmlformats.org/officeDocument/2006/relationships" xmlns:p="http://schemas.openxmlformats.org/presentationml/2006/main" showMasterSp="0" showMasterPhAnim="0">
   <p:cSld>
     <p:spTree>
@@ -2093,6 +2604,21 @@
             </a:pPr>
             <a:r>
               <a:rPr lang="de-DE" dirty="0"/>
+              <a:t>Unsere Grobe Ko</a:t>
+            </a:r>
+          </a:p>
+          <a:p>
+            <a:pPr marL="0" lvl="0" indent="0" algn="l" rtl="0">
+              <a:spcBef>
+                <a:spcPts val="0"/>
+              </a:spcBef>
+              <a:spcAft>
+                <a:spcPts val="0"/>
+              </a:spcAft>
+              <a:buNone/>
+            </a:pPr>
+            <a:r>
+              <a:rPr lang="de-DE" dirty="0"/>
               <a:t>Einmalige Kosten: Apple Development Lizensen, Trailer, Art</a:t>
             </a:r>
           </a:p>
@@ -2108,22 +2634,35 @@
             </a:pPr>
             <a:r>
               <a:rPr lang="de-DE" dirty="0"/>
-              <a:t>Monatliche Kosten: Persönliche Ausgaben, Werbungen + Puffer</a:t>
+              <a:t>Monatliche Kosten: Persönliche Ausgaben,  Marketing mit Werbung und </a:t>
             </a:r>
-          </a:p>
-          <a:p>
-            <a:pPr marL="0" lvl="0" indent="0" algn="l" rtl="0">
-              <a:spcBef>
-                <a:spcPts val="0"/>
-              </a:spcBef>
-              <a:spcAft>
-                <a:spcPts val="0"/>
-              </a:spcAft>
-              <a:buNone/>
-            </a:pPr>
+            <a:r>
+              <a:rPr lang="de-DE" dirty="0" err="1"/>
+              <a:t>Social</a:t>
+            </a:r>
             <a:r>
               <a:rPr lang="de-DE" dirty="0"/>
-              <a:t>Monatliche Einnahmen: Durch das Spiel</a:t>
+              <a:t> Media </a:t>
+            </a:r>
+            <a:r>
+              <a:rPr lang="de-DE"/>
+              <a:t>Management, Puffer</a:t>
+            </a:r>
+            <a:endParaRPr lang="de-DE" dirty="0"/>
+          </a:p>
+          <a:p>
+            <a:pPr marL="0" lvl="0" indent="0" algn="l" rtl="0">
+              <a:spcBef>
+                <a:spcPts val="0"/>
+              </a:spcBef>
+              <a:spcAft>
+                <a:spcPts val="0"/>
+              </a:spcAft>
+              <a:buNone/>
+            </a:pPr>
+            <a:r>
+              <a:rPr lang="de-DE" dirty="0"/>
+              <a:t>Monatliche Einnahmen: Durch das Spiel (Folie davor)</a:t>
             </a:r>
           </a:p>
         </p:txBody>
@@ -2141,7 +2680,7 @@
 </p:notes>
 </file>
 
-<file path=ppt/notesSlides/notesSlide21.xml><?xml version="1.0" encoding="utf-8"?>
+<file path=ppt/notesSlides/notesSlide22.xml><?xml version="1.0" encoding="utf-8"?>
 <p:notes xmlns:a="http://schemas.openxmlformats.org/drawingml/2006/main" xmlns:r="http://schemas.openxmlformats.org/officeDocument/2006/relationships" xmlns:p="http://schemas.openxmlformats.org/presentationml/2006/main" showMasterSp="0" showMasterPhAnim="0">
   <p:cSld>
     <p:spTree>
@@ -2250,7 +2789,7 @@
 </p:notes>
 </file>
 
-<file path=ppt/notesSlides/notesSlide22.xml><?xml version="1.0" encoding="utf-8"?>
+<file path=ppt/notesSlides/notesSlide23.xml><?xml version="1.0" encoding="utf-8"?>
 <p:notes xmlns:a="http://schemas.openxmlformats.org/drawingml/2006/main" xmlns:r="http://schemas.openxmlformats.org/officeDocument/2006/relationships" xmlns:p="http://schemas.openxmlformats.org/presentationml/2006/main" showMasterSp="0" showMasterPhAnim="0">
   <p:cSld>
     <p:spTree>
@@ -2359,7 +2898,7 @@
 </p:notes>
 </file>
 
-<file path=ppt/notesSlides/notesSlide23.xml><?xml version="1.0" encoding="utf-8"?>
+<file path=ppt/notesSlides/notesSlide24.xml><?xml version="1.0" encoding="utf-8"?>
 <p:notes xmlns:a="http://schemas.openxmlformats.org/drawingml/2006/main" xmlns:r="http://schemas.openxmlformats.org/officeDocument/2006/relationships" xmlns:p="http://schemas.openxmlformats.org/presentationml/2006/main" showMasterSp="0" showMasterPhAnim="0">
   <p:cSld>
     <p:spTree>
@@ -3732,7 +4271,7 @@
             </a:pPr>
             <a:fld id="{00000000-1234-1234-1234-123412341234}" type="slidenum">
               <a:rPr lang="en"/>
-              <a:t>‹#›</a:t>
+              <a:t>‹Nr.›</a:t>
             </a:fld>
             <a:endParaRPr/>
           </a:p>
@@ -3925,7 +4464,7 @@
             </a:pPr>
             <a:fld id="{00000000-1234-1234-1234-123412341234}" type="slidenum">
               <a:rPr lang="en"/>
-              <a:t>‹#›</a:t>
+              <a:t>‹Nr.›</a:t>
             </a:fld>
             <a:endParaRPr/>
           </a:p>
@@ -4037,7 +4576,7 @@
             </a:pPr>
             <a:fld id="{00000000-1234-1234-1234-123412341234}" type="slidenum">
               <a:rPr lang="en"/>
-              <a:t>‹#›</a:t>
+              <a:t>‹Nr.›</a:t>
             </a:fld>
             <a:endParaRPr/>
           </a:p>
@@ -4493,7 +5032,7 @@
             </a:pPr>
             <a:fld id="{00000000-1234-1234-1234-123412341234}" type="slidenum">
               <a:rPr lang="en"/>
-              <a:t>‹#›</a:t>
+              <a:t>‹Nr.›</a:t>
             </a:fld>
             <a:endParaRPr/>
           </a:p>
@@ -4957,7 +5496,7 @@
             </a:pPr>
             <a:fld id="{00000000-1234-1234-1234-123412341234}" type="slidenum">
               <a:rPr lang="en"/>
-              <a:t>‹#›</a:t>
+              <a:t>‹Nr.›</a:t>
             </a:fld>
             <a:endParaRPr/>
           </a:p>
@@ -5328,7 +5867,7 @@
             </a:pPr>
             <a:fld id="{00000000-1234-1234-1234-123412341234}" type="slidenum">
               <a:rPr lang="en"/>
-              <a:t>‹#›</a:t>
+              <a:t>‹Nr.›</a:t>
             </a:fld>
             <a:endParaRPr/>
           </a:p>
@@ -5707,7 +6246,7 @@
             </a:pPr>
             <a:fld id="{00000000-1234-1234-1234-123412341234}" type="slidenum">
               <a:rPr lang="en"/>
-              <a:t>‹#›</a:t>
+              <a:t>‹Nr.›</a:t>
             </a:fld>
             <a:endParaRPr/>
           </a:p>
@@ -6109,7 +6648,7 @@
             </a:pPr>
             <a:fld id="{00000000-1234-1234-1234-123412341234}" type="slidenum">
               <a:rPr lang="en"/>
-              <a:t>‹#›</a:t>
+              <a:t>‹Nr.›</a:t>
             </a:fld>
             <a:endParaRPr/>
           </a:p>
@@ -6694,7 +7233,7 @@
             </a:pPr>
             <a:fld id="{00000000-1234-1234-1234-123412341234}" type="slidenum">
               <a:rPr lang="en"/>
-              <a:t>‹#›</a:t>
+              <a:t>‹Nr.›</a:t>
             </a:fld>
             <a:endParaRPr/>
           </a:p>
@@ -6967,7 +7506,7 @@
             </a:pPr>
             <a:fld id="{00000000-1234-1234-1234-123412341234}" type="slidenum">
               <a:rPr lang="en"/>
-              <a:t>‹#›</a:t>
+              <a:t>‹Nr.›</a:t>
             </a:fld>
             <a:endParaRPr/>
           </a:p>
@@ -7071,7 +7610,7 @@
             </a:pPr>
             <a:fld id="{00000000-1234-1234-1234-123412341234}" type="slidenum">
               <a:rPr lang="en"/>
-              <a:t>‹#›</a:t>
+              <a:t>‹Nr.›</a:t>
             </a:fld>
             <a:endParaRPr/>
           </a:p>
@@ -7741,7 +8280,7 @@
             </a:pPr>
             <a:fld id="{00000000-1234-1234-1234-123412341234}" type="slidenum">
               <a:rPr lang="en"/>
-              <a:t>‹#›</a:t>
+              <a:t>‹Nr.›</a:t>
             </a:fld>
             <a:endParaRPr/>
           </a:p>
@@ -12995,7 +13534,7 @@
           <p:nvPr/>
         </p:nvPicPr>
         <p:blipFill>
-          <a:blip r:embed="rId2"/>
+          <a:blip r:embed="rId3"/>
           <a:stretch>
             <a:fillRect/>
           </a:stretch>
@@ -13038,7 +13577,7 @@
           <p:nvPr/>
         </p:nvPicPr>
         <p:blipFill>
-          <a:blip r:embed="rId3">
+          <a:blip r:embed="rId4">
             <a:extLst>
               <a:ext uri="{28A0092B-C50C-407E-A947-70E740481C1C}">
                 <a14:useLocalDpi xmlns:a14="http://schemas.microsoft.com/office/drawing/2010/main" val="0"/>

--- a/Presentation/Pitch.pptx
+++ b/Presentation/Pitch.pptx
@@ -5,7 +5,7 @@
     <p:sldMasterId id="2147483665" r:id="rId1"/>
   </p:sldMasterIdLst>
   <p:notesMasterIdLst>
-    <p:notesMasterId r:id="rId27"/>
+    <p:notesMasterId r:id="rId29"/>
   </p:notesMasterIdLst>
   <p:sldIdLst>
     <p:sldId id="256" r:id="rId2"/>
@@ -14,49 +14,51 @@
     <p:sldId id="287" r:id="rId5"/>
     <p:sldId id="288" r:id="rId6"/>
     <p:sldId id="290" r:id="rId7"/>
-    <p:sldId id="292" r:id="rId8"/>
-    <p:sldId id="293" r:id="rId9"/>
-    <p:sldId id="289" r:id="rId10"/>
-    <p:sldId id="294" r:id="rId11"/>
-    <p:sldId id="261" r:id="rId12"/>
-    <p:sldId id="267" r:id="rId13"/>
-    <p:sldId id="262" r:id="rId14"/>
-    <p:sldId id="301" r:id="rId15"/>
-    <p:sldId id="299" r:id="rId16"/>
-    <p:sldId id="297" r:id="rId17"/>
-    <p:sldId id="296" r:id="rId18"/>
-    <p:sldId id="300" r:id="rId19"/>
-    <p:sldId id="304" r:id="rId20"/>
-    <p:sldId id="303" r:id="rId21"/>
-    <p:sldId id="305" r:id="rId22"/>
-    <p:sldId id="298" r:id="rId23"/>
-    <p:sldId id="307" r:id="rId24"/>
-    <p:sldId id="306" r:id="rId25"/>
-    <p:sldId id="295" r:id="rId26"/>
+    <p:sldId id="308" r:id="rId8"/>
+    <p:sldId id="309" r:id="rId9"/>
+    <p:sldId id="292" r:id="rId10"/>
+    <p:sldId id="293" r:id="rId11"/>
+    <p:sldId id="289" r:id="rId12"/>
+    <p:sldId id="294" r:id="rId13"/>
+    <p:sldId id="261" r:id="rId14"/>
+    <p:sldId id="267" r:id="rId15"/>
+    <p:sldId id="262" r:id="rId16"/>
+    <p:sldId id="301" r:id="rId17"/>
+    <p:sldId id="299" r:id="rId18"/>
+    <p:sldId id="297" r:id="rId19"/>
+    <p:sldId id="296" r:id="rId20"/>
+    <p:sldId id="300" r:id="rId21"/>
+    <p:sldId id="304" r:id="rId22"/>
+    <p:sldId id="303" r:id="rId23"/>
+    <p:sldId id="305" r:id="rId24"/>
+    <p:sldId id="298" r:id="rId25"/>
+    <p:sldId id="307" r:id="rId26"/>
+    <p:sldId id="306" r:id="rId27"/>
+    <p:sldId id="295" r:id="rId28"/>
   </p:sldIdLst>
   <p:sldSz cx="9144000" cy="5143500" type="screen16x9"/>
   <p:notesSz cx="6858000" cy="9144000"/>
   <p:embeddedFontLst>
     <p:embeddedFont>
       <p:font typeface="Calibri" panose="020F0502020204030204" pitchFamily="34" charset="0"/>
-      <p:regular r:id="rId28"/>
-      <p:bold r:id="rId29"/>
-      <p:italic r:id="rId30"/>
-      <p:boldItalic r:id="rId31"/>
+      <p:regular r:id="rId30"/>
+      <p:bold r:id="rId31"/>
+      <p:italic r:id="rId32"/>
+      <p:boldItalic r:id="rId33"/>
     </p:embeddedFont>
     <p:embeddedFont>
       <p:font typeface="Montserrat" panose="020B0604020202020204" charset="0"/>
-      <p:regular r:id="rId32"/>
-      <p:bold r:id="rId33"/>
-      <p:italic r:id="rId34"/>
-      <p:boldItalic r:id="rId35"/>
+      <p:regular r:id="rId34"/>
+      <p:bold r:id="rId35"/>
+      <p:italic r:id="rId36"/>
+      <p:boldItalic r:id="rId37"/>
     </p:embeddedFont>
     <p:embeddedFont>
       <p:font typeface="Open Sans" panose="020B0604020202020204" charset="0"/>
-      <p:regular r:id="rId36"/>
-      <p:bold r:id="rId37"/>
-      <p:italic r:id="rId38"/>
-      <p:boldItalic r:id="rId39"/>
+      <p:regular r:id="rId38"/>
+      <p:bold r:id="rId39"/>
+      <p:italic r:id="rId40"/>
+      <p:boldItalic r:id="rId41"/>
     </p:embeddedFont>
   </p:embeddedFontLst>
   <p:defaultTextStyle>
@@ -831,7 +833,7 @@
             </a:pPr>
             <a:r>
               <a:rPr lang="de-DE" dirty="0"/>
-              <a:t>Starting: James (5 Minutes Intro + Game content)</a:t>
+              <a:t>Starting: James (3-5 Minutes Intro + Game content)</a:t>
             </a:r>
             <a:endParaRPr dirty="0"/>
           </a:p>
@@ -846,6 +848,228 @@
 </file>
 
 <file path=ppt/notesSlides/notesSlide10.xml><?xml version="1.0" encoding="utf-8"?>
+<p:notes xmlns:a="http://schemas.openxmlformats.org/drawingml/2006/main" xmlns:r="http://schemas.openxmlformats.org/officeDocument/2006/relationships" xmlns:p="http://schemas.openxmlformats.org/presentationml/2006/main" showMasterSp="0" showMasterPhAnim="0">
+  <p:cSld>
+    <p:spTree>
+      <p:nvGrpSpPr>
+        <p:cNvPr id="1" name="Shape 150"/>
+        <p:cNvGrpSpPr/>
+        <p:nvPr/>
+      </p:nvGrpSpPr>
+      <p:grpSpPr>
+        <a:xfrm>
+          <a:off x="0" y="0"/>
+          <a:ext cx="0" cy="0"/>
+          <a:chOff x="0" y="0"/>
+          <a:chExt cx="0" cy="0"/>
+        </a:xfrm>
+      </p:grpSpPr>
+      <p:sp>
+        <p:nvSpPr>
+          <p:cNvPr id="151" name="Google Shape;151;g35f391192_017:notes"/>
+          <p:cNvSpPr>
+            <a:spLocks noGrp="1" noRot="1" noChangeAspect="1"/>
+          </p:cNvSpPr>
+          <p:nvPr>
+            <p:ph type="sldImg" idx="2"/>
+          </p:nvPr>
+        </p:nvSpPr>
+        <p:spPr>
+          <a:xfrm>
+            <a:off x="381000" y="685800"/>
+            <a:ext cx="6096000" cy="3429000"/>
+          </a:xfrm>
+          <a:custGeom>
+            <a:avLst/>
+            <a:gdLst/>
+            <a:ahLst/>
+            <a:cxnLst/>
+            <a:rect l="l" t="t" r="r" b="b"/>
+            <a:pathLst>
+              <a:path w="120000" h="120000" extrusionOk="0">
+                <a:moveTo>
+                  <a:pt x="0" y="0"/>
+                </a:moveTo>
+                <a:lnTo>
+                  <a:pt x="120000" y="0"/>
+                </a:lnTo>
+                <a:lnTo>
+                  <a:pt x="120000" y="120000"/>
+                </a:lnTo>
+                <a:lnTo>
+                  <a:pt x="0" y="120000"/>
+                </a:lnTo>
+                <a:close/>
+              </a:path>
+            </a:pathLst>
+          </a:custGeom>
+        </p:spPr>
+      </p:sp>
+      <p:sp>
+        <p:nvSpPr>
+          <p:cNvPr id="152" name="Google Shape;152;g35f391192_017:notes"/>
+          <p:cNvSpPr txBox="1">
+            <a:spLocks noGrp="1"/>
+          </p:cNvSpPr>
+          <p:nvPr>
+            <p:ph type="body" idx="1"/>
+          </p:nvPr>
+        </p:nvSpPr>
+        <p:spPr>
+          <a:xfrm>
+            <a:off x="685800" y="4343400"/>
+            <a:ext cx="5486400" cy="4114800"/>
+          </a:xfrm>
+          <a:prstGeom prst="rect">
+            <a:avLst/>
+          </a:prstGeom>
+        </p:spPr>
+        <p:txBody>
+          <a:bodyPr spcFirstLastPara="1" wrap="square" lIns="91425" tIns="91425" rIns="91425" bIns="91425" anchor="t" anchorCtr="0">
+            <a:noAutofit/>
+          </a:bodyPr>
+          <a:lstStyle/>
+          <a:p>
+            <a:pPr marL="0" lvl="0" indent="0" algn="l" rtl="0">
+              <a:spcBef>
+                <a:spcPts val="0"/>
+              </a:spcBef>
+              <a:spcAft>
+                <a:spcPts val="0"/>
+              </a:spcAft>
+              <a:buNone/>
+            </a:pPr>
+            <a:endParaRPr/>
+          </a:p>
+        </p:txBody>
+      </p:sp>
+    </p:spTree>
+    <p:extLst>
+      <p:ext uri="{BB962C8B-B14F-4D97-AF65-F5344CB8AC3E}">
+        <p14:creationId xmlns:p14="http://schemas.microsoft.com/office/powerpoint/2010/main" val="1515008297"/>
+      </p:ext>
+    </p:extLst>
+  </p:cSld>
+  <p:clrMapOvr>
+    <a:masterClrMapping/>
+  </p:clrMapOvr>
+</p:notes>
+</file>
+
+<file path=ppt/notesSlides/notesSlide11.xml><?xml version="1.0" encoding="utf-8"?>
+<p:notes xmlns:a="http://schemas.openxmlformats.org/drawingml/2006/main" xmlns:r="http://schemas.openxmlformats.org/officeDocument/2006/relationships" xmlns:p="http://schemas.openxmlformats.org/presentationml/2006/main" showMasterSp="0" showMasterPhAnim="0">
+  <p:cSld>
+    <p:spTree>
+      <p:nvGrpSpPr>
+        <p:cNvPr id="1" name="Shape 113"/>
+        <p:cNvGrpSpPr/>
+        <p:nvPr/>
+      </p:nvGrpSpPr>
+      <p:grpSpPr>
+        <a:xfrm>
+          <a:off x="0" y="0"/>
+          <a:ext cx="0" cy="0"/>
+          <a:chOff x="0" y="0"/>
+          <a:chExt cx="0" cy="0"/>
+        </a:xfrm>
+      </p:grpSpPr>
+      <p:sp>
+        <p:nvSpPr>
+          <p:cNvPr id="114" name="Google Shape;114;g35f391192_029:notes"/>
+          <p:cNvSpPr>
+            <a:spLocks noGrp="1" noRot="1" noChangeAspect="1"/>
+          </p:cNvSpPr>
+          <p:nvPr>
+            <p:ph type="sldImg" idx="2"/>
+          </p:nvPr>
+        </p:nvSpPr>
+        <p:spPr>
+          <a:xfrm>
+            <a:off x="381000" y="685800"/>
+            <a:ext cx="6096000" cy="3429000"/>
+          </a:xfrm>
+          <a:custGeom>
+            <a:avLst/>
+            <a:gdLst/>
+            <a:ahLst/>
+            <a:cxnLst/>
+            <a:rect l="l" t="t" r="r" b="b"/>
+            <a:pathLst>
+              <a:path w="120000" h="120000" extrusionOk="0">
+                <a:moveTo>
+                  <a:pt x="0" y="0"/>
+                </a:moveTo>
+                <a:lnTo>
+                  <a:pt x="120000" y="0"/>
+                </a:lnTo>
+                <a:lnTo>
+                  <a:pt x="120000" y="120000"/>
+                </a:lnTo>
+                <a:lnTo>
+                  <a:pt x="0" y="120000"/>
+                </a:lnTo>
+                <a:close/>
+              </a:path>
+            </a:pathLst>
+          </a:custGeom>
+        </p:spPr>
+      </p:sp>
+      <p:sp>
+        <p:nvSpPr>
+          <p:cNvPr id="115" name="Google Shape;115;g35f391192_029:notes"/>
+          <p:cNvSpPr txBox="1">
+            <a:spLocks noGrp="1"/>
+          </p:cNvSpPr>
+          <p:nvPr>
+            <p:ph type="body" idx="1"/>
+          </p:nvPr>
+        </p:nvSpPr>
+        <p:spPr>
+          <a:xfrm>
+            <a:off x="685800" y="4343400"/>
+            <a:ext cx="5486400" cy="4114800"/>
+          </a:xfrm>
+          <a:prstGeom prst="rect">
+            <a:avLst/>
+          </a:prstGeom>
+        </p:spPr>
+        <p:txBody>
+          <a:bodyPr spcFirstLastPara="1" wrap="square" lIns="91425" tIns="91425" rIns="91425" bIns="91425" anchor="t" anchorCtr="0">
+            <a:noAutofit/>
+          </a:bodyPr>
+          <a:lstStyle/>
+          <a:p>
+            <a:pPr marL="0" lvl="0" indent="0" algn="l" rtl="0">
+              <a:spcBef>
+                <a:spcPts val="0"/>
+              </a:spcBef>
+              <a:spcAft>
+                <a:spcPts val="0"/>
+              </a:spcAft>
+              <a:buNone/>
+            </a:pPr>
+            <a:r>
+              <a:rPr lang="de-DE" dirty="0"/>
+              <a:t>Markus (5minutes + Trailer)</a:t>
+            </a:r>
+            <a:endParaRPr dirty="0"/>
+          </a:p>
+        </p:txBody>
+      </p:sp>
+    </p:spTree>
+    <p:extLst>
+      <p:ext uri="{BB962C8B-B14F-4D97-AF65-F5344CB8AC3E}">
+        <p14:creationId xmlns:p14="http://schemas.microsoft.com/office/powerpoint/2010/main" val="972823677"/>
+      </p:ext>
+    </p:extLst>
+  </p:cSld>
+  <p:clrMapOvr>
+    <a:masterClrMapping/>
+  </p:clrMapOvr>
+</p:notes>
+</file>
+
+<file path=ppt/notesSlides/notesSlide12.xml><?xml version="1.0" encoding="utf-8"?>
 <p:notes xmlns:a="http://schemas.openxmlformats.org/drawingml/2006/main" xmlns:r="http://schemas.openxmlformats.org/officeDocument/2006/relationships" xmlns:p="http://schemas.openxmlformats.org/presentationml/2006/main" showMasterSp="0" showMasterPhAnim="0">
   <p:cSld>
     <p:spTree>
@@ -954,7 +1178,7 @@
 </p:notes>
 </file>
 
-<file path=ppt/notesSlides/notesSlide11.xml><?xml version="1.0" encoding="utf-8"?>
+<file path=ppt/notesSlides/notesSlide13.xml><?xml version="1.0" encoding="utf-8"?>
 <p:notes xmlns:a="http://schemas.openxmlformats.org/drawingml/2006/main" xmlns:r="http://schemas.openxmlformats.org/officeDocument/2006/relationships" xmlns:p="http://schemas.openxmlformats.org/presentationml/2006/main" showMasterSp="0" showMasterPhAnim="0">
   <p:cSld>
     <p:spTree>
@@ -1058,7 +1282,7 @@
 </p:notes>
 </file>
 
-<file path=ppt/notesSlides/notesSlide12.xml><?xml version="1.0" encoding="utf-8"?>
+<file path=ppt/notesSlides/notesSlide14.xml><?xml version="1.0" encoding="utf-8"?>
 <p:notes xmlns:a="http://schemas.openxmlformats.org/drawingml/2006/main" xmlns:r="http://schemas.openxmlformats.org/officeDocument/2006/relationships" xmlns:p="http://schemas.openxmlformats.org/presentationml/2006/main" showMasterSp="0" showMasterPhAnim="0">
   <p:cSld>
     <p:spTree>
@@ -1155,180 +1379,6 @@
         </p:txBody>
       </p:sp>
     </p:spTree>
-  </p:cSld>
-  <p:clrMapOvr>
-    <a:masterClrMapping/>
-  </p:clrMapOvr>
-</p:notes>
-</file>
-
-<file path=ppt/notesSlides/notesSlide13.xml><?xml version="1.0" encoding="utf-8"?>
-<p:notes xmlns:a="http://schemas.openxmlformats.org/drawingml/2006/main" xmlns:r="http://schemas.openxmlformats.org/officeDocument/2006/relationships" xmlns:p="http://schemas.openxmlformats.org/presentationml/2006/main" showMasterSp="0" showMasterPhAnim="0">
-  <p:cSld>
-    <p:spTree>
-      <p:nvGrpSpPr>
-        <p:cNvPr id="1" name="Shape 133"/>
-        <p:cNvGrpSpPr/>
-        <p:nvPr/>
-      </p:nvGrpSpPr>
-      <p:grpSpPr>
-        <a:xfrm>
-          <a:off x="0" y="0"/>
-          <a:ext cx="0" cy="0"/>
-          <a:chOff x="0" y="0"/>
-          <a:chExt cx="0" cy="0"/>
-        </a:xfrm>
-      </p:grpSpPr>
-      <p:sp>
-        <p:nvSpPr>
-          <p:cNvPr id="134" name="Google Shape;134;g35ed75ccf_015:notes"/>
-          <p:cNvSpPr>
-            <a:spLocks noGrp="1" noRot="1" noChangeAspect="1"/>
-          </p:cNvSpPr>
-          <p:nvPr>
-            <p:ph type="sldImg" idx="2"/>
-          </p:nvPr>
-        </p:nvSpPr>
-        <p:spPr>
-          <a:xfrm>
-            <a:off x="381000" y="685800"/>
-            <a:ext cx="6096000" cy="3429000"/>
-          </a:xfrm>
-          <a:custGeom>
-            <a:avLst/>
-            <a:gdLst/>
-            <a:ahLst/>
-            <a:cxnLst/>
-            <a:rect l="l" t="t" r="r" b="b"/>
-            <a:pathLst>
-              <a:path w="120000" h="120000" extrusionOk="0">
-                <a:moveTo>
-                  <a:pt x="0" y="0"/>
-                </a:moveTo>
-                <a:lnTo>
-                  <a:pt x="120000" y="0"/>
-                </a:lnTo>
-                <a:lnTo>
-                  <a:pt x="120000" y="120000"/>
-                </a:lnTo>
-                <a:lnTo>
-                  <a:pt x="0" y="120000"/>
-                </a:lnTo>
-                <a:close/>
-              </a:path>
-            </a:pathLst>
-          </a:custGeom>
-        </p:spPr>
-      </p:sp>
-      <p:sp>
-        <p:nvSpPr>
-          <p:cNvPr id="135" name="Google Shape;135;g35ed75ccf_015:notes"/>
-          <p:cNvSpPr txBox="1">
-            <a:spLocks noGrp="1"/>
-          </p:cNvSpPr>
-          <p:nvPr>
-            <p:ph type="body" idx="1"/>
-          </p:nvPr>
-        </p:nvSpPr>
-        <p:spPr>
-          <a:xfrm>
-            <a:off x="685800" y="4343400"/>
-            <a:ext cx="5486400" cy="4114800"/>
-          </a:xfrm>
-          <a:prstGeom prst="rect">
-            <a:avLst/>
-          </a:prstGeom>
-        </p:spPr>
-        <p:txBody>
-          <a:bodyPr spcFirstLastPara="1" wrap="square" lIns="91425" tIns="91425" rIns="91425" bIns="91425" anchor="t" anchorCtr="0">
-            <a:noAutofit/>
-          </a:bodyPr>
-          <a:lstStyle/>
-          <a:p>
-            <a:pPr marL="0" lvl="0" indent="0" algn="l" rtl="0">
-              <a:spcBef>
-                <a:spcPts val="0"/>
-              </a:spcBef>
-              <a:spcAft>
-                <a:spcPts val="0"/>
-              </a:spcAft>
-              <a:buNone/>
-            </a:pPr>
-            <a:endParaRPr/>
-          </a:p>
-        </p:txBody>
-      </p:sp>
-    </p:spTree>
-  </p:cSld>
-  <p:clrMapOvr>
-    <a:masterClrMapping/>
-  </p:clrMapOvr>
-</p:notes>
-</file>
-
-<file path=ppt/notesSlides/notesSlide14.xml><?xml version="1.0" encoding="utf-8"?>
-<p:notes xmlns:a="http://schemas.openxmlformats.org/drawingml/2006/main" xmlns:r="http://schemas.openxmlformats.org/officeDocument/2006/relationships" xmlns:p="http://schemas.openxmlformats.org/presentationml/2006/main">
-  <p:cSld>
-    <p:spTree>
-      <p:nvGrpSpPr>
-        <p:cNvPr id="1" name=""/>
-        <p:cNvGrpSpPr/>
-        <p:nvPr/>
-      </p:nvGrpSpPr>
-      <p:grpSpPr>
-        <a:xfrm>
-          <a:off x="0" y="0"/>
-          <a:ext cx="0" cy="0"/>
-          <a:chOff x="0" y="0"/>
-          <a:chExt cx="0" cy="0"/>
-        </a:xfrm>
-      </p:grpSpPr>
-      <p:sp>
-        <p:nvSpPr>
-          <p:cNvPr id="2" name="Slide Image Placeholder 1"/>
-          <p:cNvSpPr>
-            <a:spLocks noGrp="1" noRot="1" noChangeAspect="1"/>
-          </p:cNvSpPr>
-          <p:nvPr>
-            <p:ph type="sldImg"/>
-          </p:nvPr>
-        </p:nvSpPr>
-        <p:spPr>
-          <a:xfrm>
-            <a:off x="381000" y="685800"/>
-            <a:ext cx="6096000" cy="3429000"/>
-          </a:xfrm>
-        </p:spPr>
-      </p:sp>
-      <p:sp>
-        <p:nvSpPr>
-          <p:cNvPr id="3" name="Notes Placeholder 2"/>
-          <p:cNvSpPr>
-            <a:spLocks noGrp="1"/>
-          </p:cNvSpPr>
-          <p:nvPr>
-            <p:ph type="body" idx="1"/>
-          </p:nvPr>
-        </p:nvSpPr>
-        <p:spPr/>
-        <p:txBody>
-          <a:bodyPr/>
-          <a:lstStyle/>
-          <a:p>
-            <a:r>
-              <a:rPr lang="de-DE" dirty="0"/>
-              <a:t>Trailer Showtime!</a:t>
-            </a:r>
-            <a:endParaRPr lang="en-US" dirty="0"/>
-          </a:p>
-        </p:txBody>
-      </p:sp>
-    </p:spTree>
-    <p:extLst>
-      <p:ext uri="{BB962C8B-B14F-4D97-AF65-F5344CB8AC3E}">
-        <p14:creationId xmlns:p14="http://schemas.microsoft.com/office/powerpoint/2010/main" val="2906740446"/>
-      </p:ext>
-    </p:extLst>
   </p:cSld>
   <p:clrMapOvr>
     <a:masterClrMapping/>
@@ -1433,6 +1483,180 @@
         </p:txBody>
       </p:sp>
     </p:spTree>
+  </p:cSld>
+  <p:clrMapOvr>
+    <a:masterClrMapping/>
+  </p:clrMapOvr>
+</p:notes>
+</file>
+
+<file path=ppt/notesSlides/notesSlide16.xml><?xml version="1.0" encoding="utf-8"?>
+<p:notes xmlns:a="http://schemas.openxmlformats.org/drawingml/2006/main" xmlns:r="http://schemas.openxmlformats.org/officeDocument/2006/relationships" xmlns:p="http://schemas.openxmlformats.org/presentationml/2006/main">
+  <p:cSld>
+    <p:spTree>
+      <p:nvGrpSpPr>
+        <p:cNvPr id="1" name=""/>
+        <p:cNvGrpSpPr/>
+        <p:nvPr/>
+      </p:nvGrpSpPr>
+      <p:grpSpPr>
+        <a:xfrm>
+          <a:off x="0" y="0"/>
+          <a:ext cx="0" cy="0"/>
+          <a:chOff x="0" y="0"/>
+          <a:chExt cx="0" cy="0"/>
+        </a:xfrm>
+      </p:grpSpPr>
+      <p:sp>
+        <p:nvSpPr>
+          <p:cNvPr id="2" name="Slide Image Placeholder 1"/>
+          <p:cNvSpPr>
+            <a:spLocks noGrp="1" noRot="1" noChangeAspect="1"/>
+          </p:cNvSpPr>
+          <p:nvPr>
+            <p:ph type="sldImg"/>
+          </p:nvPr>
+        </p:nvSpPr>
+        <p:spPr>
+          <a:xfrm>
+            <a:off x="381000" y="685800"/>
+            <a:ext cx="6096000" cy="3429000"/>
+          </a:xfrm>
+        </p:spPr>
+      </p:sp>
+      <p:sp>
+        <p:nvSpPr>
+          <p:cNvPr id="3" name="Notes Placeholder 2"/>
+          <p:cNvSpPr>
+            <a:spLocks noGrp="1"/>
+          </p:cNvSpPr>
+          <p:nvPr>
+            <p:ph type="body" idx="1"/>
+          </p:nvPr>
+        </p:nvSpPr>
+        <p:spPr/>
+        <p:txBody>
+          <a:bodyPr/>
+          <a:lstStyle/>
+          <a:p>
+            <a:r>
+              <a:rPr lang="de-DE" dirty="0"/>
+              <a:t>Trailer Showtime!</a:t>
+            </a:r>
+            <a:endParaRPr lang="en-US" dirty="0"/>
+          </a:p>
+        </p:txBody>
+      </p:sp>
+    </p:spTree>
+    <p:extLst>
+      <p:ext uri="{BB962C8B-B14F-4D97-AF65-F5344CB8AC3E}">
+        <p14:creationId xmlns:p14="http://schemas.microsoft.com/office/powerpoint/2010/main" val="2906740446"/>
+      </p:ext>
+    </p:extLst>
+  </p:cSld>
+  <p:clrMapOvr>
+    <a:masterClrMapping/>
+  </p:clrMapOvr>
+</p:notes>
+</file>
+
+<file path=ppt/notesSlides/notesSlide17.xml><?xml version="1.0" encoding="utf-8"?>
+<p:notes xmlns:a="http://schemas.openxmlformats.org/drawingml/2006/main" xmlns:r="http://schemas.openxmlformats.org/officeDocument/2006/relationships" xmlns:p="http://schemas.openxmlformats.org/presentationml/2006/main" showMasterSp="0" showMasterPhAnim="0">
+  <p:cSld>
+    <p:spTree>
+      <p:nvGrpSpPr>
+        <p:cNvPr id="1" name="Shape 133"/>
+        <p:cNvGrpSpPr/>
+        <p:nvPr/>
+      </p:nvGrpSpPr>
+      <p:grpSpPr>
+        <a:xfrm>
+          <a:off x="0" y="0"/>
+          <a:ext cx="0" cy="0"/>
+          <a:chOff x="0" y="0"/>
+          <a:chExt cx="0" cy="0"/>
+        </a:xfrm>
+      </p:grpSpPr>
+      <p:sp>
+        <p:nvSpPr>
+          <p:cNvPr id="134" name="Google Shape;134;g35ed75ccf_015:notes"/>
+          <p:cNvSpPr>
+            <a:spLocks noGrp="1" noRot="1" noChangeAspect="1"/>
+          </p:cNvSpPr>
+          <p:nvPr>
+            <p:ph type="sldImg" idx="2"/>
+          </p:nvPr>
+        </p:nvSpPr>
+        <p:spPr>
+          <a:xfrm>
+            <a:off x="381000" y="685800"/>
+            <a:ext cx="6096000" cy="3429000"/>
+          </a:xfrm>
+          <a:custGeom>
+            <a:avLst/>
+            <a:gdLst/>
+            <a:ahLst/>
+            <a:cxnLst/>
+            <a:rect l="l" t="t" r="r" b="b"/>
+            <a:pathLst>
+              <a:path w="120000" h="120000" extrusionOk="0">
+                <a:moveTo>
+                  <a:pt x="0" y="0"/>
+                </a:moveTo>
+                <a:lnTo>
+                  <a:pt x="120000" y="0"/>
+                </a:lnTo>
+                <a:lnTo>
+                  <a:pt x="120000" y="120000"/>
+                </a:lnTo>
+                <a:lnTo>
+                  <a:pt x="0" y="120000"/>
+                </a:lnTo>
+                <a:close/>
+              </a:path>
+            </a:pathLst>
+          </a:custGeom>
+        </p:spPr>
+      </p:sp>
+      <p:sp>
+        <p:nvSpPr>
+          <p:cNvPr id="135" name="Google Shape;135;g35ed75ccf_015:notes"/>
+          <p:cNvSpPr txBox="1">
+            <a:spLocks noGrp="1"/>
+          </p:cNvSpPr>
+          <p:nvPr>
+            <p:ph type="body" idx="1"/>
+          </p:nvPr>
+        </p:nvSpPr>
+        <p:spPr>
+          <a:xfrm>
+            <a:off x="685800" y="4343400"/>
+            <a:ext cx="5486400" cy="4114800"/>
+          </a:xfrm>
+          <a:prstGeom prst="rect">
+            <a:avLst/>
+          </a:prstGeom>
+        </p:spPr>
+        <p:txBody>
+          <a:bodyPr spcFirstLastPara="1" wrap="square" lIns="91425" tIns="91425" rIns="91425" bIns="91425" anchor="t" anchorCtr="0">
+            <a:noAutofit/>
+          </a:bodyPr>
+          <a:lstStyle/>
+          <a:p>
+            <a:pPr marL="0" lvl="0" indent="0" algn="l" rtl="0">
+              <a:spcBef>
+                <a:spcPts val="0"/>
+              </a:spcBef>
+              <a:spcAft>
+                <a:spcPts val="0"/>
+              </a:spcAft>
+              <a:buNone/>
+            </a:pPr>
+            <a:endParaRPr/>
+          </a:p>
+        </p:txBody>
+      </p:sp>
+    </p:spTree>
     <p:extLst>
       <p:ext uri="{BB962C8B-B14F-4D97-AF65-F5344CB8AC3E}">
         <p14:creationId xmlns:p14="http://schemas.microsoft.com/office/powerpoint/2010/main" val="602780157"/>
@@ -1445,7 +1669,7 @@
 </p:notes>
 </file>
 
-<file path=ppt/notesSlides/notesSlide16.xml><?xml version="1.0" encoding="utf-8"?>
+<file path=ppt/notesSlides/notesSlide18.xml><?xml version="1.0" encoding="utf-8"?>
 <p:notes xmlns:a="http://schemas.openxmlformats.org/drawingml/2006/main" xmlns:r="http://schemas.openxmlformats.org/officeDocument/2006/relationships" xmlns:p="http://schemas.openxmlformats.org/presentationml/2006/main" showMasterSp="0" showMasterPhAnim="0">
   <p:cSld>
     <p:spTree>
@@ -1537,7 +1761,11 @@
               </a:spcAft>
               <a:buNone/>
             </a:pPr>
-            <a:endParaRPr/>
+            <a:r>
+              <a:rPr lang="de-DE" dirty="0"/>
+              <a:t>Martina (5 minutes planing)</a:t>
+            </a:r>
+            <a:endParaRPr dirty="0"/>
           </a:p>
         </p:txBody>
       </p:sp>
@@ -1554,7 +1782,7 @@
 </p:notes>
 </file>
 
-<file path=ppt/notesSlides/notesSlide17.xml><?xml version="1.0" encoding="utf-8"?>
+<file path=ppt/notesSlides/notesSlide19.xml><?xml version="1.0" encoding="utf-8"?>
 <p:notes xmlns:a="http://schemas.openxmlformats.org/drawingml/2006/main" xmlns:r="http://schemas.openxmlformats.org/officeDocument/2006/relationships" xmlns:p="http://schemas.openxmlformats.org/presentationml/2006/main" showMasterSp="0" showMasterPhAnim="0">
   <p:cSld>
     <p:spTree>
@@ -1773,480 +2001,6 @@
     <p:extLst>
       <p:ext uri="{BB962C8B-B14F-4D97-AF65-F5344CB8AC3E}">
         <p14:creationId xmlns:p14="http://schemas.microsoft.com/office/powerpoint/2010/main" val="868127996"/>
-      </p:ext>
-    </p:extLst>
-  </p:cSld>
-  <p:clrMapOvr>
-    <a:masterClrMapping/>
-  </p:clrMapOvr>
-</p:notes>
-</file>
-
-<file path=ppt/notesSlides/notesSlide18.xml><?xml version="1.0" encoding="utf-8"?>
-<p:notes xmlns:a="http://schemas.openxmlformats.org/drawingml/2006/main" xmlns:r="http://schemas.openxmlformats.org/officeDocument/2006/relationships" xmlns:p="http://schemas.openxmlformats.org/presentationml/2006/main" showMasterSp="0" showMasterPhAnim="0">
-  <p:cSld>
-    <p:spTree>
-      <p:nvGrpSpPr>
-        <p:cNvPr id="1" name="Shape 192"/>
-        <p:cNvGrpSpPr/>
-        <p:nvPr/>
-      </p:nvGrpSpPr>
-      <p:grpSpPr>
-        <a:xfrm>
-          <a:off x="0" y="0"/>
-          <a:ext cx="0" cy="0"/>
-          <a:chOff x="0" y="0"/>
-          <a:chExt cx="0" cy="0"/>
-        </a:xfrm>
-      </p:grpSpPr>
-      <p:sp>
-        <p:nvSpPr>
-          <p:cNvPr id="193" name="Google Shape;193;gee095909b_29_0:notes"/>
-          <p:cNvSpPr>
-            <a:spLocks noGrp="1" noRot="1" noChangeAspect="1"/>
-          </p:cNvSpPr>
-          <p:nvPr>
-            <p:ph type="sldImg" idx="2"/>
-          </p:nvPr>
-        </p:nvSpPr>
-        <p:spPr>
-          <a:xfrm>
-            <a:off x="381000" y="685800"/>
-            <a:ext cx="6096000" cy="3429000"/>
-          </a:xfrm>
-          <a:custGeom>
-            <a:avLst/>
-            <a:gdLst/>
-            <a:ahLst/>
-            <a:cxnLst/>
-            <a:rect l="l" t="t" r="r" b="b"/>
-            <a:pathLst>
-              <a:path w="120000" h="120000" extrusionOk="0">
-                <a:moveTo>
-                  <a:pt x="0" y="0"/>
-                </a:moveTo>
-                <a:lnTo>
-                  <a:pt x="120000" y="0"/>
-                </a:lnTo>
-                <a:lnTo>
-                  <a:pt x="120000" y="120000"/>
-                </a:lnTo>
-                <a:lnTo>
-                  <a:pt x="0" y="120000"/>
-                </a:lnTo>
-                <a:close/>
-              </a:path>
-            </a:pathLst>
-          </a:custGeom>
-        </p:spPr>
-      </p:sp>
-      <p:sp>
-        <p:nvSpPr>
-          <p:cNvPr id="194" name="Google Shape;194;gee095909b_29_0:notes"/>
-          <p:cNvSpPr txBox="1">
-            <a:spLocks noGrp="1"/>
-          </p:cNvSpPr>
-          <p:nvPr>
-            <p:ph type="body" idx="1"/>
-          </p:nvPr>
-        </p:nvSpPr>
-        <p:spPr>
-          <a:xfrm>
-            <a:off x="685800" y="4343400"/>
-            <a:ext cx="5486400" cy="4114800"/>
-          </a:xfrm>
-          <a:prstGeom prst="rect">
-            <a:avLst/>
-          </a:prstGeom>
-        </p:spPr>
-        <p:txBody>
-          <a:bodyPr spcFirstLastPara="1" wrap="square" lIns="91425" tIns="91425" rIns="91425" bIns="91425" anchor="t" anchorCtr="0">
-            <a:noAutofit/>
-          </a:bodyPr>
-          <a:lstStyle/>
-          <a:p>
-            <a:pPr marL="0" lvl="0" indent="0" algn="l" rtl="0">
-              <a:spcBef>
-                <a:spcPts val="0"/>
-              </a:spcBef>
-              <a:spcAft>
-                <a:spcPts val="0"/>
-              </a:spcAft>
-              <a:buNone/>
-            </a:pPr>
-            <a:r>
-              <a:rPr lang="de-DE" dirty="0"/>
-              <a:t>Starke Konkurrenz:</a:t>
-            </a:r>
-          </a:p>
-          <a:p>
-            <a:pPr marL="0" lvl="0" indent="0" algn="l" rtl="0">
-              <a:spcBef>
-                <a:spcPts val="0"/>
-              </a:spcBef>
-              <a:spcAft>
-                <a:spcPts val="0"/>
-              </a:spcAft>
-              <a:buNone/>
-            </a:pPr>
-            <a:r>
-              <a:rPr lang="de-DE" dirty="0"/>
-              <a:t>Der Spielemarkt ist gigantisch! Sehr viele ähnliche Spiele. Dennoch viele erfolgreiche nicht ein ganz großes</a:t>
-            </a:r>
-          </a:p>
-          <a:p>
-            <a:pPr marL="0" lvl="0" indent="0" algn="l" rtl="0">
-              <a:spcBef>
-                <a:spcPts val="0"/>
-              </a:spcBef>
-              <a:spcAft>
-                <a:spcPts val="0"/>
-              </a:spcAft>
-              <a:buNone/>
-            </a:pPr>
-            <a:r>
-              <a:rPr lang="de-DE" dirty="0"/>
-              <a:t>Abwägung: in der Masse untergehen oder Herausstechen durch Charme und einzigartigem Humor</a:t>
-            </a:r>
-          </a:p>
-          <a:p>
-            <a:pPr marL="0" lvl="0" indent="0" algn="l" rtl="0">
-              <a:spcBef>
-                <a:spcPts val="0"/>
-              </a:spcBef>
-              <a:spcAft>
-                <a:spcPts val="0"/>
-              </a:spcAft>
-              <a:buNone/>
-            </a:pPr>
-            <a:endParaRPr lang="de-DE" dirty="0"/>
-          </a:p>
-          <a:p>
-            <a:pPr marL="0" lvl="0" indent="0" algn="l" rtl="0">
-              <a:spcBef>
-                <a:spcPts val="0"/>
-              </a:spcBef>
-              <a:spcAft>
-                <a:spcPts val="0"/>
-              </a:spcAft>
-              <a:buNone/>
-            </a:pPr>
-            <a:r>
-              <a:rPr lang="de-DE" dirty="0"/>
-              <a:t>Kritik:</a:t>
-            </a:r>
-          </a:p>
-          <a:p>
-            <a:pPr marL="0" lvl="0" indent="0" algn="l" rtl="0">
-              <a:spcBef>
-                <a:spcPts val="0"/>
-              </a:spcBef>
-              <a:spcAft>
-                <a:spcPts val="0"/>
-              </a:spcAft>
-              <a:buNone/>
-            </a:pPr>
-            <a:r>
-              <a:rPr lang="de-DE" dirty="0"/>
-              <a:t>Frage: ähnlicher Sucht- und Depressionsfaktor wie Flappy Bird? </a:t>
-            </a:r>
-          </a:p>
-          <a:p>
-            <a:pPr marL="0" lvl="0" indent="0" algn="l" rtl="0">
-              <a:spcBef>
-                <a:spcPts val="0"/>
-              </a:spcBef>
-              <a:spcAft>
-                <a:spcPts val="0"/>
-              </a:spcAft>
-              <a:buNone/>
-            </a:pPr>
-            <a:r>
-              <a:rPr lang="de-DE" dirty="0"/>
-              <a:t>Besonders beim Testen aufpassen, dass es gut </a:t>
-            </a:r>
-            <a:r>
-              <a:rPr lang="de-DE" dirty="0" err="1"/>
-              <a:t>gebalanced</a:t>
-            </a:r>
-            <a:r>
-              <a:rPr lang="de-DE" dirty="0"/>
-              <a:t> wird zwischen Spielspaß und Schwierigkeit</a:t>
-            </a:r>
-          </a:p>
-          <a:p>
-            <a:pPr marL="0" lvl="0" indent="0" algn="l" rtl="0">
-              <a:spcBef>
-                <a:spcPts val="0"/>
-              </a:spcBef>
-              <a:spcAft>
-                <a:spcPts val="0"/>
-              </a:spcAft>
-              <a:buNone/>
-            </a:pPr>
-            <a:endParaRPr lang="de-DE" dirty="0"/>
-          </a:p>
-          <a:p>
-            <a:pPr marL="0" lvl="0" indent="0" algn="l" rtl="0">
-              <a:spcBef>
-                <a:spcPts val="0"/>
-              </a:spcBef>
-              <a:spcAft>
-                <a:spcPts val="0"/>
-              </a:spcAft>
-              <a:buNone/>
-            </a:pPr>
-            <a:r>
-              <a:rPr lang="de-DE" dirty="0"/>
-              <a:t>Low Budget:</a:t>
-            </a:r>
-          </a:p>
-          <a:p>
-            <a:pPr marL="0" lvl="0" indent="0" algn="l" rtl="0">
-              <a:spcBef>
-                <a:spcPts val="0"/>
-              </a:spcBef>
-              <a:spcAft>
-                <a:spcPts val="0"/>
-              </a:spcAft>
-              <a:buNone/>
-            </a:pPr>
-            <a:r>
-              <a:rPr lang="de-DE" dirty="0"/>
-              <a:t>Wenig Geld und wenige Personen</a:t>
-            </a:r>
-          </a:p>
-          <a:p>
-            <a:pPr marL="0" lvl="0" indent="0" algn="l" rtl="0">
-              <a:spcBef>
-                <a:spcPts val="0"/>
-              </a:spcBef>
-              <a:spcAft>
-                <a:spcPts val="0"/>
-              </a:spcAft>
-              <a:buNone/>
-            </a:pPr>
-            <a:r>
-              <a:rPr lang="de-DE" dirty="0"/>
-              <a:t>Deswegen wird das Hauptmerk auf das Spielgefühl gesetzt nicht auf unzählige Features (welche Zeit- und </a:t>
-            </a:r>
-            <a:r>
-              <a:rPr lang="de-DE" dirty="0" err="1"/>
-              <a:t>Resourcenintensiv</a:t>
-            </a:r>
-            <a:r>
-              <a:rPr lang="de-DE" dirty="0"/>
-              <a:t> sind, </a:t>
-            </a:r>
-            <a:r>
-              <a:rPr lang="de-DE" dirty="0" err="1"/>
-              <a:t>zB</a:t>
-            </a:r>
-            <a:r>
-              <a:rPr lang="de-DE" dirty="0"/>
-              <a:t> Art)</a:t>
-            </a:r>
-            <a:endParaRPr dirty="0"/>
-          </a:p>
-        </p:txBody>
-      </p:sp>
-    </p:spTree>
-    <p:extLst>
-      <p:ext uri="{BB962C8B-B14F-4D97-AF65-F5344CB8AC3E}">
-        <p14:creationId xmlns:p14="http://schemas.microsoft.com/office/powerpoint/2010/main" val="2623426053"/>
-      </p:ext>
-    </p:extLst>
-  </p:cSld>
-  <p:clrMapOvr>
-    <a:masterClrMapping/>
-  </p:clrMapOvr>
-</p:notes>
-</file>
-
-<file path=ppt/notesSlides/notesSlide19.xml><?xml version="1.0" encoding="utf-8"?>
-<p:notes xmlns:a="http://schemas.openxmlformats.org/drawingml/2006/main" xmlns:r="http://schemas.openxmlformats.org/officeDocument/2006/relationships" xmlns:p="http://schemas.openxmlformats.org/presentationml/2006/main" showMasterSp="0" showMasterPhAnim="0">
-  <p:cSld>
-    <p:spTree>
-      <p:nvGrpSpPr>
-        <p:cNvPr id="1" name="Shape 167"/>
-        <p:cNvGrpSpPr/>
-        <p:nvPr/>
-      </p:nvGrpSpPr>
-      <p:grpSpPr>
-        <a:xfrm>
-          <a:off x="0" y="0"/>
-          <a:ext cx="0" cy="0"/>
-          <a:chOff x="0" y="0"/>
-          <a:chExt cx="0" cy="0"/>
-        </a:xfrm>
-      </p:grpSpPr>
-      <p:sp>
-        <p:nvSpPr>
-          <p:cNvPr id="168" name="Google Shape;168;g35f391192_057:notes"/>
-          <p:cNvSpPr>
-            <a:spLocks noGrp="1" noRot="1" noChangeAspect="1"/>
-          </p:cNvSpPr>
-          <p:nvPr>
-            <p:ph type="sldImg" idx="2"/>
-          </p:nvPr>
-        </p:nvSpPr>
-        <p:spPr>
-          <a:xfrm>
-            <a:off x="381000" y="685800"/>
-            <a:ext cx="6096000" cy="3429000"/>
-          </a:xfrm>
-          <a:custGeom>
-            <a:avLst/>
-            <a:gdLst/>
-            <a:ahLst/>
-            <a:cxnLst/>
-            <a:rect l="l" t="t" r="r" b="b"/>
-            <a:pathLst>
-              <a:path w="120000" h="120000" extrusionOk="0">
-                <a:moveTo>
-                  <a:pt x="0" y="0"/>
-                </a:moveTo>
-                <a:lnTo>
-                  <a:pt x="120000" y="0"/>
-                </a:lnTo>
-                <a:lnTo>
-                  <a:pt x="120000" y="120000"/>
-                </a:lnTo>
-                <a:lnTo>
-                  <a:pt x="0" y="120000"/>
-                </a:lnTo>
-                <a:close/>
-              </a:path>
-            </a:pathLst>
-          </a:custGeom>
-        </p:spPr>
-      </p:sp>
-      <p:sp>
-        <p:nvSpPr>
-          <p:cNvPr id="169" name="Google Shape;169;g35f391192_057:notes"/>
-          <p:cNvSpPr txBox="1">
-            <a:spLocks noGrp="1"/>
-          </p:cNvSpPr>
-          <p:nvPr>
-            <p:ph type="body" idx="1"/>
-          </p:nvPr>
-        </p:nvSpPr>
-        <p:spPr>
-          <a:xfrm>
-            <a:off x="685800" y="4343400"/>
-            <a:ext cx="5486400" cy="4114800"/>
-          </a:xfrm>
-          <a:prstGeom prst="rect">
-            <a:avLst/>
-          </a:prstGeom>
-        </p:spPr>
-        <p:txBody>
-          <a:bodyPr spcFirstLastPara="1" wrap="square" lIns="91425" tIns="91425" rIns="91425" bIns="91425" anchor="t" anchorCtr="0">
-            <a:noAutofit/>
-          </a:bodyPr>
-          <a:lstStyle/>
-          <a:p>
-            <a:pPr marL="0" lvl="0" indent="0" algn="l" rtl="0">
-              <a:spcBef>
-                <a:spcPts val="0"/>
-              </a:spcBef>
-              <a:spcAft>
-                <a:spcPts val="0"/>
-              </a:spcAft>
-              <a:buNone/>
-            </a:pPr>
-            <a:r>
-              <a:rPr lang="de-DE" dirty="0"/>
-              <a:t>Wie gerade erwähnt: Geld nicht in Features investieren, sondern in Spielgefühl</a:t>
-            </a:r>
-          </a:p>
-          <a:p>
-            <a:pPr marL="0" lvl="0" indent="0" algn="l" rtl="0">
-              <a:spcBef>
-                <a:spcPts val="0"/>
-              </a:spcBef>
-              <a:spcAft>
-                <a:spcPts val="0"/>
-              </a:spcAft>
-              <a:buNone/>
-            </a:pPr>
-            <a:r>
-              <a:rPr lang="de-DE" dirty="0"/>
-              <a:t>-&gt; niedrige </a:t>
-            </a:r>
-            <a:r>
-              <a:rPr lang="de-DE" dirty="0" err="1"/>
-              <a:t>Resourcenkosten</a:t>
-            </a:r>
-            <a:endParaRPr lang="de-DE" dirty="0"/>
-          </a:p>
-          <a:p>
-            <a:pPr marL="0" lvl="0" indent="0" algn="l" rtl="0">
-              <a:spcBef>
-                <a:spcPts val="0"/>
-              </a:spcBef>
-              <a:spcAft>
-                <a:spcPts val="0"/>
-              </a:spcAft>
-              <a:buNone/>
-            </a:pPr>
-            <a:r>
-              <a:rPr lang="de-DE" dirty="0"/>
-              <a:t>Kleines Team kostet natürlich weniger als ein großes</a:t>
-            </a:r>
-          </a:p>
-          <a:p>
-            <a:pPr marL="0" lvl="0" indent="0" algn="l" rtl="0">
-              <a:spcBef>
-                <a:spcPts val="0"/>
-              </a:spcBef>
-              <a:spcAft>
-                <a:spcPts val="0"/>
-              </a:spcAft>
-              <a:buNone/>
-            </a:pPr>
-            <a:r>
-              <a:rPr lang="de-DE" dirty="0"/>
-              <a:t>Kosten steigen langsam an während der Phasen 1-4 und am Ende wird das meiste Geld in Marketing gesteckt (rasanter Anstieg)</a:t>
-            </a:r>
-          </a:p>
-          <a:p>
-            <a:pPr marL="0" lvl="0" indent="0" algn="l" rtl="0">
-              <a:spcBef>
-                <a:spcPts val="0"/>
-              </a:spcBef>
-              <a:spcAft>
-                <a:spcPts val="0"/>
-              </a:spcAft>
-              <a:buNone/>
-            </a:pPr>
-            <a:r>
-              <a:rPr lang="de-DE" dirty="0"/>
-              <a:t>Einkommen natürlich erst nach Release</a:t>
-            </a:r>
-          </a:p>
-          <a:p>
-            <a:pPr marL="0" lvl="0" indent="0" algn="l" rtl="0">
-              <a:spcBef>
-                <a:spcPts val="0"/>
-              </a:spcBef>
-              <a:spcAft>
-                <a:spcPts val="0"/>
-              </a:spcAft>
-              <a:buNone/>
-            </a:pPr>
-            <a:r>
-              <a:rPr lang="de-DE" dirty="0"/>
-              <a:t>Wenn Marketing erfolgreich: exponentieller Anstieg und baldiger Break-Even, (Ausgaben gedeckt)</a:t>
-            </a:r>
-            <a:endParaRPr dirty="0"/>
-          </a:p>
-        </p:txBody>
-      </p:sp>
-    </p:spTree>
-    <p:extLst>
-      <p:ext uri="{BB962C8B-B14F-4D97-AF65-F5344CB8AC3E}">
-        <p14:creationId xmlns:p14="http://schemas.microsoft.com/office/powerpoint/2010/main" val="2443007553"/>
       </p:ext>
     </p:extLst>
   </p:cSld>
@@ -2371,6 +2125,480 @@
 </file>
 
 <file path=ppt/notesSlides/notesSlide20.xml><?xml version="1.0" encoding="utf-8"?>
+<p:notes xmlns:a="http://schemas.openxmlformats.org/drawingml/2006/main" xmlns:r="http://schemas.openxmlformats.org/officeDocument/2006/relationships" xmlns:p="http://schemas.openxmlformats.org/presentationml/2006/main" showMasterSp="0" showMasterPhAnim="0">
+  <p:cSld>
+    <p:spTree>
+      <p:nvGrpSpPr>
+        <p:cNvPr id="1" name="Shape 192"/>
+        <p:cNvGrpSpPr/>
+        <p:nvPr/>
+      </p:nvGrpSpPr>
+      <p:grpSpPr>
+        <a:xfrm>
+          <a:off x="0" y="0"/>
+          <a:ext cx="0" cy="0"/>
+          <a:chOff x="0" y="0"/>
+          <a:chExt cx="0" cy="0"/>
+        </a:xfrm>
+      </p:grpSpPr>
+      <p:sp>
+        <p:nvSpPr>
+          <p:cNvPr id="193" name="Google Shape;193;gee095909b_29_0:notes"/>
+          <p:cNvSpPr>
+            <a:spLocks noGrp="1" noRot="1" noChangeAspect="1"/>
+          </p:cNvSpPr>
+          <p:nvPr>
+            <p:ph type="sldImg" idx="2"/>
+          </p:nvPr>
+        </p:nvSpPr>
+        <p:spPr>
+          <a:xfrm>
+            <a:off x="381000" y="685800"/>
+            <a:ext cx="6096000" cy="3429000"/>
+          </a:xfrm>
+          <a:custGeom>
+            <a:avLst/>
+            <a:gdLst/>
+            <a:ahLst/>
+            <a:cxnLst/>
+            <a:rect l="l" t="t" r="r" b="b"/>
+            <a:pathLst>
+              <a:path w="120000" h="120000" extrusionOk="0">
+                <a:moveTo>
+                  <a:pt x="0" y="0"/>
+                </a:moveTo>
+                <a:lnTo>
+                  <a:pt x="120000" y="0"/>
+                </a:lnTo>
+                <a:lnTo>
+                  <a:pt x="120000" y="120000"/>
+                </a:lnTo>
+                <a:lnTo>
+                  <a:pt x="0" y="120000"/>
+                </a:lnTo>
+                <a:close/>
+              </a:path>
+            </a:pathLst>
+          </a:custGeom>
+        </p:spPr>
+      </p:sp>
+      <p:sp>
+        <p:nvSpPr>
+          <p:cNvPr id="194" name="Google Shape;194;gee095909b_29_0:notes"/>
+          <p:cNvSpPr txBox="1">
+            <a:spLocks noGrp="1"/>
+          </p:cNvSpPr>
+          <p:nvPr>
+            <p:ph type="body" idx="1"/>
+          </p:nvPr>
+        </p:nvSpPr>
+        <p:spPr>
+          <a:xfrm>
+            <a:off x="685800" y="4343400"/>
+            <a:ext cx="5486400" cy="4114800"/>
+          </a:xfrm>
+          <a:prstGeom prst="rect">
+            <a:avLst/>
+          </a:prstGeom>
+        </p:spPr>
+        <p:txBody>
+          <a:bodyPr spcFirstLastPara="1" wrap="square" lIns="91425" tIns="91425" rIns="91425" bIns="91425" anchor="t" anchorCtr="0">
+            <a:noAutofit/>
+          </a:bodyPr>
+          <a:lstStyle/>
+          <a:p>
+            <a:pPr marL="0" lvl="0" indent="0" algn="l" rtl="0">
+              <a:spcBef>
+                <a:spcPts val="0"/>
+              </a:spcBef>
+              <a:spcAft>
+                <a:spcPts val="0"/>
+              </a:spcAft>
+              <a:buNone/>
+            </a:pPr>
+            <a:r>
+              <a:rPr lang="de-DE" dirty="0"/>
+              <a:t>Starke Konkurrenz:</a:t>
+            </a:r>
+          </a:p>
+          <a:p>
+            <a:pPr marL="0" lvl="0" indent="0" algn="l" rtl="0">
+              <a:spcBef>
+                <a:spcPts val="0"/>
+              </a:spcBef>
+              <a:spcAft>
+                <a:spcPts val="0"/>
+              </a:spcAft>
+              <a:buNone/>
+            </a:pPr>
+            <a:r>
+              <a:rPr lang="de-DE" dirty="0"/>
+              <a:t>Der Spielemarkt ist gigantisch! Sehr viele ähnliche Spiele. Dennoch viele erfolgreiche nicht ein ganz großes</a:t>
+            </a:r>
+          </a:p>
+          <a:p>
+            <a:pPr marL="0" lvl="0" indent="0" algn="l" rtl="0">
+              <a:spcBef>
+                <a:spcPts val="0"/>
+              </a:spcBef>
+              <a:spcAft>
+                <a:spcPts val="0"/>
+              </a:spcAft>
+              <a:buNone/>
+            </a:pPr>
+            <a:r>
+              <a:rPr lang="de-DE" dirty="0"/>
+              <a:t>Abwägung: in der Masse untergehen oder Herausstechen durch Charme und einzigartigem Humor</a:t>
+            </a:r>
+          </a:p>
+          <a:p>
+            <a:pPr marL="0" lvl="0" indent="0" algn="l" rtl="0">
+              <a:spcBef>
+                <a:spcPts val="0"/>
+              </a:spcBef>
+              <a:spcAft>
+                <a:spcPts val="0"/>
+              </a:spcAft>
+              <a:buNone/>
+            </a:pPr>
+            <a:endParaRPr lang="de-DE" dirty="0"/>
+          </a:p>
+          <a:p>
+            <a:pPr marL="0" lvl="0" indent="0" algn="l" rtl="0">
+              <a:spcBef>
+                <a:spcPts val="0"/>
+              </a:spcBef>
+              <a:spcAft>
+                <a:spcPts val="0"/>
+              </a:spcAft>
+              <a:buNone/>
+            </a:pPr>
+            <a:r>
+              <a:rPr lang="de-DE" dirty="0"/>
+              <a:t>Kritik:</a:t>
+            </a:r>
+          </a:p>
+          <a:p>
+            <a:pPr marL="0" lvl="0" indent="0" algn="l" rtl="0">
+              <a:spcBef>
+                <a:spcPts val="0"/>
+              </a:spcBef>
+              <a:spcAft>
+                <a:spcPts val="0"/>
+              </a:spcAft>
+              <a:buNone/>
+            </a:pPr>
+            <a:r>
+              <a:rPr lang="de-DE" dirty="0"/>
+              <a:t>Frage: ähnlicher Sucht- und Depressionsfaktor wie Flappy Bird? </a:t>
+            </a:r>
+          </a:p>
+          <a:p>
+            <a:pPr marL="0" lvl="0" indent="0" algn="l" rtl="0">
+              <a:spcBef>
+                <a:spcPts val="0"/>
+              </a:spcBef>
+              <a:spcAft>
+                <a:spcPts val="0"/>
+              </a:spcAft>
+              <a:buNone/>
+            </a:pPr>
+            <a:r>
+              <a:rPr lang="de-DE" dirty="0"/>
+              <a:t>Besonders beim Testen aufpassen, dass es gut </a:t>
+            </a:r>
+            <a:r>
+              <a:rPr lang="de-DE" dirty="0" err="1"/>
+              <a:t>gebalanced</a:t>
+            </a:r>
+            <a:r>
+              <a:rPr lang="de-DE" dirty="0"/>
+              <a:t> wird zwischen Spielspaß und Schwierigkeit</a:t>
+            </a:r>
+          </a:p>
+          <a:p>
+            <a:pPr marL="0" lvl="0" indent="0" algn="l" rtl="0">
+              <a:spcBef>
+                <a:spcPts val="0"/>
+              </a:spcBef>
+              <a:spcAft>
+                <a:spcPts val="0"/>
+              </a:spcAft>
+              <a:buNone/>
+            </a:pPr>
+            <a:endParaRPr lang="de-DE" dirty="0"/>
+          </a:p>
+          <a:p>
+            <a:pPr marL="0" lvl="0" indent="0" algn="l" rtl="0">
+              <a:spcBef>
+                <a:spcPts val="0"/>
+              </a:spcBef>
+              <a:spcAft>
+                <a:spcPts val="0"/>
+              </a:spcAft>
+              <a:buNone/>
+            </a:pPr>
+            <a:r>
+              <a:rPr lang="de-DE" dirty="0"/>
+              <a:t>Low Budget:</a:t>
+            </a:r>
+          </a:p>
+          <a:p>
+            <a:pPr marL="0" lvl="0" indent="0" algn="l" rtl="0">
+              <a:spcBef>
+                <a:spcPts val="0"/>
+              </a:spcBef>
+              <a:spcAft>
+                <a:spcPts val="0"/>
+              </a:spcAft>
+              <a:buNone/>
+            </a:pPr>
+            <a:r>
+              <a:rPr lang="de-DE" dirty="0"/>
+              <a:t>Wenig Geld und wenige Personen</a:t>
+            </a:r>
+          </a:p>
+          <a:p>
+            <a:pPr marL="0" lvl="0" indent="0" algn="l" rtl="0">
+              <a:spcBef>
+                <a:spcPts val="0"/>
+              </a:spcBef>
+              <a:spcAft>
+                <a:spcPts val="0"/>
+              </a:spcAft>
+              <a:buNone/>
+            </a:pPr>
+            <a:r>
+              <a:rPr lang="de-DE" dirty="0"/>
+              <a:t>Deswegen wird das Hauptmerk auf das Spielgefühl gesetzt nicht auf unzählige Features (welche Zeit- und </a:t>
+            </a:r>
+            <a:r>
+              <a:rPr lang="de-DE" dirty="0" err="1"/>
+              <a:t>Resourcenintensiv</a:t>
+            </a:r>
+            <a:r>
+              <a:rPr lang="de-DE" dirty="0"/>
+              <a:t> sind, </a:t>
+            </a:r>
+            <a:r>
+              <a:rPr lang="de-DE" dirty="0" err="1"/>
+              <a:t>zB</a:t>
+            </a:r>
+            <a:r>
+              <a:rPr lang="de-DE" dirty="0"/>
+              <a:t> Art)</a:t>
+            </a:r>
+            <a:endParaRPr dirty="0"/>
+          </a:p>
+        </p:txBody>
+      </p:sp>
+    </p:spTree>
+    <p:extLst>
+      <p:ext uri="{BB962C8B-B14F-4D97-AF65-F5344CB8AC3E}">
+        <p14:creationId xmlns:p14="http://schemas.microsoft.com/office/powerpoint/2010/main" val="2623426053"/>
+      </p:ext>
+    </p:extLst>
+  </p:cSld>
+  <p:clrMapOvr>
+    <a:masterClrMapping/>
+  </p:clrMapOvr>
+</p:notes>
+</file>
+
+<file path=ppt/notesSlides/notesSlide21.xml><?xml version="1.0" encoding="utf-8"?>
+<p:notes xmlns:a="http://schemas.openxmlformats.org/drawingml/2006/main" xmlns:r="http://schemas.openxmlformats.org/officeDocument/2006/relationships" xmlns:p="http://schemas.openxmlformats.org/presentationml/2006/main" showMasterSp="0" showMasterPhAnim="0">
+  <p:cSld>
+    <p:spTree>
+      <p:nvGrpSpPr>
+        <p:cNvPr id="1" name="Shape 167"/>
+        <p:cNvGrpSpPr/>
+        <p:nvPr/>
+      </p:nvGrpSpPr>
+      <p:grpSpPr>
+        <a:xfrm>
+          <a:off x="0" y="0"/>
+          <a:ext cx="0" cy="0"/>
+          <a:chOff x="0" y="0"/>
+          <a:chExt cx="0" cy="0"/>
+        </a:xfrm>
+      </p:grpSpPr>
+      <p:sp>
+        <p:nvSpPr>
+          <p:cNvPr id="168" name="Google Shape;168;g35f391192_057:notes"/>
+          <p:cNvSpPr>
+            <a:spLocks noGrp="1" noRot="1" noChangeAspect="1"/>
+          </p:cNvSpPr>
+          <p:nvPr>
+            <p:ph type="sldImg" idx="2"/>
+          </p:nvPr>
+        </p:nvSpPr>
+        <p:spPr>
+          <a:xfrm>
+            <a:off x="381000" y="685800"/>
+            <a:ext cx="6096000" cy="3429000"/>
+          </a:xfrm>
+          <a:custGeom>
+            <a:avLst/>
+            <a:gdLst/>
+            <a:ahLst/>
+            <a:cxnLst/>
+            <a:rect l="l" t="t" r="r" b="b"/>
+            <a:pathLst>
+              <a:path w="120000" h="120000" extrusionOk="0">
+                <a:moveTo>
+                  <a:pt x="0" y="0"/>
+                </a:moveTo>
+                <a:lnTo>
+                  <a:pt x="120000" y="0"/>
+                </a:lnTo>
+                <a:lnTo>
+                  <a:pt x="120000" y="120000"/>
+                </a:lnTo>
+                <a:lnTo>
+                  <a:pt x="0" y="120000"/>
+                </a:lnTo>
+                <a:close/>
+              </a:path>
+            </a:pathLst>
+          </a:custGeom>
+        </p:spPr>
+      </p:sp>
+      <p:sp>
+        <p:nvSpPr>
+          <p:cNvPr id="169" name="Google Shape;169;g35f391192_057:notes"/>
+          <p:cNvSpPr txBox="1">
+            <a:spLocks noGrp="1"/>
+          </p:cNvSpPr>
+          <p:nvPr>
+            <p:ph type="body" idx="1"/>
+          </p:nvPr>
+        </p:nvSpPr>
+        <p:spPr>
+          <a:xfrm>
+            <a:off x="685800" y="4343400"/>
+            <a:ext cx="5486400" cy="4114800"/>
+          </a:xfrm>
+          <a:prstGeom prst="rect">
+            <a:avLst/>
+          </a:prstGeom>
+        </p:spPr>
+        <p:txBody>
+          <a:bodyPr spcFirstLastPara="1" wrap="square" lIns="91425" tIns="91425" rIns="91425" bIns="91425" anchor="t" anchorCtr="0">
+            <a:noAutofit/>
+          </a:bodyPr>
+          <a:lstStyle/>
+          <a:p>
+            <a:pPr marL="0" lvl="0" indent="0" algn="l" rtl="0">
+              <a:spcBef>
+                <a:spcPts val="0"/>
+              </a:spcBef>
+              <a:spcAft>
+                <a:spcPts val="0"/>
+              </a:spcAft>
+              <a:buNone/>
+            </a:pPr>
+            <a:r>
+              <a:rPr lang="de-DE" dirty="0"/>
+              <a:t>Wie gerade erwähnt: Geld nicht in Features investieren, sondern in Spielgefühl</a:t>
+            </a:r>
+          </a:p>
+          <a:p>
+            <a:pPr marL="0" lvl="0" indent="0" algn="l" rtl="0">
+              <a:spcBef>
+                <a:spcPts val="0"/>
+              </a:spcBef>
+              <a:spcAft>
+                <a:spcPts val="0"/>
+              </a:spcAft>
+              <a:buNone/>
+            </a:pPr>
+            <a:r>
+              <a:rPr lang="de-DE" dirty="0"/>
+              <a:t>-&gt; niedrige </a:t>
+            </a:r>
+            <a:r>
+              <a:rPr lang="de-DE" dirty="0" err="1"/>
+              <a:t>Resourcenkosten</a:t>
+            </a:r>
+            <a:endParaRPr lang="de-DE" dirty="0"/>
+          </a:p>
+          <a:p>
+            <a:pPr marL="0" lvl="0" indent="0" algn="l" rtl="0">
+              <a:spcBef>
+                <a:spcPts val="0"/>
+              </a:spcBef>
+              <a:spcAft>
+                <a:spcPts val="0"/>
+              </a:spcAft>
+              <a:buNone/>
+            </a:pPr>
+            <a:r>
+              <a:rPr lang="de-DE" dirty="0"/>
+              <a:t>Kleines Team kostet natürlich weniger als ein großes</a:t>
+            </a:r>
+          </a:p>
+          <a:p>
+            <a:pPr marL="0" lvl="0" indent="0" algn="l" rtl="0">
+              <a:spcBef>
+                <a:spcPts val="0"/>
+              </a:spcBef>
+              <a:spcAft>
+                <a:spcPts val="0"/>
+              </a:spcAft>
+              <a:buNone/>
+            </a:pPr>
+            <a:r>
+              <a:rPr lang="de-DE" dirty="0"/>
+              <a:t>Kosten steigen langsam an während der Phasen 1-4 und am Ende wird das meiste Geld in Marketing gesteckt (rasanter Anstieg)</a:t>
+            </a:r>
+          </a:p>
+          <a:p>
+            <a:pPr marL="0" lvl="0" indent="0" algn="l" rtl="0">
+              <a:spcBef>
+                <a:spcPts val="0"/>
+              </a:spcBef>
+              <a:spcAft>
+                <a:spcPts val="0"/>
+              </a:spcAft>
+              <a:buNone/>
+            </a:pPr>
+            <a:r>
+              <a:rPr lang="de-DE" dirty="0"/>
+              <a:t>Einkommen natürlich erst nach Release</a:t>
+            </a:r>
+          </a:p>
+          <a:p>
+            <a:pPr marL="0" lvl="0" indent="0" algn="l" rtl="0">
+              <a:spcBef>
+                <a:spcPts val="0"/>
+              </a:spcBef>
+              <a:spcAft>
+                <a:spcPts val="0"/>
+              </a:spcAft>
+              <a:buNone/>
+            </a:pPr>
+            <a:r>
+              <a:rPr lang="de-DE" dirty="0"/>
+              <a:t>Wenn Marketing erfolgreich: exponentieller Anstieg und baldiger Break-Even, (Ausgaben gedeckt)</a:t>
+            </a:r>
+            <a:endParaRPr dirty="0"/>
+          </a:p>
+        </p:txBody>
+      </p:sp>
+    </p:spTree>
+    <p:extLst>
+      <p:ext uri="{BB962C8B-B14F-4D97-AF65-F5344CB8AC3E}">
+        <p14:creationId xmlns:p14="http://schemas.microsoft.com/office/powerpoint/2010/main" val="2443007553"/>
+      </p:ext>
+    </p:extLst>
+  </p:cSld>
+  <p:clrMapOvr>
+    <a:masterClrMapping/>
+  </p:clrMapOvr>
+</p:notes>
+</file>
+
+<file path=ppt/notesSlides/notesSlide22.xml><?xml version="1.0" encoding="utf-8"?>
 <p:notes xmlns:a="http://schemas.openxmlformats.org/drawingml/2006/main" xmlns:r="http://schemas.openxmlformats.org/officeDocument/2006/relationships" xmlns:p="http://schemas.openxmlformats.org/presentationml/2006/main">
   <p:cSld>
     <p:spTree>
@@ -2510,7 +2738,7 @@
 </p:notes>
 </file>
 
-<file path=ppt/notesSlides/notesSlide21.xml><?xml version="1.0" encoding="utf-8"?>
+<file path=ppt/notesSlides/notesSlide23.xml><?xml version="1.0" encoding="utf-8"?>
 <p:notes xmlns:a="http://schemas.openxmlformats.org/drawingml/2006/main" xmlns:r="http://schemas.openxmlformats.org/officeDocument/2006/relationships" xmlns:p="http://schemas.openxmlformats.org/presentationml/2006/main" showMasterSp="0" showMasterPhAnim="0">
   <p:cSld>
     <p:spTree>
@@ -2680,7 +2908,7 @@
 </p:notes>
 </file>
 
-<file path=ppt/notesSlides/notesSlide22.xml><?xml version="1.0" encoding="utf-8"?>
+<file path=ppt/notesSlides/notesSlide24.xml><?xml version="1.0" encoding="utf-8"?>
 <p:notes xmlns:a="http://schemas.openxmlformats.org/drawingml/2006/main" xmlns:r="http://schemas.openxmlformats.org/officeDocument/2006/relationships" xmlns:p="http://schemas.openxmlformats.org/presentationml/2006/main" showMasterSp="0" showMasterPhAnim="0">
   <p:cSld>
     <p:spTree>
@@ -2772,6 +3000,10 @@
               </a:spcAft>
               <a:buNone/>
             </a:pPr>
+            <a:r>
+              <a:rPr lang="de-DE"/>
+              <a:t>Demo (1-2 minutes)</a:t>
+            </a:r>
             <a:endParaRPr/>
           </a:p>
         </p:txBody>
@@ -2789,7 +3021,7 @@
 </p:notes>
 </file>
 
-<file path=ppt/notesSlides/notesSlide23.xml><?xml version="1.0" encoding="utf-8"?>
+<file path=ppt/notesSlides/notesSlide25.xml><?xml version="1.0" encoding="utf-8"?>
 <p:notes xmlns:a="http://schemas.openxmlformats.org/drawingml/2006/main" xmlns:r="http://schemas.openxmlformats.org/officeDocument/2006/relationships" xmlns:p="http://schemas.openxmlformats.org/presentationml/2006/main" showMasterSp="0" showMasterPhAnim="0">
   <p:cSld>
     <p:spTree>
@@ -2898,7 +3130,7 @@
 </p:notes>
 </file>
 
-<file path=ppt/notesSlides/notesSlide24.xml><?xml version="1.0" encoding="utf-8"?>
+<file path=ppt/notesSlides/notesSlide26.xml><?xml version="1.0" encoding="utf-8"?>
 <p:notes xmlns:a="http://schemas.openxmlformats.org/drawingml/2006/main" xmlns:r="http://schemas.openxmlformats.org/officeDocument/2006/relationships" xmlns:p="http://schemas.openxmlformats.org/presentationml/2006/main" showMasterSp="0" showMasterPhAnim="0">
   <p:cSld>
     <p:spTree>
@@ -3488,7 +3720,7 @@
   <p:cSld>
     <p:spTree>
       <p:nvGrpSpPr>
-        <p:cNvPr id="1" name="Shape 340"/>
+        <p:cNvPr id="1" name="Shape 120"/>
         <p:cNvGrpSpPr/>
         <p:nvPr/>
       </p:nvGrpSpPr>
@@ -3502,7 +3734,7 @@
       </p:grpSpPr>
       <p:sp>
         <p:nvSpPr>
-          <p:cNvPr id="341" name="Google Shape;341;g35ed75ccf_099:notes"/>
+          <p:cNvPr id="121" name="Google Shape;121;g35f391192_09:notes"/>
           <p:cNvSpPr>
             <a:spLocks noGrp="1" noRot="1" noChangeAspect="1"/>
           </p:cNvSpPr>
@@ -3543,7 +3775,7 @@
       </p:sp>
       <p:sp>
         <p:nvSpPr>
-          <p:cNvPr id="342" name="Google Shape;342;g35ed75ccf_099:notes"/>
+          <p:cNvPr id="122" name="Google Shape;122;g35f391192_09:notes"/>
           <p:cNvSpPr txBox="1">
             <a:spLocks noGrp="1"/>
           </p:cNvSpPr>
@@ -3566,23 +3798,59 @@
           </a:bodyPr>
           <a:lstStyle/>
           <a:p>
-            <a:pPr marL="0" lvl="0" indent="0" algn="l" rtl="0">
-              <a:spcBef>
-                <a:spcPts val="0"/>
-              </a:spcBef>
-              <a:spcAft>
-                <a:spcPts val="0"/>
-              </a:spcAft>
-              <a:buNone/>
-            </a:pPr>
-            <a:endParaRPr dirty="0"/>
+            <a:pPr marL="0" marR="0" lvl="0" indent="0" algn="l" defTabSz="914400" rtl="0" eaLnBrk="1" fontAlgn="auto" latinLnBrk="0" hangingPunct="1">
+              <a:lnSpc>
+                <a:spcPct val="100000"/>
+              </a:lnSpc>
+              <a:spcBef>
+                <a:spcPts val="0"/>
+              </a:spcBef>
+              <a:spcAft>
+                <a:spcPts val="0"/>
+              </a:spcAft>
+              <a:buClr>
+                <a:srgbClr val="000000"/>
+              </a:buClr>
+              <a:buSzPts val="1400"/>
+              <a:buFont typeface="Arial"/>
+              <a:buNone/>
+              <a:tabLst/>
+              <a:defRPr/>
+            </a:pPr>
+            <a:r>
+              <a:rPr lang="de-DE" dirty="0"/>
+              <a:t>Story Outline: „</a:t>
+            </a:r>
+            <a:r>
+              <a:rPr lang="de-DE" sz="1100" b="0" i="0" u="none" strike="noStrike" cap="none" dirty="0">
+                <a:solidFill>
+                  <a:srgbClr val="000000"/>
+                </a:solidFill>
+                <a:effectLst/>
+                <a:latin typeface="Arial"/>
+                <a:ea typeface="Arial"/>
+                <a:cs typeface="Arial"/>
+                <a:sym typeface="Arial"/>
+              </a:rPr>
+              <a:t>Eine kleine Giraffe namens Giranimo erfreut sich am kühlem Wasser in einer lauen Sommernacht. Als sie in den klaren Himmel aufblickt und die funkelnden Sterne sieht, fragt sie sich, wie wohl die Sterne und der Mond schmecken würden. Aus Neugier streckt sie ihren Hals und verzehrt dabei einen Apfel der an einem Baum hängt. Überraschenderweise wächst ihr Hals mit einem Schub in die Höhe. Ob es denn möglich ist, dass Giranimo bis zu den Sternen wächst? „</a:t>
+            </a:r>
+            <a:endParaRPr lang="en-US" sz="1100" b="0" i="0" u="none" strike="noStrike" cap="none" dirty="0">
+              <a:solidFill>
+                <a:srgbClr val="000000"/>
+              </a:solidFill>
+              <a:effectLst/>
+              <a:latin typeface="Arial"/>
+              <a:ea typeface="Arial"/>
+              <a:cs typeface="Arial"/>
+              <a:sym typeface="Arial"/>
+            </a:endParaRPr>
           </a:p>
         </p:txBody>
       </p:sp>
     </p:spTree>
     <p:extLst>
       <p:ext uri="{BB962C8B-B14F-4D97-AF65-F5344CB8AC3E}">
-        <p14:creationId xmlns:p14="http://schemas.microsoft.com/office/powerpoint/2010/main" val="3845218066"/>
+        <p14:creationId xmlns:p14="http://schemas.microsoft.com/office/powerpoint/2010/main" val="750075697"/>
       </p:ext>
     </p:extLst>
   </p:cSld>
@@ -3597,7 +3865,7 @@
   <p:cSld>
     <p:spTree>
       <p:nvGrpSpPr>
-        <p:cNvPr id="1" name="Shape 150"/>
+        <p:cNvPr id="1" name="Shape 120"/>
         <p:cNvGrpSpPr/>
         <p:nvPr/>
       </p:nvGrpSpPr>
@@ -3611,7 +3879,7 @@
       </p:grpSpPr>
       <p:sp>
         <p:nvSpPr>
-          <p:cNvPr id="151" name="Google Shape;151;g35f391192_017:notes"/>
+          <p:cNvPr id="121" name="Google Shape;121;g35f391192_09:notes"/>
           <p:cNvSpPr>
             <a:spLocks noGrp="1" noRot="1" noChangeAspect="1"/>
           </p:cNvSpPr>
@@ -3652,7 +3920,7 @@
       </p:sp>
       <p:sp>
         <p:nvSpPr>
-          <p:cNvPr id="152" name="Google Shape;152;g35f391192_017:notes"/>
+          <p:cNvPr id="122" name="Google Shape;122;g35f391192_09:notes"/>
           <p:cNvSpPr txBox="1">
             <a:spLocks noGrp="1"/>
           </p:cNvSpPr>
@@ -3675,23 +3943,59 @@
           </a:bodyPr>
           <a:lstStyle/>
           <a:p>
-            <a:pPr marL="0" lvl="0" indent="0" algn="l" rtl="0">
-              <a:spcBef>
-                <a:spcPts val="0"/>
-              </a:spcBef>
-              <a:spcAft>
-                <a:spcPts val="0"/>
-              </a:spcAft>
-              <a:buNone/>
-            </a:pPr>
-            <a:endParaRPr/>
+            <a:pPr marL="0" marR="0" lvl="0" indent="0" algn="l" defTabSz="914400" rtl="0" eaLnBrk="1" fontAlgn="auto" latinLnBrk="0" hangingPunct="1">
+              <a:lnSpc>
+                <a:spcPct val="100000"/>
+              </a:lnSpc>
+              <a:spcBef>
+                <a:spcPts val="0"/>
+              </a:spcBef>
+              <a:spcAft>
+                <a:spcPts val="0"/>
+              </a:spcAft>
+              <a:buClr>
+                <a:srgbClr val="000000"/>
+              </a:buClr>
+              <a:buSzPts val="1400"/>
+              <a:buFont typeface="Arial"/>
+              <a:buNone/>
+              <a:tabLst/>
+              <a:defRPr/>
+            </a:pPr>
+            <a:r>
+              <a:rPr lang="de-DE" dirty="0"/>
+              <a:t>Story Outline: „</a:t>
+            </a:r>
+            <a:r>
+              <a:rPr lang="de-DE" sz="1100" b="0" i="0" u="none" strike="noStrike" cap="none" dirty="0">
+                <a:solidFill>
+                  <a:srgbClr val="000000"/>
+                </a:solidFill>
+                <a:effectLst/>
+                <a:latin typeface="Arial"/>
+                <a:ea typeface="Arial"/>
+                <a:cs typeface="Arial"/>
+                <a:sym typeface="Arial"/>
+              </a:rPr>
+              <a:t>Eine kleine Giraffe namens Giranimo erfreut sich am kühlem Wasser in einer lauen Sommernacht. Als sie in den klaren Himmel aufblickt und die funkelnden Sterne sieht, fragt sie sich, wie wohl die Sterne und der Mond schmecken würden. Aus Neugier streckt sie ihren Hals und verzehrt dabei einen Apfel der an einem Baum hängt. Überraschenderweise wächst ihr Hals mit einem Schub in die Höhe. Ob es denn möglich ist, dass Giranimo bis zu den Sternen wächst? „</a:t>
+            </a:r>
+            <a:endParaRPr lang="en-US" sz="1100" b="0" i="0" u="none" strike="noStrike" cap="none" dirty="0">
+              <a:solidFill>
+                <a:srgbClr val="000000"/>
+              </a:solidFill>
+              <a:effectLst/>
+              <a:latin typeface="Arial"/>
+              <a:ea typeface="Arial"/>
+              <a:cs typeface="Arial"/>
+              <a:sym typeface="Arial"/>
+            </a:endParaRPr>
           </a:p>
         </p:txBody>
       </p:sp>
     </p:spTree>
     <p:extLst>
       <p:ext uri="{BB962C8B-B14F-4D97-AF65-F5344CB8AC3E}">
-        <p14:creationId xmlns:p14="http://schemas.microsoft.com/office/powerpoint/2010/main" val="1515008297"/>
+        <p14:creationId xmlns:p14="http://schemas.microsoft.com/office/powerpoint/2010/main" val="1273450783"/>
       </p:ext>
     </p:extLst>
   </p:cSld>
@@ -3706,7 +4010,7 @@
   <p:cSld>
     <p:spTree>
       <p:nvGrpSpPr>
-        <p:cNvPr id="1" name="Shape 113"/>
+        <p:cNvPr id="1" name="Shape 340"/>
         <p:cNvGrpSpPr/>
         <p:nvPr/>
       </p:nvGrpSpPr>
@@ -3720,7 +4024,7 @@
       </p:grpSpPr>
       <p:sp>
         <p:nvSpPr>
-          <p:cNvPr id="114" name="Google Shape;114;g35f391192_029:notes"/>
+          <p:cNvPr id="341" name="Google Shape;341;g35ed75ccf_099:notes"/>
           <p:cNvSpPr>
             <a:spLocks noGrp="1" noRot="1" noChangeAspect="1"/>
           </p:cNvSpPr>
@@ -3761,7 +4065,7 @@
       </p:sp>
       <p:sp>
         <p:nvSpPr>
-          <p:cNvPr id="115" name="Google Shape;115;g35f391192_029:notes"/>
+          <p:cNvPr id="342" name="Google Shape;342;g35ed75ccf_099:notes"/>
           <p:cNvSpPr txBox="1">
             <a:spLocks noGrp="1"/>
           </p:cNvSpPr>
@@ -3793,14 +4097,14 @@
               </a:spcAft>
               <a:buNone/>
             </a:pPr>
-            <a:endParaRPr/>
+            <a:endParaRPr dirty="0"/>
           </a:p>
         </p:txBody>
       </p:sp>
     </p:spTree>
     <p:extLst>
       <p:ext uri="{BB962C8B-B14F-4D97-AF65-F5344CB8AC3E}">
-        <p14:creationId xmlns:p14="http://schemas.microsoft.com/office/powerpoint/2010/main" val="972823677"/>
+        <p14:creationId xmlns:p14="http://schemas.microsoft.com/office/powerpoint/2010/main" val="3845218066"/>
       </p:ext>
     </p:extLst>
   </p:cSld>
@@ -4271,7 +4575,7 @@
             </a:pPr>
             <a:fld id="{00000000-1234-1234-1234-123412341234}" type="slidenum">
               <a:rPr lang="en"/>
-              <a:t>‹Nr.›</a:t>
+              <a:t>‹#›</a:t>
             </a:fld>
             <a:endParaRPr/>
           </a:p>
@@ -4464,7 +4768,7 @@
             </a:pPr>
             <a:fld id="{00000000-1234-1234-1234-123412341234}" type="slidenum">
               <a:rPr lang="en"/>
-              <a:t>‹Nr.›</a:t>
+              <a:t>‹#›</a:t>
             </a:fld>
             <a:endParaRPr/>
           </a:p>
@@ -4576,7 +4880,7 @@
             </a:pPr>
             <a:fld id="{00000000-1234-1234-1234-123412341234}" type="slidenum">
               <a:rPr lang="en"/>
-              <a:t>‹Nr.›</a:t>
+              <a:t>‹#›</a:t>
             </a:fld>
             <a:endParaRPr/>
           </a:p>
@@ -5032,7 +5336,7 @@
             </a:pPr>
             <a:fld id="{00000000-1234-1234-1234-123412341234}" type="slidenum">
               <a:rPr lang="en"/>
-              <a:t>‹Nr.›</a:t>
+              <a:t>‹#›</a:t>
             </a:fld>
             <a:endParaRPr/>
           </a:p>
@@ -5496,7 +5800,7 @@
             </a:pPr>
             <a:fld id="{00000000-1234-1234-1234-123412341234}" type="slidenum">
               <a:rPr lang="en"/>
-              <a:t>‹Nr.›</a:t>
+              <a:t>‹#›</a:t>
             </a:fld>
             <a:endParaRPr/>
           </a:p>
@@ -5867,7 +6171,7 @@
             </a:pPr>
             <a:fld id="{00000000-1234-1234-1234-123412341234}" type="slidenum">
               <a:rPr lang="en"/>
-              <a:t>‹Nr.›</a:t>
+              <a:t>‹#›</a:t>
             </a:fld>
             <a:endParaRPr/>
           </a:p>
@@ -6246,7 +6550,7 @@
             </a:pPr>
             <a:fld id="{00000000-1234-1234-1234-123412341234}" type="slidenum">
               <a:rPr lang="en"/>
-              <a:t>‹Nr.›</a:t>
+              <a:t>‹#›</a:t>
             </a:fld>
             <a:endParaRPr/>
           </a:p>
@@ -6648,7 +6952,7 @@
             </a:pPr>
             <a:fld id="{00000000-1234-1234-1234-123412341234}" type="slidenum">
               <a:rPr lang="en"/>
-              <a:t>‹Nr.›</a:t>
+              <a:t>‹#›</a:t>
             </a:fld>
             <a:endParaRPr/>
           </a:p>
@@ -7233,7 +7537,7 @@
             </a:pPr>
             <a:fld id="{00000000-1234-1234-1234-123412341234}" type="slidenum">
               <a:rPr lang="en"/>
-              <a:t>‹Nr.›</a:t>
+              <a:t>‹#›</a:t>
             </a:fld>
             <a:endParaRPr/>
           </a:p>
@@ -7506,7 +7810,7 @@
             </a:pPr>
             <a:fld id="{00000000-1234-1234-1234-123412341234}" type="slidenum">
               <a:rPr lang="en"/>
-              <a:t>‹Nr.›</a:t>
+              <a:t>‹#›</a:t>
             </a:fld>
             <a:endParaRPr/>
           </a:p>
@@ -7610,7 +7914,7 @@
             </a:pPr>
             <a:fld id="{00000000-1234-1234-1234-123412341234}" type="slidenum">
               <a:rPr lang="en"/>
-              <a:t>‹Nr.›</a:t>
+              <a:t>‹#›</a:t>
             </a:fld>
             <a:endParaRPr/>
           </a:p>
@@ -8280,7 +8584,7 @@
             </a:pPr>
             <a:fld id="{00000000-1234-1234-1234-123412341234}" type="slidenum">
               <a:rPr lang="en"/>
-              <a:t>‹Nr.›</a:t>
+              <a:t>‹#›</a:t>
             </a:fld>
             <a:endParaRPr/>
           </a:p>
@@ -9154,13 +9458,103 @@
         </p:blipFill>
         <p:spPr>
           <a:xfrm>
-            <a:off x="5089711" y="2672603"/>
-            <a:ext cx="1930400" cy="1930400"/>
+            <a:off x="5323628" y="3219282"/>
+            <a:ext cx="1436756" cy="1436756"/>
           </a:xfrm>
           <a:prstGeom prst="rect">
             <a:avLst/>
           </a:prstGeom>
           <a:noFill/>
+        </p:spPr>
+      </p:pic>
+      <p:pic>
+        <p:nvPicPr>
+          <p:cNvPr id="8" name="Picture 7" descr="A picture containing drawing&#10;&#10;Description automatically generated">
+            <a:extLst>
+              <a:ext uri="{FF2B5EF4-FFF2-40B4-BE49-F238E27FC236}">
+                <a16:creationId xmlns:a16="http://schemas.microsoft.com/office/drawing/2014/main" id="{839654D1-5836-4EBD-834A-5D348110762C}"/>
+              </a:ext>
+            </a:extLst>
+          </p:cNvPr>
+          <p:cNvPicPr>
+            <a:picLocks noChangeAspect="1"/>
+          </p:cNvPicPr>
+          <p:nvPr/>
+        </p:nvPicPr>
+        <p:blipFill>
+          <a:blip r:embed="rId5"/>
+          <a:stretch>
+            <a:fillRect/>
+          </a:stretch>
+        </p:blipFill>
+        <p:spPr>
+          <a:xfrm>
+            <a:off x="4979521" y="427894"/>
+            <a:ext cx="2873514" cy="1436757"/>
+          </a:xfrm>
+          <a:prstGeom prst="rect">
+            <a:avLst/>
+          </a:prstGeom>
+        </p:spPr>
+      </p:pic>
+      <p:pic>
+        <p:nvPicPr>
+          <p:cNvPr id="10" name="Picture 9" descr="A picture containing drawing&#10;&#10;Description automatically generated">
+            <a:extLst>
+              <a:ext uri="{FF2B5EF4-FFF2-40B4-BE49-F238E27FC236}">
+                <a16:creationId xmlns:a16="http://schemas.microsoft.com/office/drawing/2014/main" id="{AAA20AC1-14DB-4574-9BB9-56ED063BE21E}"/>
+              </a:ext>
+            </a:extLst>
+          </p:cNvPr>
+          <p:cNvPicPr>
+            <a:picLocks noChangeAspect="1"/>
+          </p:cNvPicPr>
+          <p:nvPr/>
+        </p:nvPicPr>
+        <p:blipFill>
+          <a:blip r:embed="rId6"/>
+          <a:stretch>
+            <a:fillRect/>
+          </a:stretch>
+        </p:blipFill>
+        <p:spPr>
+          <a:xfrm>
+            <a:off x="6933031" y="2125150"/>
+            <a:ext cx="5555149" cy="2777575"/>
+          </a:xfrm>
+          <a:prstGeom prst="rect">
+            <a:avLst/>
+          </a:prstGeom>
+        </p:spPr>
+      </p:pic>
+      <p:pic>
+        <p:nvPicPr>
+          <p:cNvPr id="12" name="Picture 11" descr="A picture containing drawing&#10;&#10;Description automatically generated">
+            <a:extLst>
+              <a:ext uri="{FF2B5EF4-FFF2-40B4-BE49-F238E27FC236}">
+                <a16:creationId xmlns:a16="http://schemas.microsoft.com/office/drawing/2014/main" id="{58DBDE1C-469B-4BA2-B9F0-DA5FCAEB7231}"/>
+              </a:ext>
+            </a:extLst>
+          </p:cNvPr>
+          <p:cNvPicPr>
+            <a:picLocks noChangeAspect="1"/>
+          </p:cNvPicPr>
+          <p:nvPr/>
+        </p:nvPicPr>
+        <p:blipFill>
+          <a:blip r:embed="rId6"/>
+          <a:stretch>
+            <a:fillRect/>
+          </a:stretch>
+        </p:blipFill>
+        <p:spPr>
+          <a:xfrm>
+            <a:off x="-1346382" y="1008464"/>
+            <a:ext cx="2873514" cy="1436757"/>
+          </a:xfrm>
+          <a:prstGeom prst="rect">
+            <a:avLst/>
+          </a:prstGeom>
         </p:spPr>
       </p:pic>
     </p:spTree>
@@ -9172,6 +9566,635 @@
 </file>
 
 <file path=ppt/slides/slide10.xml><?xml version="1.0" encoding="utf-8"?>
+<p:sld xmlns:a="http://schemas.openxmlformats.org/drawingml/2006/main" xmlns:r="http://schemas.openxmlformats.org/officeDocument/2006/relationships" xmlns:p="http://schemas.openxmlformats.org/presentationml/2006/main">
+  <p:cSld>
+    <p:spTree>
+      <p:nvGrpSpPr>
+        <p:cNvPr id="1" name="Shape 153"/>
+        <p:cNvGrpSpPr/>
+        <p:nvPr/>
+      </p:nvGrpSpPr>
+      <p:grpSpPr>
+        <a:xfrm>
+          <a:off x="0" y="0"/>
+          <a:ext cx="0" cy="0"/>
+          <a:chOff x="0" y="0"/>
+          <a:chExt cx="0" cy="0"/>
+        </a:xfrm>
+      </p:grpSpPr>
+      <p:sp>
+        <p:nvSpPr>
+          <p:cNvPr id="154" name="Google Shape;154;p26"/>
+          <p:cNvSpPr txBox="1">
+            <a:spLocks noGrp="1"/>
+          </p:cNvSpPr>
+          <p:nvPr>
+            <p:ph type="body" idx="1"/>
+          </p:nvPr>
+        </p:nvSpPr>
+        <p:spPr>
+          <a:xfrm>
+            <a:off x="457200" y="1563656"/>
+            <a:ext cx="3548743" cy="3148010"/>
+          </a:xfrm>
+          <a:prstGeom prst="rect">
+            <a:avLst/>
+          </a:prstGeom>
+        </p:spPr>
+        <p:txBody>
+          <a:bodyPr spcFirstLastPara="1" wrap="square" lIns="91425" tIns="91425" rIns="91425" bIns="91425" anchor="t" anchorCtr="0">
+            <a:noAutofit/>
+          </a:bodyPr>
+          <a:lstStyle/>
+          <a:p>
+            <a:pPr marL="0" lvl="0" indent="0" algn="l" rtl="0">
+              <a:spcBef>
+                <a:spcPts val="600"/>
+              </a:spcBef>
+              <a:spcAft>
+                <a:spcPts val="0"/>
+              </a:spcAft>
+              <a:buNone/>
+            </a:pPr>
+            <a:r>
+              <a:rPr lang="de-DE" b="1" dirty="0"/>
+              <a:t>Food</a:t>
+            </a:r>
+            <a:endParaRPr b="1" dirty="0"/>
+          </a:p>
+          <a:p>
+            <a:pPr marL="0" lvl="0" indent="0" algn="l" rtl="0">
+              <a:spcBef>
+                <a:spcPts val="600"/>
+              </a:spcBef>
+              <a:spcAft>
+                <a:spcPts val="0"/>
+              </a:spcAft>
+              <a:buNone/>
+            </a:pPr>
+            <a:r>
+              <a:rPr lang="en-US" dirty="0"/>
+              <a:t>Objects, you eat to grow higher</a:t>
+            </a:r>
+            <a:endParaRPr dirty="0"/>
+          </a:p>
+        </p:txBody>
+      </p:sp>
+      <p:sp>
+        <p:nvSpPr>
+          <p:cNvPr id="155" name="Google Shape;155;p26"/>
+          <p:cNvSpPr txBox="1">
+            <a:spLocks noGrp="1"/>
+          </p:cNvSpPr>
+          <p:nvPr>
+            <p:ph type="title"/>
+          </p:nvPr>
+        </p:nvSpPr>
+        <p:spPr>
+          <a:xfrm>
+            <a:off x="457200" y="447620"/>
+            <a:ext cx="8229600" cy="1071900"/>
+          </a:xfrm>
+          <a:prstGeom prst="rect">
+            <a:avLst/>
+          </a:prstGeom>
+        </p:spPr>
+        <p:txBody>
+          <a:bodyPr spcFirstLastPara="1" wrap="square" lIns="91425" tIns="91425" rIns="91425" bIns="91425" anchor="b" anchorCtr="0">
+            <a:noAutofit/>
+          </a:bodyPr>
+          <a:lstStyle/>
+          <a:p>
+            <a:pPr marL="0" lvl="0" indent="0" algn="l" rtl="0">
+              <a:spcBef>
+                <a:spcPts val="0"/>
+              </a:spcBef>
+              <a:spcAft>
+                <a:spcPts val="0"/>
+              </a:spcAft>
+              <a:buNone/>
+            </a:pPr>
+            <a:r>
+              <a:rPr lang="de-DE" dirty="0"/>
+              <a:t>Game Elements</a:t>
+            </a:r>
+            <a:endParaRPr dirty="0"/>
+          </a:p>
+        </p:txBody>
+      </p:sp>
+      <p:sp>
+        <p:nvSpPr>
+          <p:cNvPr id="156" name="Google Shape;156;p26"/>
+          <p:cNvSpPr txBox="1">
+            <a:spLocks noGrp="1"/>
+          </p:cNvSpPr>
+          <p:nvPr>
+            <p:ph type="body" idx="2"/>
+          </p:nvPr>
+        </p:nvSpPr>
+        <p:spPr>
+          <a:xfrm>
+            <a:off x="5041230" y="1537774"/>
+            <a:ext cx="3600000" cy="3148010"/>
+          </a:xfrm>
+          <a:prstGeom prst="rect">
+            <a:avLst/>
+          </a:prstGeom>
+        </p:spPr>
+        <p:txBody>
+          <a:bodyPr spcFirstLastPara="1" wrap="square" lIns="91425" tIns="91425" rIns="91425" bIns="91425" anchor="t" anchorCtr="0">
+            <a:noAutofit/>
+          </a:bodyPr>
+          <a:lstStyle/>
+          <a:p>
+            <a:pPr marL="0" lvl="0" indent="0" algn="l" rtl="0">
+              <a:spcBef>
+                <a:spcPts val="600"/>
+              </a:spcBef>
+              <a:spcAft>
+                <a:spcPts val="0"/>
+              </a:spcAft>
+              <a:buNone/>
+            </a:pPr>
+            <a:r>
+              <a:rPr lang="de-DE" b="1" dirty="0"/>
+              <a:t>Obstacle</a:t>
+            </a:r>
+          </a:p>
+          <a:p>
+            <a:pPr marL="0" lvl="0" indent="0" algn="l" rtl="0">
+              <a:spcBef>
+                <a:spcPts val="600"/>
+              </a:spcBef>
+              <a:spcAft>
+                <a:spcPts val="0"/>
+              </a:spcAft>
+              <a:buNone/>
+            </a:pPr>
+            <a:r>
+              <a:rPr lang="de-DE" dirty="0"/>
+              <a:t>Don‘t touch them!</a:t>
+            </a:r>
+            <a:endParaRPr dirty="0"/>
+          </a:p>
+        </p:txBody>
+      </p:sp>
+      <p:sp>
+        <p:nvSpPr>
+          <p:cNvPr id="157" name="Google Shape;157;p26"/>
+          <p:cNvSpPr txBox="1">
+            <a:spLocks noGrp="1"/>
+          </p:cNvSpPr>
+          <p:nvPr>
+            <p:ph type="sldNum" idx="12"/>
+          </p:nvPr>
+        </p:nvSpPr>
+        <p:spPr>
+          <a:xfrm>
+            <a:off x="8556775" y="4777350"/>
+            <a:ext cx="548700" cy="290100"/>
+          </a:xfrm>
+          <a:prstGeom prst="rect">
+            <a:avLst/>
+          </a:prstGeom>
+        </p:spPr>
+        <p:txBody>
+          <a:bodyPr spcFirstLastPara="1" wrap="square" lIns="91425" tIns="91425" rIns="91425" bIns="91425" anchor="t" anchorCtr="0">
+            <a:noAutofit/>
+          </a:bodyPr>
+          <a:lstStyle/>
+          <a:p>
+            <a:pPr marL="0" lvl="0" indent="0" algn="r" rtl="0">
+              <a:spcBef>
+                <a:spcPts val="0"/>
+              </a:spcBef>
+              <a:spcAft>
+                <a:spcPts val="0"/>
+              </a:spcAft>
+              <a:buNone/>
+            </a:pPr>
+            <a:fld id="{00000000-1234-1234-1234-123412341234}" type="slidenum">
+              <a:rPr lang="en"/>
+              <a:t>10</a:t>
+            </a:fld>
+            <a:endParaRPr/>
+          </a:p>
+        </p:txBody>
+      </p:sp>
+      <p:pic>
+        <p:nvPicPr>
+          <p:cNvPr id="3" name="Picture 2">
+            <a:extLst>
+              <a:ext uri="{FF2B5EF4-FFF2-40B4-BE49-F238E27FC236}">
+                <a16:creationId xmlns:a16="http://schemas.microsoft.com/office/drawing/2014/main" id="{F28C5D6E-B1DF-47FF-9671-834AA6B49042}"/>
+              </a:ext>
+            </a:extLst>
+          </p:cNvPr>
+          <p:cNvPicPr>
+            <a:picLocks noChangeAspect="1"/>
+          </p:cNvPicPr>
+          <p:nvPr/>
+        </p:nvPicPr>
+        <p:blipFill>
+          <a:blip r:embed="rId3"/>
+          <a:stretch>
+            <a:fillRect/>
+          </a:stretch>
+        </p:blipFill>
+        <p:spPr>
+          <a:xfrm>
+            <a:off x="1162831" y="2898918"/>
+            <a:ext cx="576036" cy="576036"/>
+          </a:xfrm>
+          <a:prstGeom prst="rect">
+            <a:avLst/>
+          </a:prstGeom>
+        </p:spPr>
+      </p:pic>
+      <p:pic>
+        <p:nvPicPr>
+          <p:cNvPr id="5" name="Picture 4">
+            <a:extLst>
+              <a:ext uri="{FF2B5EF4-FFF2-40B4-BE49-F238E27FC236}">
+                <a16:creationId xmlns:a16="http://schemas.microsoft.com/office/drawing/2014/main" id="{11083B48-8F93-40EE-86A4-135F40574185}"/>
+              </a:ext>
+            </a:extLst>
+          </p:cNvPr>
+          <p:cNvPicPr>
+            <a:picLocks noChangeAspect="1"/>
+          </p:cNvPicPr>
+          <p:nvPr/>
+        </p:nvPicPr>
+        <p:blipFill>
+          <a:blip r:embed="rId4"/>
+          <a:stretch>
+            <a:fillRect/>
+          </a:stretch>
+        </p:blipFill>
+        <p:spPr>
+          <a:xfrm>
+            <a:off x="2374866" y="2870392"/>
+            <a:ext cx="622069" cy="622069"/>
+          </a:xfrm>
+          <a:prstGeom prst="rect">
+            <a:avLst/>
+          </a:prstGeom>
+        </p:spPr>
+      </p:pic>
+      <p:pic>
+        <p:nvPicPr>
+          <p:cNvPr id="7" name="Picture 6">
+            <a:extLst>
+              <a:ext uri="{FF2B5EF4-FFF2-40B4-BE49-F238E27FC236}">
+                <a16:creationId xmlns:a16="http://schemas.microsoft.com/office/drawing/2014/main" id="{CE2194A2-DF0C-4910-A126-9A2B4FBFEF55}"/>
+              </a:ext>
+            </a:extLst>
+          </p:cNvPr>
+          <p:cNvPicPr>
+            <a:picLocks noChangeAspect="1"/>
+          </p:cNvPicPr>
+          <p:nvPr/>
+        </p:nvPicPr>
+        <p:blipFill>
+          <a:blip r:embed="rId5"/>
+          <a:stretch>
+            <a:fillRect/>
+          </a:stretch>
+        </p:blipFill>
+        <p:spPr>
+          <a:xfrm>
+            <a:off x="2374866" y="3577335"/>
+            <a:ext cx="854867" cy="854867"/>
+          </a:xfrm>
+          <a:prstGeom prst="rect">
+            <a:avLst/>
+          </a:prstGeom>
+        </p:spPr>
+      </p:pic>
+      <p:pic>
+        <p:nvPicPr>
+          <p:cNvPr id="9" name="Picture 8">
+            <a:extLst>
+              <a:ext uri="{FF2B5EF4-FFF2-40B4-BE49-F238E27FC236}">
+                <a16:creationId xmlns:a16="http://schemas.microsoft.com/office/drawing/2014/main" id="{44C29E3F-97C5-4BD0-A00A-CCBF907018DE}"/>
+              </a:ext>
+            </a:extLst>
+          </p:cNvPr>
+          <p:cNvPicPr>
+            <a:picLocks noChangeAspect="1"/>
+          </p:cNvPicPr>
+          <p:nvPr/>
+        </p:nvPicPr>
+        <p:blipFill>
+          <a:blip r:embed="rId6"/>
+          <a:stretch>
+            <a:fillRect/>
+          </a:stretch>
+        </p:blipFill>
+        <p:spPr>
+          <a:xfrm>
+            <a:off x="5332127" y="3401754"/>
+            <a:ext cx="676275" cy="676275"/>
+          </a:xfrm>
+          <a:prstGeom prst="rect">
+            <a:avLst/>
+          </a:prstGeom>
+        </p:spPr>
+      </p:pic>
+      <p:pic>
+        <p:nvPicPr>
+          <p:cNvPr id="11" name="Picture 10">
+            <a:extLst>
+              <a:ext uri="{FF2B5EF4-FFF2-40B4-BE49-F238E27FC236}">
+                <a16:creationId xmlns:a16="http://schemas.microsoft.com/office/drawing/2014/main" id="{F67F3F1F-2CF8-4C62-9735-79E511506B6A}"/>
+              </a:ext>
+            </a:extLst>
+          </p:cNvPr>
+          <p:cNvPicPr>
+            <a:picLocks noChangeAspect="1"/>
+          </p:cNvPicPr>
+          <p:nvPr/>
+        </p:nvPicPr>
+        <p:blipFill>
+          <a:blip r:embed="rId7"/>
+          <a:stretch>
+            <a:fillRect/>
+          </a:stretch>
+        </p:blipFill>
+        <p:spPr>
+          <a:xfrm>
+            <a:off x="1267662" y="3849428"/>
+            <a:ext cx="457200" cy="457200"/>
+          </a:xfrm>
+          <a:prstGeom prst="rect">
+            <a:avLst/>
+          </a:prstGeom>
+        </p:spPr>
+      </p:pic>
+      <p:pic>
+        <p:nvPicPr>
+          <p:cNvPr id="17" name="Picture 16" descr="A picture containing clock, drawing, light&#10;&#10;Description automatically generated">
+            <a:extLst>
+              <a:ext uri="{FF2B5EF4-FFF2-40B4-BE49-F238E27FC236}">
+                <a16:creationId xmlns:a16="http://schemas.microsoft.com/office/drawing/2014/main" id="{C179C799-E414-4201-BD95-486109139635}"/>
+              </a:ext>
+            </a:extLst>
+          </p:cNvPr>
+          <p:cNvPicPr>
+            <a:picLocks noChangeAspect="1"/>
+          </p:cNvPicPr>
+          <p:nvPr/>
+        </p:nvPicPr>
+        <p:blipFill>
+          <a:blip r:embed="rId8"/>
+          <a:stretch>
+            <a:fillRect/>
+          </a:stretch>
+        </p:blipFill>
+        <p:spPr>
+          <a:xfrm>
+            <a:off x="6299298" y="2794000"/>
+            <a:ext cx="1891784" cy="1891784"/>
+          </a:xfrm>
+          <a:prstGeom prst="rect">
+            <a:avLst/>
+          </a:prstGeom>
+        </p:spPr>
+      </p:pic>
+      <p:sp>
+        <p:nvSpPr>
+          <p:cNvPr id="2" name="TextBox 1">
+            <a:extLst>
+              <a:ext uri="{FF2B5EF4-FFF2-40B4-BE49-F238E27FC236}">
+                <a16:creationId xmlns:a16="http://schemas.microsoft.com/office/drawing/2014/main" id="{87769E43-17A8-4F23-BEDE-8FB9CB39E9D7}"/>
+              </a:ext>
+            </a:extLst>
+          </p:cNvPr>
+          <p:cNvSpPr txBox="1"/>
+          <p:nvPr/>
+        </p:nvSpPr>
+        <p:spPr>
+          <a:xfrm>
+            <a:off x="652150" y="4557777"/>
+            <a:ext cx="1887851" cy="307777"/>
+          </a:xfrm>
+          <a:prstGeom prst="rect">
+            <a:avLst/>
+          </a:prstGeom>
+          <a:noFill/>
+        </p:spPr>
+        <p:txBody>
+          <a:bodyPr wrap="square" rtlCol="0">
+            <a:spAutoFit/>
+          </a:bodyPr>
+          <a:lstStyle/>
+          <a:p>
+            <a:r>
+              <a:rPr lang="de-DE" dirty="0">
+                <a:solidFill>
+                  <a:schemeClr val="bg1"/>
+                </a:solidFill>
+                <a:latin typeface="Montserrat" panose="020B0604020202020204" charset="0"/>
+              </a:rPr>
+              <a:t>And a lot more...</a:t>
+            </a:r>
+            <a:endParaRPr lang="en-US" dirty="0">
+              <a:solidFill>
+                <a:schemeClr val="bg1"/>
+              </a:solidFill>
+              <a:latin typeface="Montserrat" panose="020B0604020202020204" charset="0"/>
+            </a:endParaRPr>
+          </a:p>
+        </p:txBody>
+      </p:sp>
+    </p:spTree>
+    <p:extLst>
+      <p:ext uri="{BB962C8B-B14F-4D97-AF65-F5344CB8AC3E}">
+        <p14:creationId xmlns:p14="http://schemas.microsoft.com/office/powerpoint/2010/main" val="1286844413"/>
+      </p:ext>
+    </p:extLst>
+  </p:cSld>
+  <p:clrMapOvr>
+    <a:masterClrMapping/>
+  </p:clrMapOvr>
+  <p:transition>
+    <p:fade thruBlk="1"/>
+  </p:transition>
+</p:sld>
+</file>
+
+<file path=ppt/slides/slide11.xml><?xml version="1.0" encoding="utf-8"?>
+<p:sld xmlns:a="http://schemas.openxmlformats.org/drawingml/2006/main" xmlns:r="http://schemas.openxmlformats.org/officeDocument/2006/relationships" xmlns:p="http://schemas.openxmlformats.org/presentationml/2006/main" show="0">
+  <p:cSld>
+    <p:spTree>
+      <p:nvGrpSpPr>
+        <p:cNvPr id="1" name="Shape 116"/>
+        <p:cNvGrpSpPr/>
+        <p:nvPr/>
+      </p:nvGrpSpPr>
+      <p:grpSpPr>
+        <a:xfrm>
+          <a:off x="0" y="0"/>
+          <a:ext cx="0" cy="0"/>
+          <a:chOff x="0" y="0"/>
+          <a:chExt cx="0" cy="0"/>
+        </a:xfrm>
+      </p:grpSpPr>
+      <p:sp>
+        <p:nvSpPr>
+          <p:cNvPr id="117" name="Google Shape;117;p22"/>
+          <p:cNvSpPr txBox="1">
+            <a:spLocks noGrp="1"/>
+          </p:cNvSpPr>
+          <p:nvPr>
+            <p:ph type="ctrTitle"/>
+          </p:nvPr>
+        </p:nvSpPr>
+        <p:spPr>
+          <a:xfrm>
+            <a:off x="634075" y="1735744"/>
+            <a:ext cx="6318268" cy="1159800"/>
+          </a:xfrm>
+          <a:prstGeom prst="rect">
+            <a:avLst/>
+          </a:prstGeom>
+        </p:spPr>
+        <p:txBody>
+          <a:bodyPr spcFirstLastPara="1" wrap="square" lIns="91425" tIns="91425" rIns="91425" bIns="91425" anchor="b" anchorCtr="0">
+            <a:noAutofit/>
+          </a:bodyPr>
+          <a:lstStyle/>
+          <a:p>
+            <a:pPr marL="0" lvl="0" indent="0" algn="l" rtl="0">
+              <a:spcBef>
+                <a:spcPts val="0"/>
+              </a:spcBef>
+              <a:spcAft>
+                <a:spcPts val="0"/>
+              </a:spcAft>
+              <a:buNone/>
+            </a:pPr>
+            <a:r>
+              <a:rPr lang="de-DE" dirty="0">
+                <a:solidFill>
+                  <a:srgbClr val="FFC800"/>
+                </a:solidFill>
+              </a:rPr>
+              <a:t>2.</a:t>
+            </a:r>
+            <a:endParaRPr dirty="0">
+              <a:solidFill>
+                <a:srgbClr val="FFC800"/>
+              </a:solidFill>
+            </a:endParaRPr>
+          </a:p>
+          <a:p>
+            <a:pPr marL="0" lvl="0" indent="0" algn="l" rtl="0">
+              <a:spcBef>
+                <a:spcPts val="0"/>
+              </a:spcBef>
+              <a:spcAft>
+                <a:spcPts val="0"/>
+              </a:spcAft>
+              <a:buNone/>
+            </a:pPr>
+            <a:r>
+              <a:rPr lang="en-US" dirty="0"/>
+              <a:t>Market Research</a:t>
+            </a:r>
+            <a:endParaRPr dirty="0"/>
+          </a:p>
+        </p:txBody>
+      </p:sp>
+      <p:sp>
+        <p:nvSpPr>
+          <p:cNvPr id="119" name="Google Shape;119;p22"/>
+          <p:cNvSpPr txBox="1">
+            <a:spLocks noGrp="1"/>
+          </p:cNvSpPr>
+          <p:nvPr>
+            <p:ph type="sldNum" idx="12"/>
+          </p:nvPr>
+        </p:nvSpPr>
+        <p:spPr>
+          <a:xfrm>
+            <a:off x="8556775" y="4777350"/>
+            <a:ext cx="548700" cy="290100"/>
+          </a:xfrm>
+          <a:prstGeom prst="rect">
+            <a:avLst/>
+          </a:prstGeom>
+        </p:spPr>
+        <p:txBody>
+          <a:bodyPr spcFirstLastPara="1" wrap="square" lIns="91425" tIns="91425" rIns="91425" bIns="91425" anchor="t" anchorCtr="0">
+            <a:noAutofit/>
+          </a:bodyPr>
+          <a:lstStyle/>
+          <a:p>
+            <a:pPr marL="0" lvl="0" indent="0" algn="r" rtl="0">
+              <a:spcBef>
+                <a:spcPts val="0"/>
+              </a:spcBef>
+              <a:spcAft>
+                <a:spcPts val="0"/>
+              </a:spcAft>
+              <a:buNone/>
+            </a:pPr>
+            <a:fld id="{00000000-1234-1234-1234-123412341234}" type="slidenum">
+              <a:rPr lang="en"/>
+              <a:t>11</a:t>
+            </a:fld>
+            <a:endParaRPr/>
+          </a:p>
+        </p:txBody>
+      </p:sp>
+      <p:pic>
+        <p:nvPicPr>
+          <p:cNvPr id="3" name="Picture 2" descr="A picture containing room, drawing&#10;&#10;Description automatically generated">
+            <a:extLst>
+              <a:ext uri="{FF2B5EF4-FFF2-40B4-BE49-F238E27FC236}">
+                <a16:creationId xmlns:a16="http://schemas.microsoft.com/office/drawing/2014/main" id="{E4C8D581-BF75-41FD-8378-7AFE1256FB1D}"/>
+              </a:ext>
+            </a:extLst>
+          </p:cNvPr>
+          <p:cNvPicPr>
+            <a:picLocks noChangeAspect="1"/>
+          </p:cNvPicPr>
+          <p:nvPr/>
+        </p:nvPicPr>
+        <p:blipFill>
+          <a:blip r:embed="rId3"/>
+          <a:stretch>
+            <a:fillRect/>
+          </a:stretch>
+        </p:blipFill>
+        <p:spPr>
+          <a:xfrm>
+            <a:off x="634075" y="3558150"/>
+            <a:ext cx="1219200" cy="1219200"/>
+          </a:xfrm>
+          <a:prstGeom prst="rect">
+            <a:avLst/>
+          </a:prstGeom>
+        </p:spPr>
+      </p:pic>
+    </p:spTree>
+    <p:extLst>
+      <p:ext uri="{BB962C8B-B14F-4D97-AF65-F5344CB8AC3E}">
+        <p14:creationId xmlns:p14="http://schemas.microsoft.com/office/powerpoint/2010/main" val="1195357429"/>
+      </p:ext>
+    </p:extLst>
+  </p:cSld>
+  <p:clrMapOvr>
+    <a:masterClrMapping/>
+  </p:clrMapOvr>
+  <p:transition>
+    <p:fade thruBlk="1"/>
+  </p:transition>
+</p:sld>
+</file>
+
+<file path=ppt/slides/slide12.xml><?xml version="1.0" encoding="utf-8"?>
 <p:sld xmlns:a="http://schemas.openxmlformats.org/drawingml/2006/main" xmlns:r="http://schemas.openxmlformats.org/officeDocument/2006/relationships" xmlns:p="http://schemas.openxmlformats.org/presentationml/2006/main">
   <p:cSld>
     <p:spTree>
@@ -9362,7 +10385,7 @@
             </a:pPr>
             <a:fld id="{00000000-1234-1234-1234-123412341234}" type="slidenum">
               <a:rPr lang="en"/>
-              <a:t>10</a:t>
+              <a:t>12</a:t>
             </a:fld>
             <a:endParaRPr/>
           </a:p>
@@ -9424,7 +10447,7 @@
 </p:sld>
 </file>
 
-<file path=ppt/slides/slide11.xml><?xml version="1.0" encoding="utf-8"?>
+<file path=ppt/slides/slide13.xml><?xml version="1.0" encoding="utf-8"?>
 <p:sld xmlns:a="http://schemas.openxmlformats.org/drawingml/2006/main" xmlns:r="http://schemas.openxmlformats.org/officeDocument/2006/relationships" xmlns:p="http://schemas.openxmlformats.org/presentationml/2006/main">
   <p:cSld>
     <p:spTree>
@@ -9594,7 +10617,7 @@
             </a:pPr>
             <a:fld id="{00000000-1234-1234-1234-123412341234}" type="slidenum">
               <a:rPr lang="en"/>
-              <a:t>11</a:t>
+              <a:t>13</a:t>
             </a:fld>
             <a:endParaRPr/>
           </a:p>
@@ -9719,7 +10742,7 @@
 </p:sld>
 </file>
 
-<file path=ppt/slides/slide12.xml><?xml version="1.0" encoding="utf-8"?>
+<file path=ppt/slides/slide14.xml><?xml version="1.0" encoding="utf-8"?>
 <p:sld xmlns:a="http://schemas.openxmlformats.org/drawingml/2006/main" xmlns:r="http://schemas.openxmlformats.org/officeDocument/2006/relationships" xmlns:p="http://schemas.openxmlformats.org/presentationml/2006/main">
   <p:cSld>
     <p:spTree>
@@ -9998,7 +11021,7 @@
             </a:pPr>
             <a:fld id="{00000000-1234-1234-1234-123412341234}" type="slidenum">
               <a:rPr lang="en"/>
-              <a:t>12</a:t>
+              <a:t>14</a:t>
             </a:fld>
             <a:endParaRPr/>
           </a:p>
@@ -10199,7 +11222,7 @@
 </p:sld>
 </file>
 
-<file path=ppt/slides/slide13.xml><?xml version="1.0" encoding="utf-8"?>
+<file path=ppt/slides/slide15.xml><?xml version="1.0" encoding="utf-8"?>
 <p:sld xmlns:a="http://schemas.openxmlformats.org/drawingml/2006/main" xmlns:r="http://schemas.openxmlformats.org/officeDocument/2006/relationships" xmlns:p="http://schemas.openxmlformats.org/presentationml/2006/main">
   <p:cSld>
     <p:spTree>
@@ -10394,7 +11417,7 @@
             </a:pPr>
             <a:fld id="{00000000-1234-1234-1234-123412341234}" type="slidenum">
               <a:rPr lang="en"/>
-              <a:t>13</a:t>
+              <a:t>15</a:t>
             </a:fld>
             <a:endParaRPr/>
           </a:p>
@@ -10455,7 +11478,7 @@
 </p:sld>
 </file>
 
-<file path=ppt/slides/slide14.xml><?xml version="1.0" encoding="utf-8"?>
+<file path=ppt/slides/slide16.xml><?xml version="1.0" encoding="utf-8"?>
 <p:sld xmlns:a="http://schemas.openxmlformats.org/drawingml/2006/main" xmlns:r="http://schemas.openxmlformats.org/officeDocument/2006/relationships" xmlns:p="http://schemas.openxmlformats.org/presentationml/2006/main">
   <p:cSld>
     <p:spTree>
@@ -10504,7 +11527,7 @@
             </a:pPr>
             <a:fld id="{00000000-1234-1234-1234-123412341234}" type="slidenum">
               <a:rPr lang="en" smtClean="0"/>
-              <a:t>14</a:t>
+              <a:t>16</a:t>
             </a:fld>
             <a:endParaRPr lang="en"/>
           </a:p>
@@ -10570,7 +11593,7 @@
 </p:sld>
 </file>
 
-<file path=ppt/slides/slide15.xml><?xml version="1.0" encoding="utf-8"?>
+<file path=ppt/slides/slide17.xml><?xml version="1.0" encoding="utf-8"?>
 <p:sld xmlns:a="http://schemas.openxmlformats.org/drawingml/2006/main" xmlns:r="http://schemas.openxmlformats.org/officeDocument/2006/relationships" xmlns:p="http://schemas.openxmlformats.org/presentationml/2006/main">
   <p:cSld>
     <p:spTree>
@@ -10755,7 +11778,7 @@
             </a:pPr>
             <a:fld id="{00000000-1234-1234-1234-123412341234}" type="slidenum">
               <a:rPr lang="en"/>
-              <a:t>15</a:t>
+              <a:t>17</a:t>
             </a:fld>
             <a:endParaRPr/>
           </a:p>
@@ -11261,7 +12284,7 @@
 </p:sld>
 </file>
 
-<file path=ppt/slides/slide16.xml><?xml version="1.0" encoding="utf-8"?>
+<file path=ppt/slides/slide18.xml><?xml version="1.0" encoding="utf-8"?>
 <p:sld xmlns:a="http://schemas.openxmlformats.org/drawingml/2006/main" xmlns:r="http://schemas.openxmlformats.org/officeDocument/2006/relationships" xmlns:p="http://schemas.openxmlformats.org/presentationml/2006/main" show="0">
   <p:cSld>
     <p:spTree>
@@ -11380,7 +12403,7 @@
             </a:pPr>
             <a:fld id="{00000000-1234-1234-1234-123412341234}" type="slidenum">
               <a:rPr lang="en"/>
-              <a:t>16</a:t>
+              <a:t>18</a:t>
             </a:fld>
             <a:endParaRPr/>
           </a:p>
@@ -11432,7 +12455,7 @@
 </p:sld>
 </file>
 
-<file path=ppt/slides/slide17.xml><?xml version="1.0" encoding="utf-8"?>
+<file path=ppt/slides/slide19.xml><?xml version="1.0" encoding="utf-8"?>
 <p:sld xmlns:a="http://schemas.openxmlformats.org/drawingml/2006/main" xmlns:r="http://schemas.openxmlformats.org/officeDocument/2006/relationships" xmlns:p="http://schemas.openxmlformats.org/presentationml/2006/main">
   <p:cSld>
     <p:spTree>
@@ -11821,7 +12844,7 @@
             </a:pPr>
             <a:fld id="{00000000-1234-1234-1234-123412341234}" type="slidenum">
               <a:rPr lang="en"/>
-              <a:t>17</a:t>
+              <a:t>19</a:t>
             </a:fld>
             <a:endParaRPr/>
           </a:p>
@@ -12230,1026 +13253,6 @@
     <p:extLst>
       <p:ext uri="{BB962C8B-B14F-4D97-AF65-F5344CB8AC3E}">
         <p14:creationId xmlns:p14="http://schemas.microsoft.com/office/powerpoint/2010/main" val="2853201220"/>
-      </p:ext>
-    </p:extLst>
-  </p:cSld>
-  <p:clrMapOvr>
-    <a:masterClrMapping/>
-  </p:clrMapOvr>
-  <p:transition>
-    <p:fade thruBlk="1"/>
-  </p:transition>
-</p:sld>
-</file>
-
-<file path=ppt/slides/slide18.xml><?xml version="1.0" encoding="utf-8"?>
-<p:sld xmlns:a="http://schemas.openxmlformats.org/drawingml/2006/main" xmlns:r="http://schemas.openxmlformats.org/officeDocument/2006/relationships" xmlns:p="http://schemas.openxmlformats.org/presentationml/2006/main">
-  <p:cSld>
-    <p:spTree>
-      <p:nvGrpSpPr>
-        <p:cNvPr id="1" name="Shape 195"/>
-        <p:cNvGrpSpPr/>
-        <p:nvPr/>
-      </p:nvGrpSpPr>
-      <p:grpSpPr>
-        <a:xfrm>
-          <a:off x="0" y="0"/>
-          <a:ext cx="0" cy="0"/>
-          <a:chOff x="0" y="0"/>
-          <a:chExt cx="0" cy="0"/>
-        </a:xfrm>
-      </p:grpSpPr>
-      <p:sp>
-        <p:nvSpPr>
-          <p:cNvPr id="196" name="Google Shape;196;p31"/>
-          <p:cNvSpPr txBox="1">
-            <a:spLocks noGrp="1"/>
-          </p:cNvSpPr>
-          <p:nvPr>
-            <p:ph type="title" idx="4294967295"/>
-          </p:nvPr>
-        </p:nvSpPr>
-        <p:spPr>
-          <a:xfrm>
-            <a:off x="381000" y="219025"/>
-            <a:ext cx="8094000" cy="573000"/>
-          </a:xfrm>
-          <a:prstGeom prst="rect">
-            <a:avLst/>
-          </a:prstGeom>
-        </p:spPr>
-        <p:txBody>
-          <a:bodyPr spcFirstLastPara="1" wrap="square" lIns="91425" tIns="91425" rIns="91425" bIns="91425" anchor="t" anchorCtr="0">
-            <a:noAutofit/>
-          </a:bodyPr>
-          <a:lstStyle/>
-          <a:p>
-            <a:pPr marL="0" lvl="0" indent="0" algn="l" rtl="0">
-              <a:spcBef>
-                <a:spcPts val="0"/>
-              </a:spcBef>
-              <a:spcAft>
-                <a:spcPts val="0"/>
-              </a:spcAft>
-              <a:buNone/>
-            </a:pPr>
-            <a:r>
-              <a:rPr lang="de-DE" sz="3000" dirty="0"/>
-              <a:t>Risk Analysis</a:t>
-            </a:r>
-            <a:endParaRPr sz="3000" dirty="0"/>
-          </a:p>
-        </p:txBody>
-      </p:sp>
-      <p:sp>
-        <p:nvSpPr>
-          <p:cNvPr id="197" name="Google Shape;197;p31"/>
-          <p:cNvSpPr/>
-          <p:nvPr/>
-        </p:nvSpPr>
-        <p:spPr>
-          <a:xfrm>
-            <a:off x="0" y="2152200"/>
-            <a:ext cx="9144000" cy="2991300"/>
-          </a:xfrm>
-          <a:prstGeom prst="rect">
-            <a:avLst/>
-          </a:prstGeom>
-          <a:solidFill>
-            <a:schemeClr val="accent2"/>
-          </a:solidFill>
-          <a:ln>
-            <a:noFill/>
-          </a:ln>
-        </p:spPr>
-        <p:txBody>
-          <a:bodyPr spcFirstLastPara="1" wrap="square" lIns="91425" tIns="45700" rIns="91425" bIns="45700" anchor="ctr" anchorCtr="0">
-            <a:noAutofit/>
-          </a:bodyPr>
-          <a:lstStyle/>
-          <a:p>
-            <a:pPr marL="0" marR="0" lvl="0" indent="0" algn="ctr" rtl="0">
-              <a:spcBef>
-                <a:spcPts val="0"/>
-              </a:spcBef>
-              <a:spcAft>
-                <a:spcPts val="0"/>
-              </a:spcAft>
-              <a:buNone/>
-            </a:pPr>
-            <a:endParaRPr sz="1800">
-              <a:solidFill>
-                <a:srgbClr val="FFFFFF"/>
-              </a:solidFill>
-              <a:latin typeface="Calibri"/>
-              <a:ea typeface="Calibri"/>
-              <a:cs typeface="Calibri"/>
-              <a:sym typeface="Calibri"/>
-            </a:endParaRPr>
-          </a:p>
-        </p:txBody>
-      </p:sp>
-      <p:sp>
-        <p:nvSpPr>
-          <p:cNvPr id="227" name="Google Shape;227;p31"/>
-          <p:cNvSpPr/>
-          <p:nvPr/>
-        </p:nvSpPr>
-        <p:spPr>
-          <a:xfrm>
-            <a:off x="376198" y="2961073"/>
-            <a:ext cx="2440214" cy="1330800"/>
-          </a:xfrm>
-          <a:prstGeom prst="rect">
-            <a:avLst/>
-          </a:prstGeom>
-          <a:noFill/>
-          <a:ln>
-            <a:noFill/>
-          </a:ln>
-        </p:spPr>
-        <p:txBody>
-          <a:bodyPr spcFirstLastPara="1" wrap="square" lIns="91425" tIns="45700" rIns="91425" bIns="45700" anchor="t" anchorCtr="0">
-            <a:noAutofit/>
-          </a:bodyPr>
-          <a:lstStyle/>
-          <a:p>
-            <a:pPr marL="0" marR="0" lvl="0" indent="0" algn="l" rtl="0">
-              <a:spcBef>
-                <a:spcPts val="0"/>
-              </a:spcBef>
-              <a:spcAft>
-                <a:spcPts val="0"/>
-              </a:spcAft>
-              <a:buNone/>
-            </a:pPr>
-            <a:r>
-              <a:rPr lang="de-DE" sz="1400" b="1" dirty="0">
-                <a:solidFill>
-                  <a:srgbClr val="FFC800"/>
-                </a:solidFill>
-                <a:latin typeface="Montserrat"/>
-                <a:ea typeface="Montserrat"/>
-                <a:cs typeface="Montserrat"/>
-                <a:sym typeface="Montserrat"/>
-              </a:rPr>
-              <a:t>Strong Competition</a:t>
-            </a:r>
-            <a:endParaRPr dirty="0">
-              <a:solidFill>
-                <a:srgbClr val="FFC800"/>
-              </a:solidFill>
-              <a:latin typeface="Montserrat"/>
-              <a:ea typeface="Montserrat"/>
-              <a:cs typeface="Montserrat"/>
-              <a:sym typeface="Montserrat"/>
-            </a:endParaRPr>
-          </a:p>
-          <a:p>
-            <a:pPr marL="0" marR="0" lvl="0" indent="0" algn="l" rtl="0">
-              <a:spcBef>
-                <a:spcPts val="0"/>
-              </a:spcBef>
-              <a:spcAft>
-                <a:spcPts val="0"/>
-              </a:spcAft>
-              <a:buNone/>
-            </a:pPr>
-            <a:endParaRPr sz="1000" b="1" dirty="0">
-              <a:solidFill>
-                <a:srgbClr val="FFFFFF"/>
-              </a:solidFill>
-              <a:latin typeface="Open Sans"/>
-              <a:ea typeface="Open Sans"/>
-              <a:cs typeface="Open Sans"/>
-              <a:sym typeface="Open Sans"/>
-            </a:endParaRPr>
-          </a:p>
-          <a:p>
-            <a:pPr marL="0" marR="0" lvl="0" indent="0" algn="l" rtl="0">
-              <a:spcBef>
-                <a:spcPts val="0"/>
-              </a:spcBef>
-              <a:spcAft>
-                <a:spcPts val="0"/>
-              </a:spcAft>
-              <a:buNone/>
-            </a:pPr>
-            <a:r>
-              <a:rPr lang="en-US" sz="1200" dirty="0">
-                <a:solidFill>
-                  <a:srgbClr val="FFFFFF"/>
-                </a:solidFill>
-                <a:latin typeface="Open Sans"/>
-                <a:ea typeface="Open Sans"/>
-                <a:cs typeface="Open Sans"/>
-                <a:sym typeface="Open Sans"/>
-              </a:rPr>
-              <a:t>Mobile Game market is big!</a:t>
-            </a:r>
-          </a:p>
-          <a:p>
-            <a:pPr marL="0" marR="0" lvl="0" indent="0" algn="l" rtl="0">
-              <a:spcBef>
-                <a:spcPts val="0"/>
-              </a:spcBef>
-              <a:spcAft>
-                <a:spcPts val="0"/>
-              </a:spcAft>
-              <a:buNone/>
-            </a:pPr>
-            <a:r>
-              <a:rPr lang="en-US" sz="1200" dirty="0">
-                <a:solidFill>
-                  <a:srgbClr val="FFFFFF"/>
-                </a:solidFill>
-                <a:latin typeface="Open Sans"/>
-                <a:ea typeface="Open Sans"/>
-                <a:cs typeface="Open Sans"/>
-                <a:sym typeface="Open Sans"/>
-              </a:rPr>
-              <a:t>Risk:  Zombieland Game</a:t>
-            </a:r>
-            <a:endParaRPr sz="1200" dirty="0">
-              <a:latin typeface="Open Sans"/>
-              <a:ea typeface="Open Sans"/>
-              <a:cs typeface="Open Sans"/>
-              <a:sym typeface="Open Sans"/>
-            </a:endParaRPr>
-          </a:p>
-        </p:txBody>
-      </p:sp>
-      <p:sp>
-        <p:nvSpPr>
-          <p:cNvPr id="228" name="Google Shape;228;p31"/>
-          <p:cNvSpPr/>
-          <p:nvPr/>
-        </p:nvSpPr>
-        <p:spPr>
-          <a:xfrm>
-            <a:off x="6662702" y="2961073"/>
-            <a:ext cx="2105100" cy="1330800"/>
-          </a:xfrm>
-          <a:prstGeom prst="rect">
-            <a:avLst/>
-          </a:prstGeom>
-          <a:noFill/>
-          <a:ln>
-            <a:noFill/>
-          </a:ln>
-        </p:spPr>
-        <p:txBody>
-          <a:bodyPr spcFirstLastPara="1" wrap="square" lIns="91425" tIns="45700" rIns="91425" bIns="45700" anchor="t" anchorCtr="0">
-            <a:noAutofit/>
-          </a:bodyPr>
-          <a:lstStyle/>
-          <a:p>
-            <a:pPr marL="0" marR="0" lvl="0" indent="0" algn="l" rtl="0">
-              <a:spcBef>
-                <a:spcPts val="0"/>
-              </a:spcBef>
-              <a:spcAft>
-                <a:spcPts val="0"/>
-              </a:spcAft>
-              <a:buNone/>
-            </a:pPr>
-            <a:r>
-              <a:rPr lang="en-US" b="1" dirty="0">
-                <a:solidFill>
-                  <a:srgbClr val="FFC800"/>
-                </a:solidFill>
-                <a:latin typeface="Montserrat"/>
-                <a:ea typeface="Montserrat"/>
-                <a:cs typeface="Montserrat"/>
-                <a:sym typeface="Montserrat"/>
-              </a:rPr>
-              <a:t>Low Budget</a:t>
-            </a:r>
-            <a:endParaRPr lang="en-US" dirty="0">
-              <a:solidFill>
-                <a:srgbClr val="FFC800"/>
-              </a:solidFill>
-              <a:latin typeface="Montserrat"/>
-              <a:ea typeface="Montserrat"/>
-              <a:cs typeface="Montserrat"/>
-              <a:sym typeface="Montserrat"/>
-            </a:endParaRPr>
-          </a:p>
-          <a:p>
-            <a:pPr marL="0" marR="0" lvl="0" indent="0" algn="l" rtl="0">
-              <a:spcBef>
-                <a:spcPts val="0"/>
-              </a:spcBef>
-              <a:spcAft>
-                <a:spcPts val="0"/>
-              </a:spcAft>
-              <a:buNone/>
-            </a:pPr>
-            <a:endParaRPr sz="1000" b="1" dirty="0">
-              <a:solidFill>
-                <a:srgbClr val="FFFFFF"/>
-              </a:solidFill>
-              <a:latin typeface="Open Sans"/>
-              <a:ea typeface="Open Sans"/>
-              <a:cs typeface="Open Sans"/>
-              <a:sym typeface="Open Sans"/>
-            </a:endParaRPr>
-          </a:p>
-          <a:p>
-            <a:pPr marL="0" marR="0" lvl="0" indent="0" algn="l" rtl="0">
-              <a:spcBef>
-                <a:spcPts val="0"/>
-              </a:spcBef>
-              <a:spcAft>
-                <a:spcPts val="0"/>
-              </a:spcAft>
-              <a:buNone/>
-            </a:pPr>
-            <a:r>
-              <a:rPr lang="en-US" sz="1200" dirty="0">
-                <a:solidFill>
-                  <a:srgbClr val="FFFFFF"/>
-                </a:solidFill>
-                <a:latin typeface="Open Sans"/>
-                <a:ea typeface="Open Sans"/>
-                <a:cs typeface="Open Sans"/>
-                <a:sym typeface="Open Sans"/>
-              </a:rPr>
-              <a:t>Limited Resources</a:t>
-            </a:r>
-          </a:p>
-          <a:p>
-            <a:pPr marL="0" marR="0" lvl="0" indent="0" algn="l" rtl="0">
-              <a:spcBef>
-                <a:spcPts val="0"/>
-              </a:spcBef>
-              <a:spcAft>
-                <a:spcPts val="0"/>
-              </a:spcAft>
-              <a:buNone/>
-            </a:pPr>
-            <a:r>
-              <a:rPr lang="en-US" sz="1200" dirty="0">
-                <a:solidFill>
-                  <a:srgbClr val="FFFFFF"/>
-                </a:solidFill>
-                <a:latin typeface="Open Sans"/>
-                <a:ea typeface="Open Sans"/>
-                <a:cs typeface="Open Sans"/>
-                <a:sym typeface="Open Sans"/>
-              </a:rPr>
-              <a:t>Feature vs. Gameplay </a:t>
-            </a:r>
-            <a:endParaRPr sz="1200" dirty="0">
-              <a:latin typeface="Open Sans"/>
-              <a:ea typeface="Open Sans"/>
-              <a:cs typeface="Open Sans"/>
-              <a:sym typeface="Open Sans"/>
-            </a:endParaRPr>
-          </a:p>
-        </p:txBody>
-      </p:sp>
-      <p:sp>
-        <p:nvSpPr>
-          <p:cNvPr id="229" name="Google Shape;229;p31"/>
-          <p:cNvSpPr txBox="1">
-            <a:spLocks noGrp="1"/>
-          </p:cNvSpPr>
-          <p:nvPr>
-            <p:ph type="sldNum" idx="12"/>
-          </p:nvPr>
-        </p:nvSpPr>
-        <p:spPr>
-          <a:xfrm>
-            <a:off x="8556775" y="4777350"/>
-            <a:ext cx="548700" cy="290100"/>
-          </a:xfrm>
-          <a:prstGeom prst="rect">
-            <a:avLst/>
-          </a:prstGeom>
-        </p:spPr>
-        <p:txBody>
-          <a:bodyPr spcFirstLastPara="1" wrap="square" lIns="91425" tIns="91425" rIns="91425" bIns="91425" anchor="t" anchorCtr="0">
-            <a:noAutofit/>
-          </a:bodyPr>
-          <a:lstStyle/>
-          <a:p>
-            <a:pPr marL="0" lvl="0" indent="0" algn="r" rtl="0">
-              <a:spcBef>
-                <a:spcPts val="0"/>
-              </a:spcBef>
-              <a:spcAft>
-                <a:spcPts val="0"/>
-              </a:spcAft>
-              <a:buNone/>
-            </a:pPr>
-            <a:fld id="{00000000-1234-1234-1234-123412341234}" type="slidenum">
-              <a:rPr lang="en"/>
-              <a:t>18</a:t>
-            </a:fld>
-            <a:endParaRPr/>
-          </a:p>
-        </p:txBody>
-      </p:sp>
-      <p:sp>
-        <p:nvSpPr>
-          <p:cNvPr id="2" name="Rectangle 1">
-            <a:extLst>
-              <a:ext uri="{FF2B5EF4-FFF2-40B4-BE49-F238E27FC236}">
-                <a16:creationId xmlns:a16="http://schemas.microsoft.com/office/drawing/2014/main" id="{332B5906-1849-4742-ACE9-0E529B2B6A20}"/>
-              </a:ext>
-            </a:extLst>
-          </p:cNvPr>
-          <p:cNvSpPr/>
-          <p:nvPr/>
-        </p:nvSpPr>
-        <p:spPr>
-          <a:xfrm>
-            <a:off x="6662702" y="1247775"/>
-            <a:ext cx="2481298" cy="738664"/>
-          </a:xfrm>
-          <a:prstGeom prst="rect">
-            <a:avLst/>
-          </a:prstGeom>
-        </p:spPr>
-        <p:txBody>
-          <a:bodyPr wrap="square">
-            <a:spAutoFit/>
-          </a:bodyPr>
-          <a:lstStyle/>
-          <a:p>
-            <a:r>
-              <a:rPr lang="de-DE" b="1" dirty="0">
-                <a:solidFill>
-                  <a:srgbClr val="FFC800"/>
-                </a:solidFill>
-                <a:latin typeface="Montserrat"/>
-                <a:ea typeface="Montserrat"/>
-                <a:cs typeface="Montserrat"/>
-                <a:sym typeface="Montserrat"/>
-              </a:rPr>
-              <a:t>Critics</a:t>
-            </a:r>
-          </a:p>
-          <a:p>
-            <a:endParaRPr lang="de-DE" dirty="0">
-              <a:solidFill>
-                <a:schemeClr val="bg1"/>
-              </a:solidFill>
-              <a:latin typeface="Montserrat" panose="020B0604020202020204" charset="0"/>
-              <a:ea typeface="Montserrat"/>
-              <a:cs typeface="Montserrat"/>
-              <a:sym typeface="Montserrat"/>
-            </a:endParaRPr>
-          </a:p>
-          <a:p>
-            <a:pPr lvl="0"/>
-            <a:r>
-              <a:rPr lang="en-US" dirty="0">
-                <a:solidFill>
-                  <a:schemeClr val="bg1"/>
-                </a:solidFill>
-                <a:latin typeface="Montserrat" panose="020B0604020202020204" charset="0"/>
-                <a:ea typeface="Open Sans"/>
-                <a:cs typeface="Open Sans"/>
-                <a:sym typeface="Open Sans"/>
-              </a:rPr>
-              <a:t>Example: Flappy Bird</a:t>
-            </a:r>
-          </a:p>
-        </p:txBody>
-      </p:sp>
-      <p:pic>
-        <p:nvPicPr>
-          <p:cNvPr id="4" name="Picture 3" descr="A group of people wearing costumes&#10;&#10;Description automatically generated">
-            <a:extLst>
-              <a:ext uri="{FF2B5EF4-FFF2-40B4-BE49-F238E27FC236}">
-                <a16:creationId xmlns:a16="http://schemas.microsoft.com/office/drawing/2014/main" id="{F9978578-B27B-4813-B0FB-F612180E45F9}"/>
-              </a:ext>
-            </a:extLst>
-          </p:cNvPr>
-          <p:cNvPicPr>
-            <a:picLocks noChangeAspect="1"/>
-          </p:cNvPicPr>
-          <p:nvPr/>
-        </p:nvPicPr>
-        <p:blipFill>
-          <a:blip r:embed="rId3"/>
-          <a:stretch>
-            <a:fillRect/>
-          </a:stretch>
-        </p:blipFill>
-        <p:spPr>
-          <a:xfrm>
-            <a:off x="2857498" y="1247775"/>
-            <a:ext cx="3524250" cy="2647950"/>
-          </a:xfrm>
-          <a:prstGeom prst="roundRect">
-            <a:avLst>
-              <a:gd name="adj" fmla="val 8594"/>
-            </a:avLst>
-          </a:prstGeom>
-          <a:solidFill>
-            <a:srgbClr val="FFFFFF">
-              <a:shade val="85000"/>
-            </a:srgbClr>
-          </a:solidFill>
-          <a:ln>
-            <a:noFill/>
-          </a:ln>
-          <a:effectLst>
-            <a:reflection blurRad="12700" stA="38000" endPos="28000" dist="5000" dir="5400000" sy="-100000" algn="bl" rotWithShape="0"/>
-          </a:effectLst>
-        </p:spPr>
-      </p:pic>
-    </p:spTree>
-    <p:extLst>
-      <p:ext uri="{BB962C8B-B14F-4D97-AF65-F5344CB8AC3E}">
-        <p14:creationId xmlns:p14="http://schemas.microsoft.com/office/powerpoint/2010/main" val="3571857105"/>
-      </p:ext>
-    </p:extLst>
-  </p:cSld>
-  <p:clrMapOvr>
-    <a:masterClrMapping/>
-  </p:clrMapOvr>
-  <p:transition>
-    <p:fade thruBlk="1"/>
-  </p:transition>
-</p:sld>
-</file>
-
-<file path=ppt/slides/slide19.xml><?xml version="1.0" encoding="utf-8"?>
-<p:sld xmlns:a="http://schemas.openxmlformats.org/drawingml/2006/main" xmlns:r="http://schemas.openxmlformats.org/officeDocument/2006/relationships" xmlns:p="http://schemas.openxmlformats.org/presentationml/2006/main">
-  <p:cSld>
-    <p:spTree>
-      <p:nvGrpSpPr>
-        <p:cNvPr id="1" name="Shape 170"/>
-        <p:cNvGrpSpPr/>
-        <p:nvPr/>
-      </p:nvGrpSpPr>
-      <p:grpSpPr>
-        <a:xfrm>
-          <a:off x="0" y="0"/>
-          <a:ext cx="0" cy="0"/>
-          <a:chOff x="0" y="0"/>
-          <a:chExt cx="0" cy="0"/>
-        </a:xfrm>
-      </p:grpSpPr>
-      <p:sp>
-        <p:nvSpPr>
-          <p:cNvPr id="171" name="Google Shape;171;p28"/>
-          <p:cNvSpPr txBox="1">
-            <a:spLocks noGrp="1"/>
-          </p:cNvSpPr>
-          <p:nvPr>
-            <p:ph type="title"/>
-          </p:nvPr>
-        </p:nvSpPr>
-        <p:spPr>
-          <a:xfrm>
-            <a:off x="457200" y="858428"/>
-            <a:ext cx="5224182" cy="1071900"/>
-          </a:xfrm>
-          <a:prstGeom prst="rect">
-            <a:avLst/>
-          </a:prstGeom>
-        </p:spPr>
-        <p:txBody>
-          <a:bodyPr spcFirstLastPara="1" wrap="square" lIns="91425" tIns="91425" rIns="91425" bIns="91425" anchor="t" anchorCtr="0">
-            <a:noAutofit/>
-          </a:bodyPr>
-          <a:lstStyle/>
-          <a:p>
-            <a:pPr marL="0" lvl="0" indent="0" algn="l" rtl="0">
-              <a:spcBef>
-                <a:spcPts val="0"/>
-              </a:spcBef>
-              <a:spcAft>
-                <a:spcPts val="0"/>
-              </a:spcAft>
-              <a:buNone/>
-            </a:pPr>
-            <a:r>
-              <a:rPr lang="de-DE" dirty="0">
-                <a:solidFill>
-                  <a:schemeClr val="accent4"/>
-                </a:solidFill>
-              </a:rPr>
-              <a:t>Low</a:t>
-            </a:r>
-            <a:r>
-              <a:rPr lang="de-DE" dirty="0"/>
-              <a:t> Development Cost</a:t>
-            </a:r>
-            <a:br>
-              <a:rPr lang="de-DE" dirty="0"/>
-            </a:br>
-            <a:r>
-              <a:rPr lang="de-DE" dirty="0">
-                <a:solidFill>
-                  <a:schemeClr val="accent4"/>
-                </a:solidFill>
-              </a:rPr>
-              <a:t>High</a:t>
-            </a:r>
-            <a:r>
-              <a:rPr lang="de-DE" dirty="0"/>
-              <a:t> Marketing Cost</a:t>
-            </a:r>
-            <a:endParaRPr dirty="0"/>
-          </a:p>
-        </p:txBody>
-      </p:sp>
-      <p:sp>
-        <p:nvSpPr>
-          <p:cNvPr id="172" name="Google Shape;172;p28"/>
-          <p:cNvSpPr txBox="1">
-            <a:spLocks noGrp="1"/>
-          </p:cNvSpPr>
-          <p:nvPr>
-            <p:ph type="body" idx="1"/>
-          </p:nvPr>
-        </p:nvSpPr>
-        <p:spPr>
-          <a:xfrm>
-            <a:off x="426944" y="2108108"/>
-            <a:ext cx="5284694" cy="2669242"/>
-          </a:xfrm>
-          <a:prstGeom prst="rect">
-            <a:avLst/>
-          </a:prstGeom>
-        </p:spPr>
-        <p:txBody>
-          <a:bodyPr spcFirstLastPara="1" wrap="square" lIns="91425" tIns="91425" rIns="91425" bIns="91425" anchor="t" anchorCtr="0">
-            <a:noAutofit/>
-          </a:bodyPr>
-          <a:lstStyle/>
-          <a:p>
-            <a:pPr marL="0" lvl="0" indent="0" algn="l" rtl="0">
-              <a:spcBef>
-                <a:spcPts val="600"/>
-              </a:spcBef>
-              <a:spcAft>
-                <a:spcPts val="0"/>
-              </a:spcAft>
-              <a:buNone/>
-            </a:pPr>
-            <a:r>
-              <a:rPr lang="de-DE" dirty="0"/>
-              <a:t>Focus on Gameplay not Features</a:t>
-            </a:r>
-          </a:p>
-          <a:p>
-            <a:pPr marL="0" lvl="0" indent="0" algn="l" rtl="0">
-              <a:spcBef>
-                <a:spcPts val="600"/>
-              </a:spcBef>
-              <a:spcAft>
-                <a:spcPts val="0"/>
-              </a:spcAft>
-              <a:buNone/>
-            </a:pPr>
-            <a:endParaRPr lang="de-DE" dirty="0"/>
-          </a:p>
-          <a:p>
-            <a:pPr marL="0" lvl="0" indent="0" algn="l" rtl="0">
-              <a:spcBef>
-                <a:spcPts val="600"/>
-              </a:spcBef>
-              <a:spcAft>
-                <a:spcPts val="0"/>
-              </a:spcAft>
-              <a:buNone/>
-            </a:pPr>
-            <a:r>
-              <a:rPr lang="de-DE" dirty="0"/>
-              <a:t>Recourceful Development &amp; small team</a:t>
-            </a:r>
-          </a:p>
-          <a:p>
-            <a:pPr marL="0" lvl="0" indent="0" algn="l" rtl="0">
-              <a:spcBef>
-                <a:spcPts val="600"/>
-              </a:spcBef>
-              <a:spcAft>
-                <a:spcPts val="0"/>
-              </a:spcAft>
-              <a:buNone/>
-            </a:pPr>
-            <a:endParaRPr lang="de-DE" dirty="0"/>
-          </a:p>
-          <a:p>
-            <a:pPr marL="0" lvl="0" indent="0" algn="l" rtl="0">
-              <a:spcBef>
-                <a:spcPts val="600"/>
-              </a:spcBef>
-              <a:spcAft>
-                <a:spcPts val="0"/>
-              </a:spcAft>
-              <a:buNone/>
-            </a:pPr>
-            <a:r>
-              <a:rPr lang="en-US" dirty="0">
-                <a:solidFill>
-                  <a:schemeClr val="accent4"/>
-                </a:solidFill>
-              </a:rPr>
-              <a:t>Break-even</a:t>
-            </a:r>
-            <a:r>
-              <a:rPr lang="en-US" dirty="0"/>
-              <a:t> in Phase 5: Marketing</a:t>
-            </a:r>
-            <a:endParaRPr dirty="0"/>
-          </a:p>
-        </p:txBody>
-      </p:sp>
-      <p:sp>
-        <p:nvSpPr>
-          <p:cNvPr id="174" name="Google Shape;174;p28"/>
-          <p:cNvSpPr txBox="1">
-            <a:spLocks noGrp="1"/>
-          </p:cNvSpPr>
-          <p:nvPr>
-            <p:ph type="sldNum" idx="12"/>
-          </p:nvPr>
-        </p:nvSpPr>
-        <p:spPr>
-          <a:xfrm>
-            <a:off x="8556775" y="4777350"/>
-            <a:ext cx="548700" cy="290100"/>
-          </a:xfrm>
-          <a:prstGeom prst="rect">
-            <a:avLst/>
-          </a:prstGeom>
-        </p:spPr>
-        <p:txBody>
-          <a:bodyPr spcFirstLastPara="1" wrap="square" lIns="91425" tIns="91425" rIns="91425" bIns="91425" anchor="t" anchorCtr="0">
-            <a:noAutofit/>
-          </a:bodyPr>
-          <a:lstStyle/>
-          <a:p>
-            <a:pPr marL="0" lvl="0" indent="0" algn="r" rtl="0">
-              <a:spcBef>
-                <a:spcPts val="0"/>
-              </a:spcBef>
-              <a:spcAft>
-                <a:spcPts val="0"/>
-              </a:spcAft>
-              <a:buNone/>
-            </a:pPr>
-            <a:fld id="{00000000-1234-1234-1234-123412341234}" type="slidenum">
-              <a:rPr lang="en"/>
-              <a:t>19</a:t>
-            </a:fld>
-            <a:endParaRPr/>
-          </a:p>
-        </p:txBody>
-      </p:sp>
-      <p:pic>
-        <p:nvPicPr>
-          <p:cNvPr id="3" name="Picture 2" descr="A picture containing game&#10;&#10;Description automatically generated">
-            <a:extLst>
-              <a:ext uri="{FF2B5EF4-FFF2-40B4-BE49-F238E27FC236}">
-                <a16:creationId xmlns:a16="http://schemas.microsoft.com/office/drawing/2014/main" id="{C3D85886-1B19-4F82-BBD2-13FB208878F9}"/>
-              </a:ext>
-            </a:extLst>
-          </p:cNvPr>
-          <p:cNvPicPr>
-            <a:picLocks noChangeAspect="1"/>
-          </p:cNvPicPr>
-          <p:nvPr/>
-        </p:nvPicPr>
-        <p:blipFill rotWithShape="1">
-          <a:blip r:embed="rId3"/>
-          <a:srcRect l="11207"/>
-          <a:stretch/>
-        </p:blipFill>
-        <p:spPr>
-          <a:xfrm>
-            <a:off x="6044995" y="1849646"/>
-            <a:ext cx="2880605" cy="2311846"/>
-          </a:xfrm>
-          <a:prstGeom prst="roundRect">
-            <a:avLst>
-              <a:gd name="adj" fmla="val 8594"/>
-            </a:avLst>
-          </a:prstGeom>
-          <a:solidFill>
-            <a:srgbClr val="FFFFFF">
-              <a:shade val="85000"/>
-            </a:srgbClr>
-          </a:solidFill>
-          <a:ln>
-            <a:noFill/>
-          </a:ln>
-          <a:effectLst>
-            <a:reflection blurRad="12700" stA="38000" endPos="28000" dist="5000" dir="5400000" sy="-100000" algn="bl" rotWithShape="0"/>
-          </a:effectLst>
-        </p:spPr>
-      </p:pic>
-      <p:sp>
-        <p:nvSpPr>
-          <p:cNvPr id="9" name="TextBox 8">
-            <a:extLst>
-              <a:ext uri="{FF2B5EF4-FFF2-40B4-BE49-F238E27FC236}">
-                <a16:creationId xmlns:a16="http://schemas.microsoft.com/office/drawing/2014/main" id="{09210E25-9A83-458C-85D4-1BABC5C788AF}"/>
-              </a:ext>
-            </a:extLst>
-          </p:cNvPr>
-          <p:cNvSpPr txBox="1"/>
-          <p:nvPr/>
-        </p:nvSpPr>
-        <p:spPr>
-          <a:xfrm>
-            <a:off x="5015752" y="3442729"/>
-            <a:ext cx="1029243" cy="584775"/>
-          </a:xfrm>
-          <a:prstGeom prst="rect">
-            <a:avLst/>
-          </a:prstGeom>
-          <a:noFill/>
-        </p:spPr>
-        <p:txBody>
-          <a:bodyPr wrap="square" rtlCol="0">
-            <a:spAutoFit/>
-          </a:bodyPr>
-          <a:lstStyle/>
-          <a:p>
-            <a:pPr algn="r"/>
-            <a:r>
-              <a:rPr lang="de-DE" sz="1600" dirty="0">
-                <a:solidFill>
-                  <a:srgbClr val="903930"/>
-                </a:solidFill>
-                <a:latin typeface="Montserrat" panose="020B0604020202020204" charset="0"/>
-              </a:rPr>
-              <a:t>Cost</a:t>
-            </a:r>
-          </a:p>
-          <a:p>
-            <a:pPr algn="r"/>
-            <a:r>
-              <a:rPr lang="de-DE" sz="1600" dirty="0">
-                <a:solidFill>
-                  <a:srgbClr val="92D050"/>
-                </a:solidFill>
-                <a:latin typeface="Montserrat" panose="020B0604020202020204" charset="0"/>
-              </a:rPr>
-              <a:t>Income</a:t>
-            </a:r>
-            <a:endParaRPr lang="en-US" sz="1600" dirty="0">
-              <a:solidFill>
-                <a:srgbClr val="92D050"/>
-              </a:solidFill>
-              <a:latin typeface="Montserrat" panose="020B0604020202020204" charset="0"/>
-            </a:endParaRPr>
-          </a:p>
-        </p:txBody>
-      </p:sp>
-      <p:sp>
-        <p:nvSpPr>
-          <p:cNvPr id="5" name="TextBox 4">
-            <a:extLst>
-              <a:ext uri="{FF2B5EF4-FFF2-40B4-BE49-F238E27FC236}">
-                <a16:creationId xmlns:a16="http://schemas.microsoft.com/office/drawing/2014/main" id="{15D9B188-520A-4CF1-908D-C70C0F1A5446}"/>
-              </a:ext>
-            </a:extLst>
-          </p:cNvPr>
-          <p:cNvSpPr txBox="1"/>
-          <p:nvPr/>
-        </p:nvSpPr>
-        <p:spPr>
-          <a:xfrm>
-            <a:off x="6377381" y="4161492"/>
-            <a:ext cx="2548219" cy="400110"/>
-          </a:xfrm>
-          <a:prstGeom prst="rect">
-            <a:avLst/>
-          </a:prstGeom>
-          <a:noFill/>
-        </p:spPr>
-        <p:txBody>
-          <a:bodyPr wrap="square" rtlCol="0">
-            <a:spAutoFit/>
-          </a:bodyPr>
-          <a:lstStyle/>
-          <a:p>
-            <a:r>
-              <a:rPr lang="de-DE" sz="2000" dirty="0">
-                <a:solidFill>
-                  <a:schemeClr val="bg1"/>
-                </a:solidFill>
-                <a:latin typeface="Montserrat" panose="020B0604020202020204" charset="0"/>
-              </a:rPr>
-              <a:t>Projectphase 1 - 5</a:t>
-            </a:r>
-            <a:endParaRPr lang="en-US" sz="2000" dirty="0">
-              <a:solidFill>
-                <a:schemeClr val="bg1"/>
-              </a:solidFill>
-              <a:latin typeface="Montserrat" panose="020B0604020202020204" charset="0"/>
-            </a:endParaRPr>
-          </a:p>
-        </p:txBody>
-      </p:sp>
-      <p:sp>
-        <p:nvSpPr>
-          <p:cNvPr id="6" name="TextBox 5">
-            <a:extLst>
-              <a:ext uri="{FF2B5EF4-FFF2-40B4-BE49-F238E27FC236}">
-                <a16:creationId xmlns:a16="http://schemas.microsoft.com/office/drawing/2014/main" id="{54441A78-F9D6-4F44-8CBE-C7987EC34829}"/>
-              </a:ext>
-            </a:extLst>
-          </p:cNvPr>
-          <p:cNvSpPr txBox="1"/>
-          <p:nvPr/>
-        </p:nvSpPr>
-        <p:spPr>
-          <a:xfrm>
-            <a:off x="6508919" y="1394378"/>
-            <a:ext cx="2880605" cy="400110"/>
-          </a:xfrm>
-          <a:prstGeom prst="rect">
-            <a:avLst/>
-          </a:prstGeom>
-          <a:noFill/>
-        </p:spPr>
-        <p:txBody>
-          <a:bodyPr wrap="square" rtlCol="0">
-            <a:spAutoFit/>
-          </a:bodyPr>
-          <a:lstStyle/>
-          <a:p>
-            <a:r>
-              <a:rPr lang="de-DE" sz="2000" dirty="0">
-                <a:solidFill>
-                  <a:schemeClr val="bg1"/>
-                </a:solidFill>
-                <a:latin typeface="Montserrat" panose="020B0604020202020204" charset="0"/>
-              </a:rPr>
-              <a:t>Relative Costs</a:t>
-            </a:r>
-            <a:endParaRPr lang="en-US" sz="2000" dirty="0">
-              <a:solidFill>
-                <a:schemeClr val="bg1"/>
-              </a:solidFill>
-              <a:latin typeface="Montserrat" panose="020B0604020202020204" charset="0"/>
-            </a:endParaRPr>
-          </a:p>
-        </p:txBody>
-      </p:sp>
-      <p:sp>
-        <p:nvSpPr>
-          <p:cNvPr id="7" name="Oval 6">
-            <a:extLst>
-              <a:ext uri="{FF2B5EF4-FFF2-40B4-BE49-F238E27FC236}">
-                <a16:creationId xmlns:a16="http://schemas.microsoft.com/office/drawing/2014/main" id="{48A8ACDD-5991-46A7-9D40-7DF451025CFC}"/>
-              </a:ext>
-            </a:extLst>
-          </p:cNvPr>
-          <p:cNvSpPr/>
-          <p:nvPr/>
-        </p:nvSpPr>
-        <p:spPr>
-          <a:xfrm>
-            <a:off x="8486565" y="2509277"/>
-            <a:ext cx="193759" cy="185906"/>
-          </a:xfrm>
-          <a:prstGeom prst="ellipse">
-            <a:avLst/>
-          </a:prstGeom>
-          <a:noFill/>
-        </p:spPr>
-        <p:style>
-          <a:lnRef idx="2">
-            <a:schemeClr val="accent1">
-              <a:shade val="50000"/>
-            </a:schemeClr>
-          </a:lnRef>
-          <a:fillRef idx="1">
-            <a:schemeClr val="accent1"/>
-          </a:fillRef>
-          <a:effectRef idx="0">
-            <a:schemeClr val="accent1"/>
-          </a:effectRef>
-          <a:fontRef idx="minor">
-            <a:schemeClr val="lt1"/>
-          </a:fontRef>
-        </p:style>
-        <p:txBody>
-          <a:bodyPr rtlCol="0" anchor="ctr"/>
-          <a:lstStyle/>
-          <a:p>
-            <a:pPr algn="ctr"/>
-            <a:endParaRPr lang="en-US"/>
-          </a:p>
-        </p:txBody>
-      </p:sp>
-    </p:spTree>
-    <p:extLst>
-      <p:ext uri="{BB962C8B-B14F-4D97-AF65-F5344CB8AC3E}">
-        <p14:creationId xmlns:p14="http://schemas.microsoft.com/office/powerpoint/2010/main" val="3544726203"/>
       </p:ext>
     </p:extLst>
   </p:cSld>
@@ -13440,6 +13443,1026 @@
   <p:cSld>
     <p:spTree>
       <p:nvGrpSpPr>
+        <p:cNvPr id="1" name="Shape 195"/>
+        <p:cNvGrpSpPr/>
+        <p:nvPr/>
+      </p:nvGrpSpPr>
+      <p:grpSpPr>
+        <a:xfrm>
+          <a:off x="0" y="0"/>
+          <a:ext cx="0" cy="0"/>
+          <a:chOff x="0" y="0"/>
+          <a:chExt cx="0" cy="0"/>
+        </a:xfrm>
+      </p:grpSpPr>
+      <p:sp>
+        <p:nvSpPr>
+          <p:cNvPr id="196" name="Google Shape;196;p31"/>
+          <p:cNvSpPr txBox="1">
+            <a:spLocks noGrp="1"/>
+          </p:cNvSpPr>
+          <p:nvPr>
+            <p:ph type="title" idx="4294967295"/>
+          </p:nvPr>
+        </p:nvSpPr>
+        <p:spPr>
+          <a:xfrm>
+            <a:off x="381000" y="219025"/>
+            <a:ext cx="8094000" cy="573000"/>
+          </a:xfrm>
+          <a:prstGeom prst="rect">
+            <a:avLst/>
+          </a:prstGeom>
+        </p:spPr>
+        <p:txBody>
+          <a:bodyPr spcFirstLastPara="1" wrap="square" lIns="91425" tIns="91425" rIns="91425" bIns="91425" anchor="t" anchorCtr="0">
+            <a:noAutofit/>
+          </a:bodyPr>
+          <a:lstStyle/>
+          <a:p>
+            <a:pPr marL="0" lvl="0" indent="0" algn="l" rtl="0">
+              <a:spcBef>
+                <a:spcPts val="0"/>
+              </a:spcBef>
+              <a:spcAft>
+                <a:spcPts val="0"/>
+              </a:spcAft>
+              <a:buNone/>
+            </a:pPr>
+            <a:r>
+              <a:rPr lang="de-DE" sz="3000" dirty="0"/>
+              <a:t>Risk Analysis</a:t>
+            </a:r>
+            <a:endParaRPr sz="3000" dirty="0"/>
+          </a:p>
+        </p:txBody>
+      </p:sp>
+      <p:sp>
+        <p:nvSpPr>
+          <p:cNvPr id="197" name="Google Shape;197;p31"/>
+          <p:cNvSpPr/>
+          <p:nvPr/>
+        </p:nvSpPr>
+        <p:spPr>
+          <a:xfrm>
+            <a:off x="0" y="2152200"/>
+            <a:ext cx="9144000" cy="2991300"/>
+          </a:xfrm>
+          <a:prstGeom prst="rect">
+            <a:avLst/>
+          </a:prstGeom>
+          <a:solidFill>
+            <a:schemeClr val="accent2"/>
+          </a:solidFill>
+          <a:ln>
+            <a:noFill/>
+          </a:ln>
+        </p:spPr>
+        <p:txBody>
+          <a:bodyPr spcFirstLastPara="1" wrap="square" lIns="91425" tIns="45700" rIns="91425" bIns="45700" anchor="ctr" anchorCtr="0">
+            <a:noAutofit/>
+          </a:bodyPr>
+          <a:lstStyle/>
+          <a:p>
+            <a:pPr marL="0" marR="0" lvl="0" indent="0" algn="ctr" rtl="0">
+              <a:spcBef>
+                <a:spcPts val="0"/>
+              </a:spcBef>
+              <a:spcAft>
+                <a:spcPts val="0"/>
+              </a:spcAft>
+              <a:buNone/>
+            </a:pPr>
+            <a:endParaRPr sz="1800">
+              <a:solidFill>
+                <a:srgbClr val="FFFFFF"/>
+              </a:solidFill>
+              <a:latin typeface="Calibri"/>
+              <a:ea typeface="Calibri"/>
+              <a:cs typeface="Calibri"/>
+              <a:sym typeface="Calibri"/>
+            </a:endParaRPr>
+          </a:p>
+        </p:txBody>
+      </p:sp>
+      <p:sp>
+        <p:nvSpPr>
+          <p:cNvPr id="227" name="Google Shape;227;p31"/>
+          <p:cNvSpPr/>
+          <p:nvPr/>
+        </p:nvSpPr>
+        <p:spPr>
+          <a:xfrm>
+            <a:off x="376198" y="2961073"/>
+            <a:ext cx="2440214" cy="1330800"/>
+          </a:xfrm>
+          <a:prstGeom prst="rect">
+            <a:avLst/>
+          </a:prstGeom>
+          <a:noFill/>
+          <a:ln>
+            <a:noFill/>
+          </a:ln>
+        </p:spPr>
+        <p:txBody>
+          <a:bodyPr spcFirstLastPara="1" wrap="square" lIns="91425" tIns="45700" rIns="91425" bIns="45700" anchor="t" anchorCtr="0">
+            <a:noAutofit/>
+          </a:bodyPr>
+          <a:lstStyle/>
+          <a:p>
+            <a:pPr marL="0" marR="0" lvl="0" indent="0" algn="l" rtl="0">
+              <a:spcBef>
+                <a:spcPts val="0"/>
+              </a:spcBef>
+              <a:spcAft>
+                <a:spcPts val="0"/>
+              </a:spcAft>
+              <a:buNone/>
+            </a:pPr>
+            <a:r>
+              <a:rPr lang="de-DE" sz="1400" b="1" dirty="0">
+                <a:solidFill>
+                  <a:srgbClr val="FFC800"/>
+                </a:solidFill>
+                <a:latin typeface="Montserrat"/>
+                <a:ea typeface="Montserrat"/>
+                <a:cs typeface="Montserrat"/>
+                <a:sym typeface="Montserrat"/>
+              </a:rPr>
+              <a:t>Strong Competition</a:t>
+            </a:r>
+            <a:endParaRPr dirty="0">
+              <a:solidFill>
+                <a:srgbClr val="FFC800"/>
+              </a:solidFill>
+              <a:latin typeface="Montserrat"/>
+              <a:ea typeface="Montserrat"/>
+              <a:cs typeface="Montserrat"/>
+              <a:sym typeface="Montserrat"/>
+            </a:endParaRPr>
+          </a:p>
+          <a:p>
+            <a:pPr marL="0" marR="0" lvl="0" indent="0" algn="l" rtl="0">
+              <a:spcBef>
+                <a:spcPts val="0"/>
+              </a:spcBef>
+              <a:spcAft>
+                <a:spcPts val="0"/>
+              </a:spcAft>
+              <a:buNone/>
+            </a:pPr>
+            <a:endParaRPr sz="1000" b="1" dirty="0">
+              <a:solidFill>
+                <a:srgbClr val="FFFFFF"/>
+              </a:solidFill>
+              <a:latin typeface="Open Sans"/>
+              <a:ea typeface="Open Sans"/>
+              <a:cs typeface="Open Sans"/>
+              <a:sym typeface="Open Sans"/>
+            </a:endParaRPr>
+          </a:p>
+          <a:p>
+            <a:pPr marL="0" marR="0" lvl="0" indent="0" algn="l" rtl="0">
+              <a:spcBef>
+                <a:spcPts val="0"/>
+              </a:spcBef>
+              <a:spcAft>
+                <a:spcPts val="0"/>
+              </a:spcAft>
+              <a:buNone/>
+            </a:pPr>
+            <a:r>
+              <a:rPr lang="en-US" sz="1200" dirty="0">
+                <a:solidFill>
+                  <a:srgbClr val="FFFFFF"/>
+                </a:solidFill>
+                <a:latin typeface="Open Sans"/>
+                <a:ea typeface="Open Sans"/>
+                <a:cs typeface="Open Sans"/>
+                <a:sym typeface="Open Sans"/>
+              </a:rPr>
+              <a:t>Mobile Game market is big!</a:t>
+            </a:r>
+          </a:p>
+          <a:p>
+            <a:pPr marL="0" marR="0" lvl="0" indent="0" algn="l" rtl="0">
+              <a:spcBef>
+                <a:spcPts val="0"/>
+              </a:spcBef>
+              <a:spcAft>
+                <a:spcPts val="0"/>
+              </a:spcAft>
+              <a:buNone/>
+            </a:pPr>
+            <a:r>
+              <a:rPr lang="en-US" sz="1200" dirty="0">
+                <a:solidFill>
+                  <a:srgbClr val="FFFFFF"/>
+                </a:solidFill>
+                <a:latin typeface="Open Sans"/>
+                <a:ea typeface="Open Sans"/>
+                <a:cs typeface="Open Sans"/>
+                <a:sym typeface="Open Sans"/>
+              </a:rPr>
+              <a:t>Risk:  Zombieland Game</a:t>
+            </a:r>
+            <a:endParaRPr sz="1200" dirty="0">
+              <a:latin typeface="Open Sans"/>
+              <a:ea typeface="Open Sans"/>
+              <a:cs typeface="Open Sans"/>
+              <a:sym typeface="Open Sans"/>
+            </a:endParaRPr>
+          </a:p>
+        </p:txBody>
+      </p:sp>
+      <p:sp>
+        <p:nvSpPr>
+          <p:cNvPr id="228" name="Google Shape;228;p31"/>
+          <p:cNvSpPr/>
+          <p:nvPr/>
+        </p:nvSpPr>
+        <p:spPr>
+          <a:xfrm>
+            <a:off x="6662702" y="2961073"/>
+            <a:ext cx="2105100" cy="1330800"/>
+          </a:xfrm>
+          <a:prstGeom prst="rect">
+            <a:avLst/>
+          </a:prstGeom>
+          <a:noFill/>
+          <a:ln>
+            <a:noFill/>
+          </a:ln>
+        </p:spPr>
+        <p:txBody>
+          <a:bodyPr spcFirstLastPara="1" wrap="square" lIns="91425" tIns="45700" rIns="91425" bIns="45700" anchor="t" anchorCtr="0">
+            <a:noAutofit/>
+          </a:bodyPr>
+          <a:lstStyle/>
+          <a:p>
+            <a:pPr marL="0" marR="0" lvl="0" indent="0" algn="l" rtl="0">
+              <a:spcBef>
+                <a:spcPts val="0"/>
+              </a:spcBef>
+              <a:spcAft>
+                <a:spcPts val="0"/>
+              </a:spcAft>
+              <a:buNone/>
+            </a:pPr>
+            <a:r>
+              <a:rPr lang="en-US" b="1" dirty="0">
+                <a:solidFill>
+                  <a:srgbClr val="FFC800"/>
+                </a:solidFill>
+                <a:latin typeface="Montserrat"/>
+                <a:ea typeface="Montserrat"/>
+                <a:cs typeface="Montserrat"/>
+                <a:sym typeface="Montserrat"/>
+              </a:rPr>
+              <a:t>Low Budget</a:t>
+            </a:r>
+            <a:endParaRPr lang="en-US" dirty="0">
+              <a:solidFill>
+                <a:srgbClr val="FFC800"/>
+              </a:solidFill>
+              <a:latin typeface="Montserrat"/>
+              <a:ea typeface="Montserrat"/>
+              <a:cs typeface="Montserrat"/>
+              <a:sym typeface="Montserrat"/>
+            </a:endParaRPr>
+          </a:p>
+          <a:p>
+            <a:pPr marL="0" marR="0" lvl="0" indent="0" algn="l" rtl="0">
+              <a:spcBef>
+                <a:spcPts val="0"/>
+              </a:spcBef>
+              <a:spcAft>
+                <a:spcPts val="0"/>
+              </a:spcAft>
+              <a:buNone/>
+            </a:pPr>
+            <a:endParaRPr sz="1000" b="1" dirty="0">
+              <a:solidFill>
+                <a:srgbClr val="FFFFFF"/>
+              </a:solidFill>
+              <a:latin typeface="Open Sans"/>
+              <a:ea typeface="Open Sans"/>
+              <a:cs typeface="Open Sans"/>
+              <a:sym typeface="Open Sans"/>
+            </a:endParaRPr>
+          </a:p>
+          <a:p>
+            <a:pPr marL="0" marR="0" lvl="0" indent="0" algn="l" rtl="0">
+              <a:spcBef>
+                <a:spcPts val="0"/>
+              </a:spcBef>
+              <a:spcAft>
+                <a:spcPts val="0"/>
+              </a:spcAft>
+              <a:buNone/>
+            </a:pPr>
+            <a:r>
+              <a:rPr lang="en-US" sz="1200" dirty="0">
+                <a:solidFill>
+                  <a:srgbClr val="FFFFFF"/>
+                </a:solidFill>
+                <a:latin typeface="Open Sans"/>
+                <a:ea typeface="Open Sans"/>
+                <a:cs typeface="Open Sans"/>
+                <a:sym typeface="Open Sans"/>
+              </a:rPr>
+              <a:t>Limited Resources</a:t>
+            </a:r>
+          </a:p>
+          <a:p>
+            <a:pPr marL="0" marR="0" lvl="0" indent="0" algn="l" rtl="0">
+              <a:spcBef>
+                <a:spcPts val="0"/>
+              </a:spcBef>
+              <a:spcAft>
+                <a:spcPts val="0"/>
+              </a:spcAft>
+              <a:buNone/>
+            </a:pPr>
+            <a:r>
+              <a:rPr lang="en-US" sz="1200" dirty="0">
+                <a:solidFill>
+                  <a:srgbClr val="FFFFFF"/>
+                </a:solidFill>
+                <a:latin typeface="Open Sans"/>
+                <a:ea typeface="Open Sans"/>
+                <a:cs typeface="Open Sans"/>
+                <a:sym typeface="Open Sans"/>
+              </a:rPr>
+              <a:t>Feature vs. Gameplay </a:t>
+            </a:r>
+            <a:endParaRPr sz="1200" dirty="0">
+              <a:latin typeface="Open Sans"/>
+              <a:ea typeface="Open Sans"/>
+              <a:cs typeface="Open Sans"/>
+              <a:sym typeface="Open Sans"/>
+            </a:endParaRPr>
+          </a:p>
+        </p:txBody>
+      </p:sp>
+      <p:sp>
+        <p:nvSpPr>
+          <p:cNvPr id="229" name="Google Shape;229;p31"/>
+          <p:cNvSpPr txBox="1">
+            <a:spLocks noGrp="1"/>
+          </p:cNvSpPr>
+          <p:nvPr>
+            <p:ph type="sldNum" idx="12"/>
+          </p:nvPr>
+        </p:nvSpPr>
+        <p:spPr>
+          <a:xfrm>
+            <a:off x="8556775" y="4777350"/>
+            <a:ext cx="548700" cy="290100"/>
+          </a:xfrm>
+          <a:prstGeom prst="rect">
+            <a:avLst/>
+          </a:prstGeom>
+        </p:spPr>
+        <p:txBody>
+          <a:bodyPr spcFirstLastPara="1" wrap="square" lIns="91425" tIns="91425" rIns="91425" bIns="91425" anchor="t" anchorCtr="0">
+            <a:noAutofit/>
+          </a:bodyPr>
+          <a:lstStyle/>
+          <a:p>
+            <a:pPr marL="0" lvl="0" indent="0" algn="r" rtl="0">
+              <a:spcBef>
+                <a:spcPts val="0"/>
+              </a:spcBef>
+              <a:spcAft>
+                <a:spcPts val="0"/>
+              </a:spcAft>
+              <a:buNone/>
+            </a:pPr>
+            <a:fld id="{00000000-1234-1234-1234-123412341234}" type="slidenum">
+              <a:rPr lang="en"/>
+              <a:t>20</a:t>
+            </a:fld>
+            <a:endParaRPr/>
+          </a:p>
+        </p:txBody>
+      </p:sp>
+      <p:sp>
+        <p:nvSpPr>
+          <p:cNvPr id="2" name="Rectangle 1">
+            <a:extLst>
+              <a:ext uri="{FF2B5EF4-FFF2-40B4-BE49-F238E27FC236}">
+                <a16:creationId xmlns:a16="http://schemas.microsoft.com/office/drawing/2014/main" id="{332B5906-1849-4742-ACE9-0E529B2B6A20}"/>
+              </a:ext>
+            </a:extLst>
+          </p:cNvPr>
+          <p:cNvSpPr/>
+          <p:nvPr/>
+        </p:nvSpPr>
+        <p:spPr>
+          <a:xfrm>
+            <a:off x="6662702" y="1247775"/>
+            <a:ext cx="2481298" cy="738664"/>
+          </a:xfrm>
+          <a:prstGeom prst="rect">
+            <a:avLst/>
+          </a:prstGeom>
+        </p:spPr>
+        <p:txBody>
+          <a:bodyPr wrap="square">
+            <a:spAutoFit/>
+          </a:bodyPr>
+          <a:lstStyle/>
+          <a:p>
+            <a:r>
+              <a:rPr lang="de-DE" b="1" dirty="0">
+                <a:solidFill>
+                  <a:srgbClr val="FFC800"/>
+                </a:solidFill>
+                <a:latin typeface="Montserrat"/>
+                <a:ea typeface="Montserrat"/>
+                <a:cs typeface="Montserrat"/>
+                <a:sym typeface="Montserrat"/>
+              </a:rPr>
+              <a:t>Critics</a:t>
+            </a:r>
+          </a:p>
+          <a:p>
+            <a:endParaRPr lang="de-DE" dirty="0">
+              <a:solidFill>
+                <a:schemeClr val="bg1"/>
+              </a:solidFill>
+              <a:latin typeface="Montserrat" panose="020B0604020202020204" charset="0"/>
+              <a:ea typeface="Montserrat"/>
+              <a:cs typeface="Montserrat"/>
+              <a:sym typeface="Montserrat"/>
+            </a:endParaRPr>
+          </a:p>
+          <a:p>
+            <a:pPr lvl="0"/>
+            <a:r>
+              <a:rPr lang="en-US" dirty="0">
+                <a:solidFill>
+                  <a:schemeClr val="bg1"/>
+                </a:solidFill>
+                <a:latin typeface="Montserrat" panose="020B0604020202020204" charset="0"/>
+                <a:ea typeface="Open Sans"/>
+                <a:cs typeface="Open Sans"/>
+                <a:sym typeface="Open Sans"/>
+              </a:rPr>
+              <a:t>Example: Flappy Bird</a:t>
+            </a:r>
+          </a:p>
+        </p:txBody>
+      </p:sp>
+      <p:pic>
+        <p:nvPicPr>
+          <p:cNvPr id="4" name="Picture 3" descr="A group of people wearing costumes&#10;&#10;Description automatically generated">
+            <a:extLst>
+              <a:ext uri="{FF2B5EF4-FFF2-40B4-BE49-F238E27FC236}">
+                <a16:creationId xmlns:a16="http://schemas.microsoft.com/office/drawing/2014/main" id="{F9978578-B27B-4813-B0FB-F612180E45F9}"/>
+              </a:ext>
+            </a:extLst>
+          </p:cNvPr>
+          <p:cNvPicPr>
+            <a:picLocks noChangeAspect="1"/>
+          </p:cNvPicPr>
+          <p:nvPr/>
+        </p:nvPicPr>
+        <p:blipFill>
+          <a:blip r:embed="rId3"/>
+          <a:stretch>
+            <a:fillRect/>
+          </a:stretch>
+        </p:blipFill>
+        <p:spPr>
+          <a:xfrm>
+            <a:off x="2857498" y="1247775"/>
+            <a:ext cx="3524250" cy="2647950"/>
+          </a:xfrm>
+          <a:prstGeom prst="roundRect">
+            <a:avLst>
+              <a:gd name="adj" fmla="val 8594"/>
+            </a:avLst>
+          </a:prstGeom>
+          <a:solidFill>
+            <a:srgbClr val="FFFFFF">
+              <a:shade val="85000"/>
+            </a:srgbClr>
+          </a:solidFill>
+          <a:ln>
+            <a:noFill/>
+          </a:ln>
+          <a:effectLst>
+            <a:reflection blurRad="12700" stA="38000" endPos="28000" dist="5000" dir="5400000" sy="-100000" algn="bl" rotWithShape="0"/>
+          </a:effectLst>
+        </p:spPr>
+      </p:pic>
+    </p:spTree>
+    <p:extLst>
+      <p:ext uri="{BB962C8B-B14F-4D97-AF65-F5344CB8AC3E}">
+        <p14:creationId xmlns:p14="http://schemas.microsoft.com/office/powerpoint/2010/main" val="3571857105"/>
+      </p:ext>
+    </p:extLst>
+  </p:cSld>
+  <p:clrMapOvr>
+    <a:masterClrMapping/>
+  </p:clrMapOvr>
+  <p:transition>
+    <p:fade thruBlk="1"/>
+  </p:transition>
+</p:sld>
+</file>
+
+<file path=ppt/slides/slide21.xml><?xml version="1.0" encoding="utf-8"?>
+<p:sld xmlns:a="http://schemas.openxmlformats.org/drawingml/2006/main" xmlns:r="http://schemas.openxmlformats.org/officeDocument/2006/relationships" xmlns:p="http://schemas.openxmlformats.org/presentationml/2006/main">
+  <p:cSld>
+    <p:spTree>
+      <p:nvGrpSpPr>
+        <p:cNvPr id="1" name="Shape 170"/>
+        <p:cNvGrpSpPr/>
+        <p:nvPr/>
+      </p:nvGrpSpPr>
+      <p:grpSpPr>
+        <a:xfrm>
+          <a:off x="0" y="0"/>
+          <a:ext cx="0" cy="0"/>
+          <a:chOff x="0" y="0"/>
+          <a:chExt cx="0" cy="0"/>
+        </a:xfrm>
+      </p:grpSpPr>
+      <p:sp>
+        <p:nvSpPr>
+          <p:cNvPr id="171" name="Google Shape;171;p28"/>
+          <p:cNvSpPr txBox="1">
+            <a:spLocks noGrp="1"/>
+          </p:cNvSpPr>
+          <p:nvPr>
+            <p:ph type="title"/>
+          </p:nvPr>
+        </p:nvSpPr>
+        <p:spPr>
+          <a:xfrm>
+            <a:off x="457200" y="858428"/>
+            <a:ext cx="5224182" cy="1071900"/>
+          </a:xfrm>
+          <a:prstGeom prst="rect">
+            <a:avLst/>
+          </a:prstGeom>
+        </p:spPr>
+        <p:txBody>
+          <a:bodyPr spcFirstLastPara="1" wrap="square" lIns="91425" tIns="91425" rIns="91425" bIns="91425" anchor="t" anchorCtr="0">
+            <a:noAutofit/>
+          </a:bodyPr>
+          <a:lstStyle/>
+          <a:p>
+            <a:pPr marL="0" lvl="0" indent="0" algn="l" rtl="0">
+              <a:spcBef>
+                <a:spcPts val="0"/>
+              </a:spcBef>
+              <a:spcAft>
+                <a:spcPts val="0"/>
+              </a:spcAft>
+              <a:buNone/>
+            </a:pPr>
+            <a:r>
+              <a:rPr lang="de-DE" dirty="0">
+                <a:solidFill>
+                  <a:schemeClr val="accent4"/>
+                </a:solidFill>
+              </a:rPr>
+              <a:t>Low</a:t>
+            </a:r>
+            <a:r>
+              <a:rPr lang="de-DE" dirty="0"/>
+              <a:t> Development Cost</a:t>
+            </a:r>
+            <a:br>
+              <a:rPr lang="de-DE" dirty="0"/>
+            </a:br>
+            <a:r>
+              <a:rPr lang="de-DE" dirty="0">
+                <a:solidFill>
+                  <a:schemeClr val="accent4"/>
+                </a:solidFill>
+              </a:rPr>
+              <a:t>High</a:t>
+            </a:r>
+            <a:r>
+              <a:rPr lang="de-DE" dirty="0"/>
+              <a:t> Marketing Cost</a:t>
+            </a:r>
+            <a:endParaRPr dirty="0"/>
+          </a:p>
+        </p:txBody>
+      </p:sp>
+      <p:sp>
+        <p:nvSpPr>
+          <p:cNvPr id="172" name="Google Shape;172;p28"/>
+          <p:cNvSpPr txBox="1">
+            <a:spLocks noGrp="1"/>
+          </p:cNvSpPr>
+          <p:nvPr>
+            <p:ph type="body" idx="1"/>
+          </p:nvPr>
+        </p:nvSpPr>
+        <p:spPr>
+          <a:xfrm>
+            <a:off x="426944" y="2108108"/>
+            <a:ext cx="5284694" cy="2669242"/>
+          </a:xfrm>
+          <a:prstGeom prst="rect">
+            <a:avLst/>
+          </a:prstGeom>
+        </p:spPr>
+        <p:txBody>
+          <a:bodyPr spcFirstLastPara="1" wrap="square" lIns="91425" tIns="91425" rIns="91425" bIns="91425" anchor="t" anchorCtr="0">
+            <a:noAutofit/>
+          </a:bodyPr>
+          <a:lstStyle/>
+          <a:p>
+            <a:pPr marL="0" lvl="0" indent="0" algn="l" rtl="0">
+              <a:spcBef>
+                <a:spcPts val="600"/>
+              </a:spcBef>
+              <a:spcAft>
+                <a:spcPts val="0"/>
+              </a:spcAft>
+              <a:buNone/>
+            </a:pPr>
+            <a:r>
+              <a:rPr lang="de-DE" dirty="0"/>
+              <a:t>Focus on Gameplay not Features</a:t>
+            </a:r>
+          </a:p>
+          <a:p>
+            <a:pPr marL="0" lvl="0" indent="0" algn="l" rtl="0">
+              <a:spcBef>
+                <a:spcPts val="600"/>
+              </a:spcBef>
+              <a:spcAft>
+                <a:spcPts val="0"/>
+              </a:spcAft>
+              <a:buNone/>
+            </a:pPr>
+            <a:endParaRPr lang="de-DE" dirty="0"/>
+          </a:p>
+          <a:p>
+            <a:pPr marL="0" lvl="0" indent="0" algn="l" rtl="0">
+              <a:spcBef>
+                <a:spcPts val="600"/>
+              </a:spcBef>
+              <a:spcAft>
+                <a:spcPts val="0"/>
+              </a:spcAft>
+              <a:buNone/>
+            </a:pPr>
+            <a:r>
+              <a:rPr lang="de-DE" dirty="0"/>
+              <a:t>Recourceful Development &amp; small team</a:t>
+            </a:r>
+          </a:p>
+          <a:p>
+            <a:pPr marL="0" lvl="0" indent="0" algn="l" rtl="0">
+              <a:spcBef>
+                <a:spcPts val="600"/>
+              </a:spcBef>
+              <a:spcAft>
+                <a:spcPts val="0"/>
+              </a:spcAft>
+              <a:buNone/>
+            </a:pPr>
+            <a:endParaRPr lang="de-DE" dirty="0"/>
+          </a:p>
+          <a:p>
+            <a:pPr marL="0" lvl="0" indent="0" algn="l" rtl="0">
+              <a:spcBef>
+                <a:spcPts val="600"/>
+              </a:spcBef>
+              <a:spcAft>
+                <a:spcPts val="0"/>
+              </a:spcAft>
+              <a:buNone/>
+            </a:pPr>
+            <a:r>
+              <a:rPr lang="en-US" dirty="0">
+                <a:solidFill>
+                  <a:schemeClr val="accent4"/>
+                </a:solidFill>
+              </a:rPr>
+              <a:t>Break-even</a:t>
+            </a:r>
+            <a:r>
+              <a:rPr lang="en-US" dirty="0"/>
+              <a:t> in Phase 5: Marketing</a:t>
+            </a:r>
+            <a:endParaRPr dirty="0"/>
+          </a:p>
+        </p:txBody>
+      </p:sp>
+      <p:sp>
+        <p:nvSpPr>
+          <p:cNvPr id="174" name="Google Shape;174;p28"/>
+          <p:cNvSpPr txBox="1">
+            <a:spLocks noGrp="1"/>
+          </p:cNvSpPr>
+          <p:nvPr>
+            <p:ph type="sldNum" idx="12"/>
+          </p:nvPr>
+        </p:nvSpPr>
+        <p:spPr>
+          <a:xfrm>
+            <a:off x="8556775" y="4777350"/>
+            <a:ext cx="548700" cy="290100"/>
+          </a:xfrm>
+          <a:prstGeom prst="rect">
+            <a:avLst/>
+          </a:prstGeom>
+        </p:spPr>
+        <p:txBody>
+          <a:bodyPr spcFirstLastPara="1" wrap="square" lIns="91425" tIns="91425" rIns="91425" bIns="91425" anchor="t" anchorCtr="0">
+            <a:noAutofit/>
+          </a:bodyPr>
+          <a:lstStyle/>
+          <a:p>
+            <a:pPr marL="0" lvl="0" indent="0" algn="r" rtl="0">
+              <a:spcBef>
+                <a:spcPts val="0"/>
+              </a:spcBef>
+              <a:spcAft>
+                <a:spcPts val="0"/>
+              </a:spcAft>
+              <a:buNone/>
+            </a:pPr>
+            <a:fld id="{00000000-1234-1234-1234-123412341234}" type="slidenum">
+              <a:rPr lang="en"/>
+              <a:t>21</a:t>
+            </a:fld>
+            <a:endParaRPr/>
+          </a:p>
+        </p:txBody>
+      </p:sp>
+      <p:pic>
+        <p:nvPicPr>
+          <p:cNvPr id="3" name="Picture 2" descr="A picture containing game&#10;&#10;Description automatically generated">
+            <a:extLst>
+              <a:ext uri="{FF2B5EF4-FFF2-40B4-BE49-F238E27FC236}">
+                <a16:creationId xmlns:a16="http://schemas.microsoft.com/office/drawing/2014/main" id="{C3D85886-1B19-4F82-BBD2-13FB208878F9}"/>
+              </a:ext>
+            </a:extLst>
+          </p:cNvPr>
+          <p:cNvPicPr>
+            <a:picLocks noChangeAspect="1"/>
+          </p:cNvPicPr>
+          <p:nvPr/>
+        </p:nvPicPr>
+        <p:blipFill rotWithShape="1">
+          <a:blip r:embed="rId3"/>
+          <a:srcRect l="11207"/>
+          <a:stretch/>
+        </p:blipFill>
+        <p:spPr>
+          <a:xfrm>
+            <a:off x="6044995" y="1849646"/>
+            <a:ext cx="2880605" cy="2311846"/>
+          </a:xfrm>
+          <a:prstGeom prst="roundRect">
+            <a:avLst>
+              <a:gd name="adj" fmla="val 8594"/>
+            </a:avLst>
+          </a:prstGeom>
+          <a:solidFill>
+            <a:srgbClr val="FFFFFF">
+              <a:shade val="85000"/>
+            </a:srgbClr>
+          </a:solidFill>
+          <a:ln>
+            <a:noFill/>
+          </a:ln>
+          <a:effectLst>
+            <a:reflection blurRad="12700" stA="38000" endPos="28000" dist="5000" dir="5400000" sy="-100000" algn="bl" rotWithShape="0"/>
+          </a:effectLst>
+        </p:spPr>
+      </p:pic>
+      <p:sp>
+        <p:nvSpPr>
+          <p:cNvPr id="9" name="TextBox 8">
+            <a:extLst>
+              <a:ext uri="{FF2B5EF4-FFF2-40B4-BE49-F238E27FC236}">
+                <a16:creationId xmlns:a16="http://schemas.microsoft.com/office/drawing/2014/main" id="{09210E25-9A83-458C-85D4-1BABC5C788AF}"/>
+              </a:ext>
+            </a:extLst>
+          </p:cNvPr>
+          <p:cNvSpPr txBox="1"/>
+          <p:nvPr/>
+        </p:nvSpPr>
+        <p:spPr>
+          <a:xfrm>
+            <a:off x="5015752" y="3442729"/>
+            <a:ext cx="1029243" cy="584775"/>
+          </a:xfrm>
+          <a:prstGeom prst="rect">
+            <a:avLst/>
+          </a:prstGeom>
+          <a:noFill/>
+        </p:spPr>
+        <p:txBody>
+          <a:bodyPr wrap="square" rtlCol="0">
+            <a:spAutoFit/>
+          </a:bodyPr>
+          <a:lstStyle/>
+          <a:p>
+            <a:pPr algn="r"/>
+            <a:r>
+              <a:rPr lang="de-DE" sz="1600" dirty="0">
+                <a:solidFill>
+                  <a:srgbClr val="903930"/>
+                </a:solidFill>
+                <a:latin typeface="Montserrat" panose="020B0604020202020204" charset="0"/>
+              </a:rPr>
+              <a:t>Cost</a:t>
+            </a:r>
+          </a:p>
+          <a:p>
+            <a:pPr algn="r"/>
+            <a:r>
+              <a:rPr lang="de-DE" sz="1600" dirty="0">
+                <a:solidFill>
+                  <a:srgbClr val="92D050"/>
+                </a:solidFill>
+                <a:latin typeface="Montserrat" panose="020B0604020202020204" charset="0"/>
+              </a:rPr>
+              <a:t>Income</a:t>
+            </a:r>
+            <a:endParaRPr lang="en-US" sz="1600" dirty="0">
+              <a:solidFill>
+                <a:srgbClr val="92D050"/>
+              </a:solidFill>
+              <a:latin typeface="Montserrat" panose="020B0604020202020204" charset="0"/>
+            </a:endParaRPr>
+          </a:p>
+        </p:txBody>
+      </p:sp>
+      <p:sp>
+        <p:nvSpPr>
+          <p:cNvPr id="5" name="TextBox 4">
+            <a:extLst>
+              <a:ext uri="{FF2B5EF4-FFF2-40B4-BE49-F238E27FC236}">
+                <a16:creationId xmlns:a16="http://schemas.microsoft.com/office/drawing/2014/main" id="{15D9B188-520A-4CF1-908D-C70C0F1A5446}"/>
+              </a:ext>
+            </a:extLst>
+          </p:cNvPr>
+          <p:cNvSpPr txBox="1"/>
+          <p:nvPr/>
+        </p:nvSpPr>
+        <p:spPr>
+          <a:xfrm>
+            <a:off x="6377381" y="4161492"/>
+            <a:ext cx="2548219" cy="400110"/>
+          </a:xfrm>
+          <a:prstGeom prst="rect">
+            <a:avLst/>
+          </a:prstGeom>
+          <a:noFill/>
+        </p:spPr>
+        <p:txBody>
+          <a:bodyPr wrap="square" rtlCol="0">
+            <a:spAutoFit/>
+          </a:bodyPr>
+          <a:lstStyle/>
+          <a:p>
+            <a:r>
+              <a:rPr lang="de-DE" sz="2000" dirty="0">
+                <a:solidFill>
+                  <a:schemeClr val="bg1"/>
+                </a:solidFill>
+                <a:latin typeface="Montserrat" panose="020B0604020202020204" charset="0"/>
+              </a:rPr>
+              <a:t>Projectphase 1 - 5</a:t>
+            </a:r>
+            <a:endParaRPr lang="en-US" sz="2000" dirty="0">
+              <a:solidFill>
+                <a:schemeClr val="bg1"/>
+              </a:solidFill>
+              <a:latin typeface="Montserrat" panose="020B0604020202020204" charset="0"/>
+            </a:endParaRPr>
+          </a:p>
+        </p:txBody>
+      </p:sp>
+      <p:sp>
+        <p:nvSpPr>
+          <p:cNvPr id="6" name="TextBox 5">
+            <a:extLst>
+              <a:ext uri="{FF2B5EF4-FFF2-40B4-BE49-F238E27FC236}">
+                <a16:creationId xmlns:a16="http://schemas.microsoft.com/office/drawing/2014/main" id="{54441A78-F9D6-4F44-8CBE-C7987EC34829}"/>
+              </a:ext>
+            </a:extLst>
+          </p:cNvPr>
+          <p:cNvSpPr txBox="1"/>
+          <p:nvPr/>
+        </p:nvSpPr>
+        <p:spPr>
+          <a:xfrm>
+            <a:off x="6508919" y="1394378"/>
+            <a:ext cx="2880605" cy="400110"/>
+          </a:xfrm>
+          <a:prstGeom prst="rect">
+            <a:avLst/>
+          </a:prstGeom>
+          <a:noFill/>
+        </p:spPr>
+        <p:txBody>
+          <a:bodyPr wrap="square" rtlCol="0">
+            <a:spAutoFit/>
+          </a:bodyPr>
+          <a:lstStyle/>
+          <a:p>
+            <a:r>
+              <a:rPr lang="de-DE" sz="2000" dirty="0">
+                <a:solidFill>
+                  <a:schemeClr val="bg1"/>
+                </a:solidFill>
+                <a:latin typeface="Montserrat" panose="020B0604020202020204" charset="0"/>
+              </a:rPr>
+              <a:t>Relative Costs</a:t>
+            </a:r>
+            <a:endParaRPr lang="en-US" sz="2000" dirty="0">
+              <a:solidFill>
+                <a:schemeClr val="bg1"/>
+              </a:solidFill>
+              <a:latin typeface="Montserrat" panose="020B0604020202020204" charset="0"/>
+            </a:endParaRPr>
+          </a:p>
+        </p:txBody>
+      </p:sp>
+      <p:sp>
+        <p:nvSpPr>
+          <p:cNvPr id="7" name="Oval 6">
+            <a:extLst>
+              <a:ext uri="{FF2B5EF4-FFF2-40B4-BE49-F238E27FC236}">
+                <a16:creationId xmlns:a16="http://schemas.microsoft.com/office/drawing/2014/main" id="{48A8ACDD-5991-46A7-9D40-7DF451025CFC}"/>
+              </a:ext>
+            </a:extLst>
+          </p:cNvPr>
+          <p:cNvSpPr/>
+          <p:nvPr/>
+        </p:nvSpPr>
+        <p:spPr>
+          <a:xfrm>
+            <a:off x="8486565" y="2509277"/>
+            <a:ext cx="193759" cy="185906"/>
+          </a:xfrm>
+          <a:prstGeom prst="ellipse">
+            <a:avLst/>
+          </a:prstGeom>
+          <a:noFill/>
+        </p:spPr>
+        <p:style>
+          <a:lnRef idx="2">
+            <a:schemeClr val="accent1">
+              <a:shade val="50000"/>
+            </a:schemeClr>
+          </a:lnRef>
+          <a:fillRef idx="1">
+            <a:schemeClr val="accent1"/>
+          </a:fillRef>
+          <a:effectRef idx="0">
+            <a:schemeClr val="accent1"/>
+          </a:effectRef>
+          <a:fontRef idx="minor">
+            <a:schemeClr val="lt1"/>
+          </a:fontRef>
+        </p:style>
+        <p:txBody>
+          <a:bodyPr rtlCol="0" anchor="ctr"/>
+          <a:lstStyle/>
+          <a:p>
+            <a:pPr algn="ctr"/>
+            <a:endParaRPr lang="en-US"/>
+          </a:p>
+        </p:txBody>
+      </p:sp>
+    </p:spTree>
+    <p:extLst>
+      <p:ext uri="{BB962C8B-B14F-4D97-AF65-F5344CB8AC3E}">
+        <p14:creationId xmlns:p14="http://schemas.microsoft.com/office/powerpoint/2010/main" val="3544726203"/>
+      </p:ext>
+    </p:extLst>
+  </p:cSld>
+  <p:clrMapOvr>
+    <a:masterClrMapping/>
+  </p:clrMapOvr>
+  <p:transition>
+    <p:fade thruBlk="1"/>
+  </p:transition>
+</p:sld>
+</file>
+
+<file path=ppt/slides/slide22.xml><?xml version="1.0" encoding="utf-8"?>
+<p:sld xmlns:a="http://schemas.openxmlformats.org/drawingml/2006/main" xmlns:r="http://schemas.openxmlformats.org/officeDocument/2006/relationships" xmlns:p="http://schemas.openxmlformats.org/presentationml/2006/main">
+  <p:cSld>
+    <p:spTree>
+      <p:nvGrpSpPr>
         <p:cNvPr id="1" name=""/>
         <p:cNvGrpSpPr/>
         <p:nvPr/>
@@ -13513,7 +14536,7 @@
             </a:pPr>
             <a:fld id="{00000000-1234-1234-1234-123412341234}" type="slidenum">
               <a:rPr lang="en" smtClean="0"/>
-              <a:t>20</a:t>
+              <a:t>22</a:t>
             </a:fld>
             <a:endParaRPr lang="en"/>
           </a:p>
@@ -13668,7 +14691,7 @@
 </p:sld>
 </file>
 
-<file path=ppt/slides/slide21.xml><?xml version="1.0" encoding="utf-8"?>
+<file path=ppt/slides/slide23.xml><?xml version="1.0" encoding="utf-8"?>
 <p:sld xmlns:a="http://schemas.openxmlformats.org/drawingml/2006/main" xmlns:r="http://schemas.openxmlformats.org/officeDocument/2006/relationships" xmlns:p="http://schemas.openxmlformats.org/presentationml/2006/main">
   <p:cSld>
     <p:spTree>
@@ -14139,7 +15162,7 @@
             </a:pPr>
             <a:fld id="{00000000-1234-1234-1234-123412341234}" type="slidenum">
               <a:rPr lang="en"/>
-              <a:t>21</a:t>
+              <a:t>23</a:t>
             </a:fld>
             <a:endParaRPr/>
           </a:p>
@@ -14161,7 +15184,7 @@
 </p:sld>
 </file>
 
-<file path=ppt/slides/slide22.xml><?xml version="1.0" encoding="utf-8"?>
+<file path=ppt/slides/slide24.xml><?xml version="1.0" encoding="utf-8"?>
 <p:sld xmlns:a="http://schemas.openxmlformats.org/drawingml/2006/main" xmlns:r="http://schemas.openxmlformats.org/officeDocument/2006/relationships" xmlns:p="http://schemas.openxmlformats.org/presentationml/2006/main" show="0">
   <p:cSld>
     <p:spTree>
@@ -14280,7 +15303,7 @@
             </a:pPr>
             <a:fld id="{00000000-1234-1234-1234-123412341234}" type="slidenum">
               <a:rPr lang="en"/>
-              <a:t>22</a:t>
+              <a:t>24</a:t>
             </a:fld>
             <a:endParaRPr/>
           </a:p>
@@ -14332,7 +15355,7 @@
 </p:sld>
 </file>
 
-<file path=ppt/slides/slide23.xml><?xml version="1.0" encoding="utf-8"?>
+<file path=ppt/slides/slide25.xml><?xml version="1.0" encoding="utf-8"?>
 <p:sld xmlns:a="http://schemas.openxmlformats.org/drawingml/2006/main" xmlns:r="http://schemas.openxmlformats.org/officeDocument/2006/relationships" xmlns:p="http://schemas.openxmlformats.org/presentationml/2006/main">
   <p:cSld>
     <p:spTree>
@@ -14381,7 +15404,7 @@
             </a:pPr>
             <a:fld id="{00000000-1234-1234-1234-123412341234}" type="slidenum">
               <a:rPr lang="en" smtClean="0"/>
-              <a:t>23</a:t>
+              <a:t>25</a:t>
             </a:fld>
             <a:endParaRPr lang="en"/>
           </a:p>
@@ -14447,7 +15470,7 @@
 </p:sld>
 </file>
 
-<file path=ppt/slides/slide24.xml><?xml version="1.0" encoding="utf-8"?>
+<file path=ppt/slides/slide26.xml><?xml version="1.0" encoding="utf-8"?>
 <p:sld xmlns:a="http://schemas.openxmlformats.org/drawingml/2006/main" xmlns:r="http://schemas.openxmlformats.org/officeDocument/2006/relationships" xmlns:p="http://schemas.openxmlformats.org/presentationml/2006/main">
   <p:cSld>
     <p:spTree>
@@ -14669,7 +15692,7 @@
             </a:pPr>
             <a:fld id="{00000000-1234-1234-1234-123412341234}" type="slidenum">
               <a:rPr lang="en"/>
-              <a:t>24</a:t>
+              <a:t>26</a:t>
             </a:fld>
             <a:endParaRPr/>
           </a:p>
@@ -14745,7 +15768,7 @@
 </p:sld>
 </file>
 
-<file path=ppt/slides/slide25.xml><?xml version="1.0" encoding="utf-8"?>
+<file path=ppt/slides/slide27.xml><?xml version="1.0" encoding="utf-8"?>
 <p:sld xmlns:a="http://schemas.openxmlformats.org/drawingml/2006/main" xmlns:r="http://schemas.openxmlformats.org/officeDocument/2006/relationships" xmlns:p="http://schemas.openxmlformats.org/presentationml/2006/main">
   <p:cSld>
     <p:spTree>
@@ -14980,7 +16003,7 @@
             </a:pPr>
             <a:fld id="{00000000-1234-1234-1234-123412341234}" type="slidenum">
               <a:rPr lang="en"/>
-              <a:t>25</a:t>
+              <a:t>27</a:t>
             </a:fld>
             <a:endParaRPr/>
           </a:p>
@@ -15852,6 +16875,46 @@
           </a:p>
         </p:txBody>
       </p:sp>
+      <p:pic>
+        <p:nvPicPr>
+          <p:cNvPr id="7" name="Picture 6" descr="A picture containing table, computer, yellow, water&#10;&#10;Description automatically generated">
+            <a:extLst>
+              <a:ext uri="{FF2B5EF4-FFF2-40B4-BE49-F238E27FC236}">
+                <a16:creationId xmlns:a16="http://schemas.microsoft.com/office/drawing/2014/main" id="{9D336CDD-E999-4C7B-98A8-1BF1AAB23416}"/>
+              </a:ext>
+            </a:extLst>
+          </p:cNvPr>
+          <p:cNvPicPr>
+            <a:picLocks noChangeAspect="1"/>
+          </p:cNvPicPr>
+          <p:nvPr/>
+        </p:nvPicPr>
+        <p:blipFill>
+          <a:blip r:embed="rId3"/>
+          <a:stretch>
+            <a:fillRect/>
+          </a:stretch>
+        </p:blipFill>
+        <p:spPr>
+          <a:xfrm>
+            <a:off x="1775657" y="1007545"/>
+            <a:ext cx="5592686" cy="3128409"/>
+          </a:xfrm>
+          <a:prstGeom prst="rect">
+            <a:avLst/>
+          </a:prstGeom>
+          <a:ln>
+            <a:noFill/>
+          </a:ln>
+          <a:effectLst>
+            <a:outerShdw blurRad="292100" dist="139700" dir="2700000" algn="tl" rotWithShape="0">
+              <a:srgbClr val="333333">
+                <a:alpha val="65000"/>
+              </a:srgbClr>
+            </a:outerShdw>
+          </a:effectLst>
+        </p:spPr>
+      </p:pic>
     </p:spTree>
     <p:extLst>
       <p:ext uri="{BB962C8B-B14F-4D97-AF65-F5344CB8AC3E}">
@@ -15865,10 +16928,425 @@
   <p:transition>
     <p:fade thruBlk="1"/>
   </p:transition>
+  <p:timing>
+    <p:tnLst>
+      <p:par>
+        <p:cTn id="1" dur="indefinite" restart="never" nodeType="tmRoot">
+          <p:childTnLst>
+            <p:seq concurrent="1" nextAc="seek">
+              <p:cTn id="2" dur="indefinite" nodeType="mainSeq">
+                <p:childTnLst>
+                  <p:par>
+                    <p:cTn id="3" fill="hold">
+                      <p:stCondLst>
+                        <p:cond delay="indefinite"/>
+                      </p:stCondLst>
+                      <p:childTnLst>
+                        <p:par>
+                          <p:cTn id="4" fill="hold">
+                            <p:stCondLst>
+                              <p:cond delay="0"/>
+                            </p:stCondLst>
+                            <p:childTnLst>
+                              <p:par>
+                                <p:cTn id="5" presetID="1" presetClass="entr" presetSubtype="0" fill="hold" nodeType="clickEffect">
+                                  <p:stCondLst>
+                                    <p:cond delay="0"/>
+                                  </p:stCondLst>
+                                  <p:childTnLst>
+                                    <p:set>
+                                      <p:cBhvr>
+                                        <p:cTn id="6" dur="1" fill="hold">
+                                          <p:stCondLst>
+                                            <p:cond delay="0"/>
+                                          </p:stCondLst>
+                                        </p:cTn>
+                                        <p:tgtEl>
+                                          <p:spTgt spid="7"/>
+                                        </p:tgtEl>
+                                        <p:attrNameLst>
+                                          <p:attrName>style.visibility</p:attrName>
+                                        </p:attrNameLst>
+                                      </p:cBhvr>
+                                      <p:to>
+                                        <p:strVal val="visible"/>
+                                      </p:to>
+                                    </p:set>
+                                  </p:childTnLst>
+                                </p:cTn>
+                              </p:par>
+                            </p:childTnLst>
+                          </p:cTn>
+                        </p:par>
+                      </p:childTnLst>
+                    </p:cTn>
+                  </p:par>
+                </p:childTnLst>
+              </p:cTn>
+              <p:prevCondLst>
+                <p:cond evt="onPrev" delay="0">
+                  <p:tgtEl>
+                    <p:sldTgt/>
+                  </p:tgtEl>
+                </p:cond>
+              </p:prevCondLst>
+              <p:nextCondLst>
+                <p:cond evt="onNext" delay="0">
+                  <p:tgtEl>
+                    <p:sldTgt/>
+                  </p:tgtEl>
+                </p:cond>
+              </p:nextCondLst>
+            </p:seq>
+          </p:childTnLst>
+        </p:cTn>
+      </p:par>
+    </p:tnLst>
+  </p:timing>
 </p:sld>
 </file>
 
 <file path=ppt/slides/slide7.xml><?xml version="1.0" encoding="utf-8"?>
+<p:sld xmlns:a="http://schemas.openxmlformats.org/drawingml/2006/main" xmlns:r="http://schemas.openxmlformats.org/officeDocument/2006/relationships" xmlns:p="http://schemas.openxmlformats.org/presentationml/2006/main">
+  <p:cSld>
+    <p:spTree>
+      <p:nvGrpSpPr>
+        <p:cNvPr id="1" name="Shape 123"/>
+        <p:cNvGrpSpPr/>
+        <p:nvPr/>
+      </p:nvGrpSpPr>
+      <p:grpSpPr>
+        <a:xfrm>
+          <a:off x="0" y="0"/>
+          <a:ext cx="0" cy="0"/>
+          <a:chOff x="0" y="0"/>
+          <a:chExt cx="0" cy="0"/>
+        </a:xfrm>
+      </p:grpSpPr>
+      <p:sp>
+        <p:nvSpPr>
+          <p:cNvPr id="125" name="Google Shape;125;p23"/>
+          <p:cNvSpPr txBox="1">
+            <a:spLocks noGrp="1"/>
+          </p:cNvSpPr>
+          <p:nvPr>
+            <p:ph type="sldNum" idx="12"/>
+          </p:nvPr>
+        </p:nvSpPr>
+        <p:spPr>
+          <a:xfrm>
+            <a:off x="8556775" y="4777350"/>
+            <a:ext cx="548700" cy="290100"/>
+          </a:xfrm>
+          <a:prstGeom prst="rect">
+            <a:avLst/>
+          </a:prstGeom>
+        </p:spPr>
+        <p:txBody>
+          <a:bodyPr spcFirstLastPara="1" wrap="square" lIns="91425" tIns="91425" rIns="91425" bIns="91425" anchor="t" anchorCtr="0">
+            <a:noAutofit/>
+          </a:bodyPr>
+          <a:lstStyle/>
+          <a:p>
+            <a:pPr marL="0" lvl="0" indent="0" algn="r" rtl="0">
+              <a:spcBef>
+                <a:spcPts val="0"/>
+              </a:spcBef>
+              <a:spcAft>
+                <a:spcPts val="0"/>
+              </a:spcAft>
+              <a:buNone/>
+            </a:pPr>
+            <a:fld id="{00000000-1234-1234-1234-123412341234}" type="slidenum">
+              <a:rPr lang="en"/>
+              <a:t>7</a:t>
+            </a:fld>
+            <a:endParaRPr/>
+          </a:p>
+        </p:txBody>
+      </p:sp>
+      <p:pic>
+        <p:nvPicPr>
+          <p:cNvPr id="3" name="Picture 2" descr="A giraffe standing in the grass&#10;&#10;Description automatically generated">
+            <a:extLst>
+              <a:ext uri="{FF2B5EF4-FFF2-40B4-BE49-F238E27FC236}">
+                <a16:creationId xmlns:a16="http://schemas.microsoft.com/office/drawing/2014/main" id="{D78605D4-66E2-4DFF-9026-96F6F0D7D2B1}"/>
+              </a:ext>
+            </a:extLst>
+          </p:cNvPr>
+          <p:cNvPicPr>
+            <a:picLocks noChangeAspect="1"/>
+          </p:cNvPicPr>
+          <p:nvPr/>
+        </p:nvPicPr>
+        <p:blipFill>
+          <a:blip r:embed="rId3"/>
+          <a:stretch>
+            <a:fillRect/>
+          </a:stretch>
+        </p:blipFill>
+        <p:spPr>
+          <a:xfrm>
+            <a:off x="5016488" y="842301"/>
+            <a:ext cx="3276952" cy="3271203"/>
+          </a:xfrm>
+          <a:prstGeom prst="rect">
+            <a:avLst/>
+          </a:prstGeom>
+          <a:ln>
+            <a:noFill/>
+          </a:ln>
+          <a:effectLst>
+            <a:softEdge rad="112500"/>
+          </a:effectLst>
+        </p:spPr>
+      </p:pic>
+      <p:pic>
+        <p:nvPicPr>
+          <p:cNvPr id="8" name="Picture 7" descr="A picture containing white, ball, playing, man&#10;&#10;Description automatically generated">
+            <a:extLst>
+              <a:ext uri="{FF2B5EF4-FFF2-40B4-BE49-F238E27FC236}">
+                <a16:creationId xmlns:a16="http://schemas.microsoft.com/office/drawing/2014/main" id="{C7970246-1269-4EA8-AC24-233DF0F7D6E2}"/>
+              </a:ext>
+            </a:extLst>
+          </p:cNvPr>
+          <p:cNvPicPr>
+            <a:picLocks noChangeAspect="1"/>
+          </p:cNvPicPr>
+          <p:nvPr/>
+        </p:nvPicPr>
+        <p:blipFill>
+          <a:blip r:embed="rId4"/>
+          <a:stretch>
+            <a:fillRect/>
+          </a:stretch>
+        </p:blipFill>
+        <p:spPr>
+          <a:xfrm>
+            <a:off x="503578" y="1280540"/>
+            <a:ext cx="4583794" cy="2582420"/>
+          </a:xfrm>
+          <a:prstGeom prst="rect">
+            <a:avLst/>
+          </a:prstGeom>
+          <a:ln>
+            <a:noFill/>
+          </a:ln>
+          <a:effectLst>
+            <a:softEdge rad="112500"/>
+          </a:effectLst>
+        </p:spPr>
+      </p:pic>
+    </p:spTree>
+    <p:extLst>
+      <p:ext uri="{BB962C8B-B14F-4D97-AF65-F5344CB8AC3E}">
+        <p14:creationId xmlns:p14="http://schemas.microsoft.com/office/powerpoint/2010/main" val="4134806844"/>
+      </p:ext>
+    </p:extLst>
+  </p:cSld>
+  <p:clrMapOvr>
+    <a:masterClrMapping/>
+  </p:clrMapOvr>
+  <p:transition>
+    <p:fade thruBlk="1"/>
+  </p:transition>
+  <p:timing>
+    <p:tnLst>
+      <p:par>
+        <p:cTn id="1" dur="indefinite" restart="never" nodeType="tmRoot">
+          <p:childTnLst>
+            <p:seq concurrent="1" nextAc="seek">
+              <p:cTn id="2" dur="indefinite" nodeType="mainSeq">
+                <p:childTnLst>
+                  <p:par>
+                    <p:cTn id="3" fill="hold">
+                      <p:stCondLst>
+                        <p:cond delay="indefinite"/>
+                      </p:stCondLst>
+                      <p:childTnLst>
+                        <p:par>
+                          <p:cTn id="4" fill="hold">
+                            <p:stCondLst>
+                              <p:cond delay="0"/>
+                            </p:stCondLst>
+                            <p:childTnLst>
+                              <p:par>
+                                <p:cTn id="5" presetID="10" presetClass="entr" presetSubtype="0" fill="hold" nodeType="clickEffect">
+                                  <p:stCondLst>
+                                    <p:cond delay="0"/>
+                                  </p:stCondLst>
+                                  <p:childTnLst>
+                                    <p:set>
+                                      <p:cBhvr>
+                                        <p:cTn id="6" dur="1" fill="hold">
+                                          <p:stCondLst>
+                                            <p:cond delay="0"/>
+                                          </p:stCondLst>
+                                        </p:cTn>
+                                        <p:tgtEl>
+                                          <p:spTgt spid="3"/>
+                                        </p:tgtEl>
+                                        <p:attrNameLst>
+                                          <p:attrName>style.visibility</p:attrName>
+                                        </p:attrNameLst>
+                                      </p:cBhvr>
+                                      <p:to>
+                                        <p:strVal val="visible"/>
+                                      </p:to>
+                                    </p:set>
+                                    <p:animEffect transition="in" filter="fade">
+                                      <p:cBhvr>
+                                        <p:cTn id="7" dur="500"/>
+                                        <p:tgtEl>
+                                          <p:spTgt spid="3"/>
+                                        </p:tgtEl>
+                                      </p:cBhvr>
+                                    </p:animEffect>
+                                  </p:childTnLst>
+                                </p:cTn>
+                              </p:par>
+                            </p:childTnLst>
+                          </p:cTn>
+                        </p:par>
+                      </p:childTnLst>
+                    </p:cTn>
+                  </p:par>
+                </p:childTnLst>
+              </p:cTn>
+              <p:prevCondLst>
+                <p:cond evt="onPrev" delay="0">
+                  <p:tgtEl>
+                    <p:sldTgt/>
+                  </p:tgtEl>
+                </p:cond>
+              </p:prevCondLst>
+              <p:nextCondLst>
+                <p:cond evt="onNext" delay="0">
+                  <p:tgtEl>
+                    <p:sldTgt/>
+                  </p:tgtEl>
+                </p:cond>
+              </p:nextCondLst>
+            </p:seq>
+          </p:childTnLst>
+        </p:cTn>
+      </p:par>
+    </p:tnLst>
+  </p:timing>
+</p:sld>
+</file>
+
+<file path=ppt/slides/slide8.xml><?xml version="1.0" encoding="utf-8"?>
+<p:sld xmlns:a="http://schemas.openxmlformats.org/drawingml/2006/main" xmlns:r="http://schemas.openxmlformats.org/officeDocument/2006/relationships" xmlns:p="http://schemas.openxmlformats.org/presentationml/2006/main">
+  <p:cSld>
+    <p:spTree>
+      <p:nvGrpSpPr>
+        <p:cNvPr id="1" name="Shape 123"/>
+        <p:cNvGrpSpPr/>
+        <p:nvPr/>
+      </p:nvGrpSpPr>
+      <p:grpSpPr>
+        <a:xfrm>
+          <a:off x="0" y="0"/>
+          <a:ext cx="0" cy="0"/>
+          <a:chOff x="0" y="0"/>
+          <a:chExt cx="0" cy="0"/>
+        </a:xfrm>
+      </p:grpSpPr>
+      <p:sp>
+        <p:nvSpPr>
+          <p:cNvPr id="125" name="Google Shape;125;p23"/>
+          <p:cNvSpPr txBox="1">
+            <a:spLocks noGrp="1"/>
+          </p:cNvSpPr>
+          <p:nvPr>
+            <p:ph type="sldNum" idx="12"/>
+          </p:nvPr>
+        </p:nvSpPr>
+        <p:spPr>
+          <a:xfrm>
+            <a:off x="8556775" y="4777350"/>
+            <a:ext cx="548700" cy="290100"/>
+          </a:xfrm>
+          <a:prstGeom prst="rect">
+            <a:avLst/>
+          </a:prstGeom>
+        </p:spPr>
+        <p:txBody>
+          <a:bodyPr spcFirstLastPara="1" wrap="square" lIns="91425" tIns="91425" rIns="91425" bIns="91425" anchor="t" anchorCtr="0">
+            <a:noAutofit/>
+          </a:bodyPr>
+          <a:lstStyle/>
+          <a:p>
+            <a:pPr marL="0" lvl="0" indent="0" algn="r" rtl="0">
+              <a:spcBef>
+                <a:spcPts val="0"/>
+              </a:spcBef>
+              <a:spcAft>
+                <a:spcPts val="0"/>
+              </a:spcAft>
+              <a:buNone/>
+            </a:pPr>
+            <a:fld id="{00000000-1234-1234-1234-123412341234}" type="slidenum">
+              <a:rPr lang="en"/>
+              <a:t>8</a:t>
+            </a:fld>
+            <a:endParaRPr/>
+          </a:p>
+        </p:txBody>
+      </p:sp>
+      <p:pic>
+        <p:nvPicPr>
+          <p:cNvPr id="6" name="Picture 5" descr="A close up of a giraffe&#10;&#10;Description automatically generated">
+            <a:extLst>
+              <a:ext uri="{FF2B5EF4-FFF2-40B4-BE49-F238E27FC236}">
+                <a16:creationId xmlns:a16="http://schemas.microsoft.com/office/drawing/2014/main" id="{7B163AB0-C2C3-432C-B461-C779FA07D497}"/>
+              </a:ext>
+            </a:extLst>
+          </p:cNvPr>
+          <p:cNvPicPr>
+            <a:picLocks noChangeAspect="1"/>
+          </p:cNvPicPr>
+          <p:nvPr/>
+        </p:nvPicPr>
+        <p:blipFill rotWithShape="1">
+          <a:blip r:embed="rId3"/>
+          <a:srcRect l="16841" r="11847"/>
+          <a:stretch/>
+        </p:blipFill>
+        <p:spPr>
+          <a:xfrm>
+            <a:off x="2395869" y="855256"/>
+            <a:ext cx="4352261" cy="3432987"/>
+          </a:xfrm>
+          <a:prstGeom prst="rect">
+            <a:avLst/>
+          </a:prstGeom>
+          <a:ln>
+            <a:noFill/>
+          </a:ln>
+          <a:effectLst>
+            <a:softEdge rad="112500"/>
+          </a:effectLst>
+        </p:spPr>
+      </p:pic>
+    </p:spTree>
+    <p:extLst>
+      <p:ext uri="{BB962C8B-B14F-4D97-AF65-F5344CB8AC3E}">
+        <p14:creationId xmlns:p14="http://schemas.microsoft.com/office/powerpoint/2010/main" val="4066056306"/>
+      </p:ext>
+    </p:extLst>
+  </p:cSld>
+  <p:clrMapOvr>
+    <a:masterClrMapping/>
+  </p:clrMapOvr>
+  <p:transition>
+    <p:fade thruBlk="1"/>
+  </p:transition>
+</p:sld>
+</file>
+
+<file path=ppt/slides/slide9.xml><?xml version="1.0" encoding="utf-8"?>
 <p:sld xmlns:a="http://schemas.openxmlformats.org/drawingml/2006/main" xmlns:r="http://schemas.openxmlformats.org/officeDocument/2006/relationships" xmlns:p="http://schemas.openxmlformats.org/presentationml/2006/main">
   <p:cSld>
     <p:spTree>
@@ -16000,7 +17478,44 @@
                 <a:cs typeface="Montserrat"/>
                 <a:sym typeface="Montserrat"/>
               </a:rPr>
-              <a:t>Eat to grow</a:t>
+              <a:t>Eat quickly to grow</a:t>
+            </a:r>
+          </a:p>
+          <a:p>
+            <a:pPr marL="0" lvl="0" indent="0" algn="l" rtl="0">
+              <a:spcBef>
+                <a:spcPts val="600"/>
+              </a:spcBef>
+              <a:spcAft>
+                <a:spcPts val="0"/>
+              </a:spcAft>
+              <a:buNone/>
+            </a:pPr>
+            <a:endParaRPr lang="de-DE" dirty="0">
+              <a:latin typeface="Montserrat"/>
+              <a:ea typeface="Montserrat"/>
+              <a:cs typeface="Montserrat"/>
+              <a:sym typeface="Montserrat"/>
+            </a:endParaRPr>
+          </a:p>
+          <a:p>
+            <a:pPr marL="0" lvl="0" indent="0" algn="l" rtl="0">
+              <a:spcBef>
+                <a:spcPts val="600"/>
+              </a:spcBef>
+              <a:spcAft>
+                <a:spcPts val="0"/>
+              </a:spcAft>
+              <a:buNone/>
+            </a:pPr>
+            <a:r>
+              <a:rPr lang="de-DE" dirty="0">
+                <a:latin typeface="Montserrat"/>
+                <a:ea typeface="Montserrat"/>
+                <a:cs typeface="Montserrat"/>
+                <a:sym typeface="Montserrat"/>
+              </a:rPr>
+              <a:t>Dodge obstacles</a:t>
             </a:r>
           </a:p>
           <a:p>
@@ -16078,7 +17593,7 @@
             </a:pPr>
             <a:fld id="{00000000-1234-1234-1234-123412341234}" type="slidenum">
               <a:rPr lang="en"/>
-              <a:t>7</a:t>
+              <a:t>9</a:t>
             </a:fld>
             <a:endParaRPr/>
           </a:p>
@@ -16904,635 +18419,6 @@
 </p:sld>
 </file>
 
-<file path=ppt/slides/slide8.xml><?xml version="1.0" encoding="utf-8"?>
-<p:sld xmlns:a="http://schemas.openxmlformats.org/drawingml/2006/main" xmlns:r="http://schemas.openxmlformats.org/officeDocument/2006/relationships" xmlns:p="http://schemas.openxmlformats.org/presentationml/2006/main">
-  <p:cSld>
-    <p:spTree>
-      <p:nvGrpSpPr>
-        <p:cNvPr id="1" name="Shape 153"/>
-        <p:cNvGrpSpPr/>
-        <p:nvPr/>
-      </p:nvGrpSpPr>
-      <p:grpSpPr>
-        <a:xfrm>
-          <a:off x="0" y="0"/>
-          <a:ext cx="0" cy="0"/>
-          <a:chOff x="0" y="0"/>
-          <a:chExt cx="0" cy="0"/>
-        </a:xfrm>
-      </p:grpSpPr>
-      <p:sp>
-        <p:nvSpPr>
-          <p:cNvPr id="154" name="Google Shape;154;p26"/>
-          <p:cNvSpPr txBox="1">
-            <a:spLocks noGrp="1"/>
-          </p:cNvSpPr>
-          <p:nvPr>
-            <p:ph type="body" idx="1"/>
-          </p:nvPr>
-        </p:nvSpPr>
-        <p:spPr>
-          <a:xfrm>
-            <a:off x="457200" y="1563656"/>
-            <a:ext cx="3548743" cy="3148010"/>
-          </a:xfrm>
-          <a:prstGeom prst="rect">
-            <a:avLst/>
-          </a:prstGeom>
-        </p:spPr>
-        <p:txBody>
-          <a:bodyPr spcFirstLastPara="1" wrap="square" lIns="91425" tIns="91425" rIns="91425" bIns="91425" anchor="t" anchorCtr="0">
-            <a:noAutofit/>
-          </a:bodyPr>
-          <a:lstStyle/>
-          <a:p>
-            <a:pPr marL="0" lvl="0" indent="0" algn="l" rtl="0">
-              <a:spcBef>
-                <a:spcPts val="600"/>
-              </a:spcBef>
-              <a:spcAft>
-                <a:spcPts val="0"/>
-              </a:spcAft>
-              <a:buNone/>
-            </a:pPr>
-            <a:r>
-              <a:rPr lang="de-DE" b="1" dirty="0"/>
-              <a:t>Food</a:t>
-            </a:r>
-            <a:endParaRPr b="1" dirty="0"/>
-          </a:p>
-          <a:p>
-            <a:pPr marL="0" lvl="0" indent="0" algn="l" rtl="0">
-              <a:spcBef>
-                <a:spcPts val="600"/>
-              </a:spcBef>
-              <a:spcAft>
-                <a:spcPts val="0"/>
-              </a:spcAft>
-              <a:buNone/>
-            </a:pPr>
-            <a:r>
-              <a:rPr lang="en-US" dirty="0"/>
-              <a:t>Objects, you eat to grow higher</a:t>
-            </a:r>
-            <a:endParaRPr dirty="0"/>
-          </a:p>
-        </p:txBody>
-      </p:sp>
-      <p:sp>
-        <p:nvSpPr>
-          <p:cNvPr id="155" name="Google Shape;155;p26"/>
-          <p:cNvSpPr txBox="1">
-            <a:spLocks noGrp="1"/>
-          </p:cNvSpPr>
-          <p:nvPr>
-            <p:ph type="title"/>
-          </p:nvPr>
-        </p:nvSpPr>
-        <p:spPr>
-          <a:xfrm>
-            <a:off x="457200" y="447620"/>
-            <a:ext cx="8229600" cy="1071900"/>
-          </a:xfrm>
-          <a:prstGeom prst="rect">
-            <a:avLst/>
-          </a:prstGeom>
-        </p:spPr>
-        <p:txBody>
-          <a:bodyPr spcFirstLastPara="1" wrap="square" lIns="91425" tIns="91425" rIns="91425" bIns="91425" anchor="b" anchorCtr="0">
-            <a:noAutofit/>
-          </a:bodyPr>
-          <a:lstStyle/>
-          <a:p>
-            <a:pPr marL="0" lvl="0" indent="0" algn="l" rtl="0">
-              <a:spcBef>
-                <a:spcPts val="0"/>
-              </a:spcBef>
-              <a:spcAft>
-                <a:spcPts val="0"/>
-              </a:spcAft>
-              <a:buNone/>
-            </a:pPr>
-            <a:r>
-              <a:rPr lang="de-DE" dirty="0"/>
-              <a:t>Game Elements</a:t>
-            </a:r>
-            <a:endParaRPr dirty="0"/>
-          </a:p>
-        </p:txBody>
-      </p:sp>
-      <p:sp>
-        <p:nvSpPr>
-          <p:cNvPr id="156" name="Google Shape;156;p26"/>
-          <p:cNvSpPr txBox="1">
-            <a:spLocks noGrp="1"/>
-          </p:cNvSpPr>
-          <p:nvPr>
-            <p:ph type="body" idx="2"/>
-          </p:nvPr>
-        </p:nvSpPr>
-        <p:spPr>
-          <a:xfrm>
-            <a:off x="5041230" y="1537774"/>
-            <a:ext cx="3600000" cy="3148010"/>
-          </a:xfrm>
-          <a:prstGeom prst="rect">
-            <a:avLst/>
-          </a:prstGeom>
-        </p:spPr>
-        <p:txBody>
-          <a:bodyPr spcFirstLastPara="1" wrap="square" lIns="91425" tIns="91425" rIns="91425" bIns="91425" anchor="t" anchorCtr="0">
-            <a:noAutofit/>
-          </a:bodyPr>
-          <a:lstStyle/>
-          <a:p>
-            <a:pPr marL="0" lvl="0" indent="0" algn="l" rtl="0">
-              <a:spcBef>
-                <a:spcPts val="600"/>
-              </a:spcBef>
-              <a:spcAft>
-                <a:spcPts val="0"/>
-              </a:spcAft>
-              <a:buNone/>
-            </a:pPr>
-            <a:r>
-              <a:rPr lang="de-DE" b="1" dirty="0"/>
-              <a:t>Obstacle</a:t>
-            </a:r>
-          </a:p>
-          <a:p>
-            <a:pPr marL="0" lvl="0" indent="0" algn="l" rtl="0">
-              <a:spcBef>
-                <a:spcPts val="600"/>
-              </a:spcBef>
-              <a:spcAft>
-                <a:spcPts val="0"/>
-              </a:spcAft>
-              <a:buNone/>
-            </a:pPr>
-            <a:r>
-              <a:rPr lang="de-DE" dirty="0"/>
-              <a:t>If you touch them you lose the game</a:t>
-            </a:r>
-            <a:endParaRPr dirty="0"/>
-          </a:p>
-        </p:txBody>
-      </p:sp>
-      <p:sp>
-        <p:nvSpPr>
-          <p:cNvPr id="157" name="Google Shape;157;p26"/>
-          <p:cNvSpPr txBox="1">
-            <a:spLocks noGrp="1"/>
-          </p:cNvSpPr>
-          <p:nvPr>
-            <p:ph type="sldNum" idx="12"/>
-          </p:nvPr>
-        </p:nvSpPr>
-        <p:spPr>
-          <a:xfrm>
-            <a:off x="8556775" y="4777350"/>
-            <a:ext cx="548700" cy="290100"/>
-          </a:xfrm>
-          <a:prstGeom prst="rect">
-            <a:avLst/>
-          </a:prstGeom>
-        </p:spPr>
-        <p:txBody>
-          <a:bodyPr spcFirstLastPara="1" wrap="square" lIns="91425" tIns="91425" rIns="91425" bIns="91425" anchor="t" anchorCtr="0">
-            <a:noAutofit/>
-          </a:bodyPr>
-          <a:lstStyle/>
-          <a:p>
-            <a:pPr marL="0" lvl="0" indent="0" algn="r" rtl="0">
-              <a:spcBef>
-                <a:spcPts val="0"/>
-              </a:spcBef>
-              <a:spcAft>
-                <a:spcPts val="0"/>
-              </a:spcAft>
-              <a:buNone/>
-            </a:pPr>
-            <a:fld id="{00000000-1234-1234-1234-123412341234}" type="slidenum">
-              <a:rPr lang="en"/>
-              <a:t>8</a:t>
-            </a:fld>
-            <a:endParaRPr/>
-          </a:p>
-        </p:txBody>
-      </p:sp>
-      <p:pic>
-        <p:nvPicPr>
-          <p:cNvPr id="3" name="Picture 2">
-            <a:extLst>
-              <a:ext uri="{FF2B5EF4-FFF2-40B4-BE49-F238E27FC236}">
-                <a16:creationId xmlns:a16="http://schemas.microsoft.com/office/drawing/2014/main" id="{F28C5D6E-B1DF-47FF-9671-834AA6B49042}"/>
-              </a:ext>
-            </a:extLst>
-          </p:cNvPr>
-          <p:cNvPicPr>
-            <a:picLocks noChangeAspect="1"/>
-          </p:cNvPicPr>
-          <p:nvPr/>
-        </p:nvPicPr>
-        <p:blipFill>
-          <a:blip r:embed="rId3"/>
-          <a:stretch>
-            <a:fillRect/>
-          </a:stretch>
-        </p:blipFill>
-        <p:spPr>
-          <a:xfrm>
-            <a:off x="1162831" y="2898918"/>
-            <a:ext cx="576036" cy="576036"/>
-          </a:xfrm>
-          <a:prstGeom prst="rect">
-            <a:avLst/>
-          </a:prstGeom>
-        </p:spPr>
-      </p:pic>
-      <p:pic>
-        <p:nvPicPr>
-          <p:cNvPr id="5" name="Picture 4">
-            <a:extLst>
-              <a:ext uri="{FF2B5EF4-FFF2-40B4-BE49-F238E27FC236}">
-                <a16:creationId xmlns:a16="http://schemas.microsoft.com/office/drawing/2014/main" id="{11083B48-8F93-40EE-86A4-135F40574185}"/>
-              </a:ext>
-            </a:extLst>
-          </p:cNvPr>
-          <p:cNvPicPr>
-            <a:picLocks noChangeAspect="1"/>
-          </p:cNvPicPr>
-          <p:nvPr/>
-        </p:nvPicPr>
-        <p:blipFill>
-          <a:blip r:embed="rId4"/>
-          <a:stretch>
-            <a:fillRect/>
-          </a:stretch>
-        </p:blipFill>
-        <p:spPr>
-          <a:xfrm>
-            <a:off x="2374866" y="2870392"/>
-            <a:ext cx="622069" cy="622069"/>
-          </a:xfrm>
-          <a:prstGeom prst="rect">
-            <a:avLst/>
-          </a:prstGeom>
-        </p:spPr>
-      </p:pic>
-      <p:pic>
-        <p:nvPicPr>
-          <p:cNvPr id="7" name="Picture 6">
-            <a:extLst>
-              <a:ext uri="{FF2B5EF4-FFF2-40B4-BE49-F238E27FC236}">
-                <a16:creationId xmlns:a16="http://schemas.microsoft.com/office/drawing/2014/main" id="{CE2194A2-DF0C-4910-A126-9A2B4FBFEF55}"/>
-              </a:ext>
-            </a:extLst>
-          </p:cNvPr>
-          <p:cNvPicPr>
-            <a:picLocks noChangeAspect="1"/>
-          </p:cNvPicPr>
-          <p:nvPr/>
-        </p:nvPicPr>
-        <p:blipFill>
-          <a:blip r:embed="rId5"/>
-          <a:stretch>
-            <a:fillRect/>
-          </a:stretch>
-        </p:blipFill>
-        <p:spPr>
-          <a:xfrm>
-            <a:off x="2374866" y="3577335"/>
-            <a:ext cx="854867" cy="854867"/>
-          </a:xfrm>
-          <a:prstGeom prst="rect">
-            <a:avLst/>
-          </a:prstGeom>
-        </p:spPr>
-      </p:pic>
-      <p:pic>
-        <p:nvPicPr>
-          <p:cNvPr id="9" name="Picture 8">
-            <a:extLst>
-              <a:ext uri="{FF2B5EF4-FFF2-40B4-BE49-F238E27FC236}">
-                <a16:creationId xmlns:a16="http://schemas.microsoft.com/office/drawing/2014/main" id="{44C29E3F-97C5-4BD0-A00A-CCBF907018DE}"/>
-              </a:ext>
-            </a:extLst>
-          </p:cNvPr>
-          <p:cNvPicPr>
-            <a:picLocks noChangeAspect="1"/>
-          </p:cNvPicPr>
-          <p:nvPr/>
-        </p:nvPicPr>
-        <p:blipFill>
-          <a:blip r:embed="rId6"/>
-          <a:stretch>
-            <a:fillRect/>
-          </a:stretch>
-        </p:blipFill>
-        <p:spPr>
-          <a:xfrm>
-            <a:off x="5332127" y="3401754"/>
-            <a:ext cx="676275" cy="676275"/>
-          </a:xfrm>
-          <a:prstGeom prst="rect">
-            <a:avLst/>
-          </a:prstGeom>
-        </p:spPr>
-      </p:pic>
-      <p:pic>
-        <p:nvPicPr>
-          <p:cNvPr id="11" name="Picture 10">
-            <a:extLst>
-              <a:ext uri="{FF2B5EF4-FFF2-40B4-BE49-F238E27FC236}">
-                <a16:creationId xmlns:a16="http://schemas.microsoft.com/office/drawing/2014/main" id="{F67F3F1F-2CF8-4C62-9735-79E511506B6A}"/>
-              </a:ext>
-            </a:extLst>
-          </p:cNvPr>
-          <p:cNvPicPr>
-            <a:picLocks noChangeAspect="1"/>
-          </p:cNvPicPr>
-          <p:nvPr/>
-        </p:nvPicPr>
-        <p:blipFill>
-          <a:blip r:embed="rId7"/>
-          <a:stretch>
-            <a:fillRect/>
-          </a:stretch>
-        </p:blipFill>
-        <p:spPr>
-          <a:xfrm>
-            <a:off x="1267662" y="3849428"/>
-            <a:ext cx="457200" cy="457200"/>
-          </a:xfrm>
-          <a:prstGeom prst="rect">
-            <a:avLst/>
-          </a:prstGeom>
-        </p:spPr>
-      </p:pic>
-      <p:pic>
-        <p:nvPicPr>
-          <p:cNvPr id="17" name="Picture 16" descr="A picture containing clock, drawing, light&#10;&#10;Description automatically generated">
-            <a:extLst>
-              <a:ext uri="{FF2B5EF4-FFF2-40B4-BE49-F238E27FC236}">
-                <a16:creationId xmlns:a16="http://schemas.microsoft.com/office/drawing/2014/main" id="{C179C799-E414-4201-BD95-486109139635}"/>
-              </a:ext>
-            </a:extLst>
-          </p:cNvPr>
-          <p:cNvPicPr>
-            <a:picLocks noChangeAspect="1"/>
-          </p:cNvPicPr>
-          <p:nvPr/>
-        </p:nvPicPr>
-        <p:blipFill>
-          <a:blip r:embed="rId8"/>
-          <a:stretch>
-            <a:fillRect/>
-          </a:stretch>
-        </p:blipFill>
-        <p:spPr>
-          <a:xfrm>
-            <a:off x="6299298" y="2794000"/>
-            <a:ext cx="1891784" cy="1891784"/>
-          </a:xfrm>
-          <a:prstGeom prst="rect">
-            <a:avLst/>
-          </a:prstGeom>
-        </p:spPr>
-      </p:pic>
-      <p:sp>
-        <p:nvSpPr>
-          <p:cNvPr id="2" name="TextBox 1">
-            <a:extLst>
-              <a:ext uri="{FF2B5EF4-FFF2-40B4-BE49-F238E27FC236}">
-                <a16:creationId xmlns:a16="http://schemas.microsoft.com/office/drawing/2014/main" id="{87769E43-17A8-4F23-BEDE-8FB9CB39E9D7}"/>
-              </a:ext>
-            </a:extLst>
-          </p:cNvPr>
-          <p:cNvSpPr txBox="1"/>
-          <p:nvPr/>
-        </p:nvSpPr>
-        <p:spPr>
-          <a:xfrm>
-            <a:off x="652150" y="4557777"/>
-            <a:ext cx="1887851" cy="307777"/>
-          </a:xfrm>
-          <a:prstGeom prst="rect">
-            <a:avLst/>
-          </a:prstGeom>
-          <a:noFill/>
-        </p:spPr>
-        <p:txBody>
-          <a:bodyPr wrap="square" rtlCol="0">
-            <a:spAutoFit/>
-          </a:bodyPr>
-          <a:lstStyle/>
-          <a:p>
-            <a:r>
-              <a:rPr lang="de-DE" dirty="0">
-                <a:solidFill>
-                  <a:schemeClr val="bg1"/>
-                </a:solidFill>
-                <a:latin typeface="Montserrat" panose="020B0604020202020204" charset="0"/>
-              </a:rPr>
-              <a:t>Und vieles mehr...</a:t>
-            </a:r>
-            <a:endParaRPr lang="en-US" dirty="0">
-              <a:solidFill>
-                <a:schemeClr val="bg1"/>
-              </a:solidFill>
-              <a:latin typeface="Montserrat" panose="020B0604020202020204" charset="0"/>
-            </a:endParaRPr>
-          </a:p>
-        </p:txBody>
-      </p:sp>
-    </p:spTree>
-    <p:extLst>
-      <p:ext uri="{BB962C8B-B14F-4D97-AF65-F5344CB8AC3E}">
-        <p14:creationId xmlns:p14="http://schemas.microsoft.com/office/powerpoint/2010/main" val="1286844413"/>
-      </p:ext>
-    </p:extLst>
-  </p:cSld>
-  <p:clrMapOvr>
-    <a:masterClrMapping/>
-  </p:clrMapOvr>
-  <p:transition>
-    <p:fade thruBlk="1"/>
-  </p:transition>
-</p:sld>
-</file>
-
-<file path=ppt/slides/slide9.xml><?xml version="1.0" encoding="utf-8"?>
-<p:sld xmlns:a="http://schemas.openxmlformats.org/drawingml/2006/main" xmlns:r="http://schemas.openxmlformats.org/officeDocument/2006/relationships" xmlns:p="http://schemas.openxmlformats.org/presentationml/2006/main" show="0">
-  <p:cSld>
-    <p:spTree>
-      <p:nvGrpSpPr>
-        <p:cNvPr id="1" name="Shape 116"/>
-        <p:cNvGrpSpPr/>
-        <p:nvPr/>
-      </p:nvGrpSpPr>
-      <p:grpSpPr>
-        <a:xfrm>
-          <a:off x="0" y="0"/>
-          <a:ext cx="0" cy="0"/>
-          <a:chOff x="0" y="0"/>
-          <a:chExt cx="0" cy="0"/>
-        </a:xfrm>
-      </p:grpSpPr>
-      <p:sp>
-        <p:nvSpPr>
-          <p:cNvPr id="117" name="Google Shape;117;p22"/>
-          <p:cNvSpPr txBox="1">
-            <a:spLocks noGrp="1"/>
-          </p:cNvSpPr>
-          <p:nvPr>
-            <p:ph type="ctrTitle"/>
-          </p:nvPr>
-        </p:nvSpPr>
-        <p:spPr>
-          <a:xfrm>
-            <a:off x="634075" y="1735744"/>
-            <a:ext cx="6318268" cy="1159800"/>
-          </a:xfrm>
-          <a:prstGeom prst="rect">
-            <a:avLst/>
-          </a:prstGeom>
-        </p:spPr>
-        <p:txBody>
-          <a:bodyPr spcFirstLastPara="1" wrap="square" lIns="91425" tIns="91425" rIns="91425" bIns="91425" anchor="b" anchorCtr="0">
-            <a:noAutofit/>
-          </a:bodyPr>
-          <a:lstStyle/>
-          <a:p>
-            <a:pPr marL="0" lvl="0" indent="0" algn="l" rtl="0">
-              <a:spcBef>
-                <a:spcPts val="0"/>
-              </a:spcBef>
-              <a:spcAft>
-                <a:spcPts val="0"/>
-              </a:spcAft>
-              <a:buNone/>
-            </a:pPr>
-            <a:r>
-              <a:rPr lang="de-DE" dirty="0">
-                <a:solidFill>
-                  <a:srgbClr val="FFC800"/>
-                </a:solidFill>
-              </a:rPr>
-              <a:t>2.</a:t>
-            </a:r>
-            <a:endParaRPr dirty="0">
-              <a:solidFill>
-                <a:srgbClr val="FFC800"/>
-              </a:solidFill>
-            </a:endParaRPr>
-          </a:p>
-          <a:p>
-            <a:pPr marL="0" lvl="0" indent="0" algn="l" rtl="0">
-              <a:spcBef>
-                <a:spcPts val="0"/>
-              </a:spcBef>
-              <a:spcAft>
-                <a:spcPts val="0"/>
-              </a:spcAft>
-              <a:buNone/>
-            </a:pPr>
-            <a:r>
-              <a:rPr lang="en-US" dirty="0"/>
-              <a:t>Market Research</a:t>
-            </a:r>
-            <a:endParaRPr dirty="0"/>
-          </a:p>
-        </p:txBody>
-      </p:sp>
-      <p:sp>
-        <p:nvSpPr>
-          <p:cNvPr id="119" name="Google Shape;119;p22"/>
-          <p:cNvSpPr txBox="1">
-            <a:spLocks noGrp="1"/>
-          </p:cNvSpPr>
-          <p:nvPr>
-            <p:ph type="sldNum" idx="12"/>
-          </p:nvPr>
-        </p:nvSpPr>
-        <p:spPr>
-          <a:xfrm>
-            <a:off x="8556775" y="4777350"/>
-            <a:ext cx="548700" cy="290100"/>
-          </a:xfrm>
-          <a:prstGeom prst="rect">
-            <a:avLst/>
-          </a:prstGeom>
-        </p:spPr>
-        <p:txBody>
-          <a:bodyPr spcFirstLastPara="1" wrap="square" lIns="91425" tIns="91425" rIns="91425" bIns="91425" anchor="t" anchorCtr="0">
-            <a:noAutofit/>
-          </a:bodyPr>
-          <a:lstStyle/>
-          <a:p>
-            <a:pPr marL="0" lvl="0" indent="0" algn="r" rtl="0">
-              <a:spcBef>
-                <a:spcPts val="0"/>
-              </a:spcBef>
-              <a:spcAft>
-                <a:spcPts val="0"/>
-              </a:spcAft>
-              <a:buNone/>
-            </a:pPr>
-            <a:fld id="{00000000-1234-1234-1234-123412341234}" type="slidenum">
-              <a:rPr lang="en"/>
-              <a:t>9</a:t>
-            </a:fld>
-            <a:endParaRPr/>
-          </a:p>
-        </p:txBody>
-      </p:sp>
-      <p:pic>
-        <p:nvPicPr>
-          <p:cNvPr id="3" name="Picture 2" descr="A picture containing room, drawing&#10;&#10;Description automatically generated">
-            <a:extLst>
-              <a:ext uri="{FF2B5EF4-FFF2-40B4-BE49-F238E27FC236}">
-                <a16:creationId xmlns:a16="http://schemas.microsoft.com/office/drawing/2014/main" id="{E4C8D581-BF75-41FD-8378-7AFE1256FB1D}"/>
-              </a:ext>
-            </a:extLst>
-          </p:cNvPr>
-          <p:cNvPicPr>
-            <a:picLocks noChangeAspect="1"/>
-          </p:cNvPicPr>
-          <p:nvPr/>
-        </p:nvPicPr>
-        <p:blipFill>
-          <a:blip r:embed="rId3"/>
-          <a:stretch>
-            <a:fillRect/>
-          </a:stretch>
-        </p:blipFill>
-        <p:spPr>
-          <a:xfrm>
-            <a:off x="634075" y="3558150"/>
-            <a:ext cx="1219200" cy="1219200"/>
-          </a:xfrm>
-          <a:prstGeom prst="rect">
-            <a:avLst/>
-          </a:prstGeom>
-        </p:spPr>
-      </p:pic>
-    </p:spTree>
-    <p:extLst>
-      <p:ext uri="{BB962C8B-B14F-4D97-AF65-F5344CB8AC3E}">
-        <p14:creationId xmlns:p14="http://schemas.microsoft.com/office/powerpoint/2010/main" val="1195357429"/>
-      </p:ext>
-    </p:extLst>
-  </p:cSld>
-  <p:clrMapOvr>
-    <a:masterClrMapping/>
-  </p:clrMapOvr>
-  <p:transition>
-    <p:fade thruBlk="1"/>
-  </p:transition>
-</p:sld>
-</file>
-
 <file path=ppt/theme/theme1.xml><?xml version="1.0" encoding="utf-8"?>
 <a:theme xmlns:a="http://schemas.openxmlformats.org/drawingml/2006/main" name="Mercutio template">
   <a:themeElements>
